--- a/Refactoring Workshop.pptx
+++ b/Refactoring Workshop.pptx
@@ -210,7 +210,7 @@
           <a:p>
             <a:fld id="{593211BE-2AAC-4A14-A5B4-00BA75A95635}" type="datetimeFigureOut">
               <a:rPr lang="en-US" smtClean="0"/>
-              <a:t>4/27/2013</a:t>
+              <a:t>4/28/2013</a:t>
             </a:fld>
             <a:endParaRPr lang="en-US"/>
           </a:p>
@@ -9576,11 +9576,7 @@
                     <a:p>
                       <a:r>
                         <a:rPr lang="en-US" dirty="0" smtClean="0"/>
-                        <a:t>Studies </a:t>
-                      </a:r>
-                      <a:r>
-                        <a:rPr lang="en-US" dirty="0" smtClean="0"/>
-                        <a:t>code, documents.</a:t>
+                        <a:t>Studies code, documents.</a:t>
                       </a:r>
                       <a:endParaRPr lang="en-US" dirty="0"/>
                     </a:p>
@@ -10591,7 +10587,6 @@
               <a:rPr lang="en-US" dirty="0" smtClean="0"/>
               <a:t>Balancing act</a:t>
             </a:r>
-            <a:endParaRPr lang="en-US" dirty="0" smtClean="0"/>
           </a:p>
           <a:p>
             <a:pPr lvl="1"/>
@@ -10599,7 +10594,6 @@
               <a:rPr lang="en-US" dirty="0" smtClean="0"/>
               <a:t>When?</a:t>
             </a:r>
-            <a:endParaRPr lang="en-US" dirty="0" smtClean="0"/>
           </a:p>
           <a:p>
             <a:pPr lvl="1"/>
@@ -10607,33 +10601,24 @@
               <a:rPr lang="en-US" dirty="0" smtClean="0"/>
               <a:t>Risk?</a:t>
             </a:r>
+          </a:p>
+          <a:p>
+            <a:pPr lvl="1"/>
+            <a:r>
+              <a:rPr lang="en-US" dirty="0" smtClean="0"/>
+              <a:t>Benefit?</a:t>
+            </a:r>
+          </a:p>
+          <a:p>
+            <a:endParaRPr lang="en-US" dirty="0"/>
+          </a:p>
+          <a:p>
             <a:endParaRPr lang="en-US" dirty="0" smtClean="0"/>
           </a:p>
           <a:p>
-            <a:pPr lvl="1"/>
             <a:r>
               <a:rPr lang="en-US" dirty="0" smtClean="0"/>
-              <a:t>Benefit</a:t>
-            </a:r>
-            <a:r>
-              <a:rPr lang="en-US" dirty="0" smtClean="0"/>
-              <a:t>?</a:t>
-            </a:r>
-          </a:p>
-          <a:p>
-            <a:endParaRPr lang="en-US" dirty="0"/>
-          </a:p>
-          <a:p>
-            <a:endParaRPr lang="en-US" dirty="0" smtClean="0"/>
-          </a:p>
-          <a:p>
-            <a:r>
-              <a:rPr lang="en-US" dirty="0" smtClean="0"/>
-              <a:t>Not immediately </a:t>
-            </a:r>
-            <a:r>
-              <a:rPr lang="en-US" dirty="0" smtClean="0"/>
-              <a:t>profitable</a:t>
+              <a:t>Not immediately profitable</a:t>
             </a:r>
           </a:p>
           <a:p>
@@ -10646,41 +10631,19 @@
           <a:p>
             <a:r>
               <a:rPr lang="en-US" dirty="0" smtClean="0"/>
-              <a:t>Easier with well </a:t>
-            </a:r>
+              <a:t>Easier with well written code.</a:t>
+            </a:r>
+          </a:p>
+          <a:p>
             <a:r>
               <a:rPr lang="en-US" dirty="0" smtClean="0"/>
-              <a:t>written code</a:t>
-            </a:r>
+              <a:t>Most code is not well written.</a:t>
+            </a:r>
+          </a:p>
+          <a:p>
             <a:r>
               <a:rPr lang="en-US" dirty="0" smtClean="0"/>
-              <a:t>.</a:t>
-            </a:r>
-            <a:endParaRPr lang="en-US" dirty="0" smtClean="0"/>
-          </a:p>
-          <a:p>
-            <a:r>
-              <a:rPr lang="en-US" dirty="0" smtClean="0"/>
-              <a:t>Most code </a:t>
-            </a:r>
-            <a:r>
-              <a:rPr lang="en-US" dirty="0" smtClean="0"/>
-              <a:t>is not well written.</a:t>
-            </a:r>
-            <a:endParaRPr lang="en-US" dirty="0" smtClean="0"/>
-          </a:p>
-          <a:p>
-            <a:r>
-              <a:rPr lang="en-US" dirty="0" smtClean="0"/>
-              <a:t>Most code </a:t>
-            </a:r>
-            <a:r>
-              <a:rPr lang="en-US" dirty="0" smtClean="0"/>
-              <a:t>is </a:t>
-            </a:r>
-            <a:r>
-              <a:rPr lang="en-US" dirty="0" smtClean="0"/>
-              <a:t>difficult to refactor safely.</a:t>
+              <a:t>Most code is difficult to refactor safely.</a:t>
             </a:r>
             <a:endParaRPr lang="en-US" dirty="0"/>
           </a:p>
@@ -11452,11 +11415,6 @@
               </a:rPr>
               <a:t>improvement in another area of code</a:t>
             </a:r>
-            <a:endParaRPr lang="en-US" sz="2800" dirty="0">
-              <a:solidFill>
-                <a:schemeClr val="tx2"/>
-              </a:solidFill>
-            </a:endParaRPr>
           </a:p>
           <a:p>
             <a:endParaRPr lang="en-US" dirty="0"/>
@@ -11554,30 +11512,14 @@
           <a:p>
             <a:r>
               <a:rPr lang="en-US" dirty="0" smtClean="0"/>
-              <a:t>Actual </a:t>
-            </a:r>
+              <a:t>Actual affects</a:t>
+            </a:r>
+          </a:p>
+          <a:p>
+            <a:pPr lvl="1"/>
             <a:r>
               <a:rPr lang="en-US" dirty="0" smtClean="0"/>
-              <a:t>affects</a:t>
-            </a:r>
-          </a:p>
-          <a:p>
-            <a:pPr lvl="1"/>
-            <a:r>
-              <a:rPr lang="en-US" dirty="0" smtClean="0"/>
-              <a:t>Saving </a:t>
-            </a:r>
-            <a:r>
-              <a:rPr lang="en-US" dirty="0" smtClean="0"/>
-              <a:t>deleted</a:t>
-            </a:r>
-            <a:r>
-              <a:rPr lang="en-US" dirty="0" smtClean="0"/>
-              <a:t> </a:t>
-            </a:r>
-            <a:r>
-              <a:rPr lang="en-US" dirty="0" smtClean="0"/>
-              <a:t>all </a:t>
+              <a:t>Saving deleted all </a:t>
             </a:r>
             <a:r>
               <a:rPr lang="en-US" dirty="0" err="1" smtClean="0"/>
@@ -11585,64 +11527,36 @@
             </a:r>
             <a:r>
               <a:rPr lang="en-US" dirty="0" smtClean="0"/>
-              <a:t> within the </a:t>
-            </a:r>
+              <a:t> within the group.</a:t>
+            </a:r>
+          </a:p>
+          <a:p>
+            <a:pPr lvl="1"/>
             <a:r>
               <a:rPr lang="en-US" dirty="0" smtClean="0"/>
-              <a:t>group.</a:t>
-            </a:r>
-            <a:endParaRPr lang="en-US" dirty="0" smtClean="0"/>
+              <a:t>Passed QA and client testing.</a:t>
+            </a:r>
           </a:p>
           <a:p>
             <a:pPr lvl="1"/>
             <a:r>
               <a:rPr lang="en-US" dirty="0" smtClean="0"/>
-              <a:t>Passed </a:t>
-            </a:r>
+              <a:t>Users took 3 weeks to notice.</a:t>
+            </a:r>
+          </a:p>
+          <a:p>
+            <a:pPr lvl="1"/>
             <a:r>
               <a:rPr lang="en-US" dirty="0" smtClean="0"/>
-              <a:t>QA and client testing.</a:t>
+              <a:t>31k of 36k records deleted.</a:t>
             </a:r>
           </a:p>
           <a:p>
             <a:pPr lvl="1"/>
             <a:r>
               <a:rPr lang="en-US" dirty="0" smtClean="0"/>
-              <a:t>Users took 3 weeks </a:t>
-            </a:r>
-            <a:r>
-              <a:rPr lang="en-US" dirty="0" smtClean="0"/>
-              <a:t>to notice.</a:t>
-            </a:r>
-            <a:endParaRPr lang="en-US" dirty="0" smtClean="0"/>
-          </a:p>
-          <a:p>
-            <a:pPr lvl="1"/>
-            <a:r>
-              <a:rPr lang="en-US" dirty="0" smtClean="0"/>
-              <a:t>31k of 36k records </a:t>
-            </a:r>
-            <a:r>
-              <a:rPr lang="en-US" dirty="0" smtClean="0"/>
-              <a:t>deleted.</a:t>
-            </a:r>
-            <a:endParaRPr lang="en-US" dirty="0" smtClean="0"/>
-          </a:p>
-          <a:p>
-            <a:pPr lvl="1"/>
-            <a:r>
-              <a:rPr lang="en-US" dirty="0" smtClean="0"/>
-              <a:t>1 week </a:t>
-            </a:r>
-            <a:r>
-              <a:rPr lang="en-US" dirty="0" smtClean="0"/>
-              <a:t>to fix</a:t>
-            </a:r>
-            <a:r>
-              <a:rPr lang="en-US" dirty="0" smtClean="0"/>
-              <a:t>.</a:t>
-            </a:r>
-            <a:endParaRPr lang="en-US" dirty="0" smtClean="0"/>
+              <a:t>1 week to fix.</a:t>
+            </a:r>
           </a:p>
           <a:p>
             <a:pPr lvl="1"/>
@@ -11655,15 +11569,7 @@
             <a:pPr lvl="1"/>
             <a:r>
               <a:rPr lang="en-US" dirty="0" smtClean="0"/>
-              <a:t>Lowered users </a:t>
-            </a:r>
-            <a:r>
-              <a:rPr lang="en-US" dirty="0" smtClean="0"/>
-              <a:t>confidence </a:t>
-            </a:r>
-            <a:r>
-              <a:rPr lang="en-US" dirty="0" smtClean="0"/>
-              <a:t>level.</a:t>
+              <a:t>Lowered users confidence level.</a:t>
             </a:r>
             <a:endParaRPr lang="en-US" dirty="0"/>
           </a:p>
@@ -12274,11 +12180,7 @@
           <a:p>
             <a:r>
               <a:rPr lang="en-US" dirty="0" smtClean="0"/>
-              <a:t>Write code </a:t>
-            </a:r>
-            <a:r>
-              <a:rPr lang="en-US" dirty="0" smtClean="0"/>
-              <a:t>for other people.</a:t>
+              <a:t>Write code for other people.</a:t>
             </a:r>
           </a:p>
           <a:p>
@@ -12287,51 +12189,25 @@
               <a:rPr lang="en-US" dirty="0" smtClean="0"/>
               <a:t>Code review Often.</a:t>
             </a:r>
-            <a:endParaRPr lang="en-US" dirty="0" smtClean="0"/>
           </a:p>
           <a:p>
             <a:pPr lvl="1"/>
             <a:r>
               <a:rPr lang="en-US" dirty="0" smtClean="0"/>
-              <a:t>Share your code </a:t>
-            </a:r>
+              <a:t>Share your code (OSS).</a:t>
+            </a:r>
+          </a:p>
+          <a:p>
             <a:r>
               <a:rPr lang="en-US" dirty="0" smtClean="0"/>
-              <a:t>(OSS</a:t>
-            </a:r>
+              <a:t>Make code understandable.</a:t>
+            </a:r>
+          </a:p>
+          <a:p>
+            <a:pPr lvl="1"/>
             <a:r>
               <a:rPr lang="en-US" dirty="0" smtClean="0"/>
-              <a:t>).</a:t>
-            </a:r>
-          </a:p>
-          <a:p>
-            <a:r>
-              <a:rPr lang="en-US" dirty="0" smtClean="0"/>
-              <a:t>Make </a:t>
-            </a:r>
-            <a:r>
-              <a:rPr lang="en-US" dirty="0" smtClean="0"/>
-              <a:t>code </a:t>
-            </a:r>
-            <a:r>
-              <a:rPr lang="en-US" dirty="0" smtClean="0"/>
-              <a:t>understandable.</a:t>
-            </a:r>
-            <a:endParaRPr lang="en-US" dirty="0" smtClean="0"/>
-          </a:p>
-          <a:p>
-            <a:pPr lvl="1"/>
-            <a:r>
-              <a:rPr lang="en-US" dirty="0" smtClean="0"/>
-              <a:t>Project structure </a:t>
-            </a:r>
-            <a:r>
-              <a:rPr lang="en-US" dirty="0" smtClean="0"/>
-              <a:t>matters</a:t>
-            </a:r>
-            <a:r>
-              <a:rPr lang="en-US" dirty="0" smtClean="0"/>
-              <a:t>.</a:t>
+              <a:t>Project structure matters.</a:t>
             </a:r>
           </a:p>
           <a:p>
@@ -12347,7 +12223,6 @@
               <a:rPr lang="en-US" dirty="0" smtClean="0"/>
               <a:t>Method Signatures are your Road Signs.</a:t>
             </a:r>
-            <a:endParaRPr lang="en-US" dirty="0" smtClean="0"/>
           </a:p>
           <a:p>
             <a:pPr lvl="1"/>
@@ -13170,14 +13045,12 @@
               <a:rPr lang="en-US" dirty="0" smtClean="0"/>
               <a:t>Learn good techniques.</a:t>
             </a:r>
-            <a:endParaRPr lang="en-US" dirty="0" smtClean="0"/>
           </a:p>
           <a:p>
             <a:r>
               <a:rPr lang="en-US" dirty="0" smtClean="0"/>
               <a:t>And learn when you’ve taken them too far…</a:t>
             </a:r>
-            <a:endParaRPr lang="en-US" dirty="0" smtClean="0"/>
           </a:p>
           <a:p>
             <a:pPr lvl="1"/>
@@ -13646,13 +13519,8 @@
             <a:pPr lvl="1"/>
             <a:r>
               <a:rPr lang="en-US" dirty="0" smtClean="0"/>
-              <a:t>We will assume all code was </a:t>
-            </a:r>
-            <a:r>
-              <a:rPr lang="en-US" dirty="0" smtClean="0"/>
-              <a:t>not written by YOU.</a:t>
-            </a:r>
-            <a:endParaRPr lang="en-US" dirty="0" smtClean="0"/>
+              <a:t>We will assume all code was not written by YOU.</a:t>
+            </a:r>
           </a:p>
           <a:p>
             <a:pPr lvl="1"/>
@@ -13660,27 +13528,13 @@
               <a:rPr lang="en-US" dirty="0" smtClean="0"/>
               <a:t>Practice.</a:t>
             </a:r>
-            <a:endParaRPr lang="en-US" dirty="0" smtClean="0"/>
           </a:p>
           <a:p>
             <a:pPr lvl="2"/>
             <a:r>
               <a:rPr lang="en-US" dirty="0" smtClean="0"/>
-              <a:t>The BAD - </a:t>
-            </a:r>
-            <a:r>
-              <a:rPr lang="en-US" dirty="0" smtClean="0"/>
-              <a:t>code </a:t>
-            </a:r>
-            <a:r>
-              <a:rPr lang="en-US" dirty="0" smtClean="0"/>
-              <a:t>smells and </a:t>
-            </a:r>
-            <a:r>
-              <a:rPr lang="en-US" dirty="0" smtClean="0"/>
-              <a:t>anti-patterns.</a:t>
-            </a:r>
-            <a:endParaRPr lang="en-US" dirty="0" smtClean="0"/>
+              <a:t>The BAD - code smells and anti-patterns.</a:t>
+            </a:r>
           </a:p>
           <a:p>
             <a:pPr lvl="2"/>
@@ -13688,7 +13542,6 @@
               <a:rPr lang="en-US" dirty="0" smtClean="0"/>
               <a:t>The GOOD – patterns and techniques.</a:t>
             </a:r>
-            <a:endParaRPr lang="en-US" dirty="0" smtClean="0"/>
           </a:p>
           <a:p>
             <a:pPr lvl="1"/>
@@ -13698,11 +13551,7 @@
             </a:r>
             <a:r>
               <a:rPr lang="en-US" dirty="0" smtClean="0"/>
-              <a:t>ode </a:t>
-            </a:r>
-            <a:r>
-              <a:rPr lang="en-US" dirty="0" smtClean="0"/>
-              <a:t>review by committee.</a:t>
+              <a:t>ode review by committee.</a:t>
             </a:r>
           </a:p>
           <a:p>
@@ -13718,7 +13567,6 @@
               <a:rPr lang="en-US" dirty="0" smtClean="0"/>
               <a:t>Practice, practice, practice.</a:t>
             </a:r>
-            <a:endParaRPr lang="en-US" dirty="0" smtClean="0"/>
           </a:p>
         </p:txBody>
       </p:sp>
@@ -15016,8 +14864,41 @@
           <a:lstStyle/>
           <a:p>
             <a:r>
+              <a:rPr lang="en-US" sz="2000" b="1" i="1" dirty="0" smtClean="0"/>
+              <a:t>“</a:t>
+            </a:r>
+            <a:r>
               <a:rPr lang="en-US" sz="2000" b="1" dirty="0"/>
-              <a:t>"Refactoring changes the program in small steps. If you make a mistake, it is easy to find the bug."</a:t>
+              <a:t>Refactoring should never appear as a task on a schedule. Keeping code clean is just something that you do all the time</a:t>
+            </a:r>
+            <a:r>
+              <a:rPr lang="en-US" sz="2000" b="1" dirty="0" smtClean="0"/>
+              <a:t>.” </a:t>
+            </a:r>
+            <a:br>
+              <a:rPr lang="en-US" sz="2000" b="1" dirty="0" smtClean="0"/>
+            </a:br>
+            <a:r>
+              <a:rPr lang="en-US" sz="2000" dirty="0"/>
+              <a:t>- </a:t>
+            </a:r>
+            <a:r>
+              <a:rPr lang="en-US" sz="2000" i="1" dirty="0" smtClean="0"/>
+              <a:t>Uncle Bob Martin, Clean Code</a:t>
+            </a:r>
+            <a:endParaRPr lang="en-US" sz="2000" i="1" dirty="0" smtClean="0"/>
+          </a:p>
+          <a:p>
+            <a:endParaRPr lang="en-US" sz="2000" b="1" dirty="0" smtClean="0"/>
+          </a:p>
+          <a:p>
+            <a:r>
+              <a:rPr lang="en-US" sz="2000" b="1" dirty="0" smtClean="0"/>
+              <a:t>"</a:t>
+            </a:r>
+            <a:r>
+              <a:rPr lang="en-US" sz="2000" b="1" dirty="0"/>
+              <a:t>Refactoring changes the program in small steps. If you make a mistake, it is easy to find the bug."</a:t>
             </a:r>
             <a:r>
               <a:rPr lang="en-US" sz="2000" dirty="0"/>
@@ -15040,7 +14921,6 @@
               <a:rPr lang="en-US" sz="2000" i="1" dirty="0"/>
               <a:t>, Refactoring: Improving the Design of Existing Code </a:t>
             </a:r>
-            <a:endParaRPr lang="en-US" sz="2000" i="1" dirty="0" smtClean="0"/>
           </a:p>
           <a:p>
             <a:pPr marL="0" indent="0">
@@ -15050,60 +14930,33 @@
           </a:p>
           <a:p>
             <a:r>
+              <a:rPr lang="en-US" sz="2000" b="1" i="1" dirty="0" smtClean="0"/>
+              <a:t>“</a:t>
+            </a:r>
+            <a:r>
               <a:rPr lang="en-US" sz="2000" b="1" dirty="0"/>
-              <a:t>"When you feel the need to write a comment, first try to refactor the code so that any comment becomes </a:t>
+              <a:t>Don’t leave “broken windows” (bad designs, wrong decisions, or poor code) unrepaired. Fix each one as soon as it is discovered</a:t>
             </a:r>
             <a:r>
               <a:rPr lang="en-US" sz="2000" b="1" dirty="0" smtClean="0"/>
-              <a:t>superfluous</a:t>
-            </a:r>
-            <a:r>
-              <a:rPr lang="en-US" sz="2000" b="1" dirty="0"/>
-              <a:t>."</a:t>
-            </a:r>
-            <a:r>
-              <a:rPr lang="en-US" sz="2000" dirty="0"/>
-              <a:t> </a:t>
+              <a:t>.” </a:t>
             </a:r>
             <a:br>
-              <a:rPr lang="en-US" sz="2000" dirty="0"/>
+              <a:rPr lang="en-US" sz="2000" b="1" dirty="0" smtClean="0"/>
             </a:br>
             <a:r>
-              <a:rPr lang="en-US" sz="2000" dirty="0"/>
-              <a:t>- </a:t>
-            </a:r>
-            <a:r>
-              <a:rPr lang="en-US" sz="2000" i="1" dirty="0">
-                <a:hlinkClick r:id="rId2"/>
-              </a:rPr>
-              <a:t>Martin Fowler</a:t>
+              <a:rPr lang="en-US" sz="2000" dirty="0" smtClean="0"/>
+              <a:t>- </a:t>
+            </a:r>
+            <a:r>
+              <a:rPr lang="en-US" sz="2000" i="1" dirty="0" smtClean="0"/>
+              <a:t>Andrew Hunt &amp; David Thomas, The </a:t>
             </a:r>
             <a:r>
               <a:rPr lang="en-US" sz="2000" i="1" dirty="0"/>
-              <a:t>, Refactoring: Improving the Design of Existing </a:t>
-            </a:r>
-            <a:r>
-              <a:rPr lang="en-US" sz="2000" i="1" dirty="0" smtClean="0"/>
-              <a:t>Code</a:t>
-            </a:r>
-          </a:p>
-          <a:p>
+              <a:t>Pragmatic Programmer</a:t>
+            </a:r>
             <a:endParaRPr lang="en-US" sz="2000" i="1" dirty="0" smtClean="0"/>
-          </a:p>
-          <a:p>
-            <a:r>
-              <a:rPr lang="en-US" sz="2000" i="1" dirty="0" smtClean="0"/>
-              <a:t>Uncle Bob quote</a:t>
-            </a:r>
-          </a:p>
-          <a:p>
-            <a:endParaRPr lang="en-US" sz="2000" i="1" dirty="0" smtClean="0"/>
-          </a:p>
-          <a:p>
-            <a:r>
-              <a:rPr lang="en-US" sz="2000" i="1" dirty="0" smtClean="0"/>
-              <a:t>Broken windows quote (Pragmatic programmer?)</a:t>
-            </a:r>
           </a:p>
           <a:p>
             <a:endParaRPr lang="en-US" sz="2000" i="1" dirty="0"/>
@@ -15126,10 +14979,10 @@
           <a:p>
             <a:pPr lvl="1"/>
             <a:r>
-              <a:rPr lang="en-US" sz="1600" i="1" dirty="0" smtClean="0"/>
-              <a:t>Source Unknown, about TDD</a:t>
-            </a:r>
-            <a:endParaRPr lang="en-US" sz="1600" i="1" dirty="0"/>
+              <a:rPr lang="en-US" sz="2000" i="1" dirty="0" smtClean="0"/>
+              <a:t>TDD</a:t>
+            </a:r>
+            <a:endParaRPr lang="en-US" sz="2000" i="1" dirty="0"/>
           </a:p>
           <a:p>
             <a:endParaRPr lang="en-US" sz="2000" dirty="0"/>
@@ -15583,33 +15436,15 @@
                                   </p:childTnLst>
                                 </p:cTn>
                               </p:par>
-                            </p:childTnLst>
-                          </p:cTn>
-                        </p:par>
-                      </p:childTnLst>
-                    </p:cTn>
-                  </p:par>
-                  <p:par>
-                    <p:cTn id="27" fill="hold">
-                      <p:stCondLst>
-                        <p:cond delay="indefinite"/>
-                      </p:stCondLst>
-                      <p:childTnLst>
-                        <p:par>
-                          <p:cTn id="28" fill="hold">
-                            <p:stCondLst>
-                              <p:cond delay="0"/>
-                            </p:stCondLst>
-                            <p:childTnLst>
                               <p:par>
-                                <p:cTn id="29" presetID="2" presetClass="entr" presetSubtype="4" fill="hold" nodeType="clickEffect">
+                                <p:cTn id="27" presetID="2" presetClass="entr" presetSubtype="4" fill="hold" nodeType="withEffect">
                                   <p:stCondLst>
                                     <p:cond delay="0"/>
                                   </p:stCondLst>
                                   <p:childTnLst>
                                     <p:set>
                                       <p:cBhvr>
-                                        <p:cTn id="30" dur="1" fill="hold">
+                                        <p:cTn id="28" dur="1" fill="hold">
                                           <p:stCondLst>
                                             <p:cond delay="0"/>
                                           </p:stCondLst>
@@ -15617,7 +15452,7 @@
                                         <p:tgtEl>
                                           <p:spTgt spid="2">
                                             <p:txEl>
-                                              <p:pRg st="8" end="8"/>
+                                              <p:pRg st="7" end="7"/>
                                             </p:txEl>
                                           </p:spTgt>
                                         </p:tgtEl>
@@ -15631,11 +15466,11 @@
                                     </p:set>
                                     <p:anim calcmode="lin" valueType="num">
                                       <p:cBhvr additive="base">
-                                        <p:cTn id="31" dur="500" fill="hold"/>
+                                        <p:cTn id="29" dur="500" fill="hold"/>
                                         <p:tgtEl>
                                           <p:spTgt spid="2">
                                             <p:txEl>
-                                              <p:pRg st="8" end="8"/>
+                                              <p:pRg st="7" end="7"/>
                                             </p:txEl>
                                           </p:spTgt>
                                         </p:tgtEl>
@@ -15658,96 +15493,11 @@
                                     </p:anim>
                                     <p:anim calcmode="lin" valueType="num">
                                       <p:cBhvr additive="base">
-                                        <p:cTn id="32" dur="500" fill="hold"/>
+                                        <p:cTn id="30" dur="500" fill="hold"/>
                                         <p:tgtEl>
                                           <p:spTgt spid="2">
                                             <p:txEl>
-                                              <p:pRg st="8" end="8"/>
-                                            </p:txEl>
-                                          </p:spTgt>
-                                        </p:tgtEl>
-                                        <p:attrNameLst>
-                                          <p:attrName>ppt_y</p:attrName>
-                                        </p:attrNameLst>
-                                      </p:cBhvr>
-                                      <p:tavLst>
-                                        <p:tav tm="0">
-                                          <p:val>
-                                            <p:strVal val="1+#ppt_h/2"/>
-                                          </p:val>
-                                        </p:tav>
-                                        <p:tav tm="100000">
-                                          <p:val>
-                                            <p:strVal val="#ppt_y"/>
-                                          </p:val>
-                                        </p:tav>
-                                      </p:tavLst>
-                                    </p:anim>
-                                  </p:childTnLst>
-                                </p:cTn>
-                              </p:par>
-                              <p:par>
-                                <p:cTn id="33" presetID="2" presetClass="entr" presetSubtype="4" fill="hold" nodeType="withEffect">
-                                  <p:stCondLst>
-                                    <p:cond delay="0"/>
-                                  </p:stCondLst>
-                                  <p:childTnLst>
-                                    <p:set>
-                                      <p:cBhvr>
-                                        <p:cTn id="34" dur="1" fill="hold">
-                                          <p:stCondLst>
-                                            <p:cond delay="0"/>
-                                          </p:stCondLst>
-                                        </p:cTn>
-                                        <p:tgtEl>
-                                          <p:spTgt spid="2">
-                                            <p:txEl>
-                                              <p:pRg st="9" end="9"/>
-                                            </p:txEl>
-                                          </p:spTgt>
-                                        </p:tgtEl>
-                                        <p:attrNameLst>
-                                          <p:attrName>style.visibility</p:attrName>
-                                        </p:attrNameLst>
-                                      </p:cBhvr>
-                                      <p:to>
-                                        <p:strVal val="visible"/>
-                                      </p:to>
-                                    </p:set>
-                                    <p:anim calcmode="lin" valueType="num">
-                                      <p:cBhvr additive="base">
-                                        <p:cTn id="35" dur="500" fill="hold"/>
-                                        <p:tgtEl>
-                                          <p:spTgt spid="2">
-                                            <p:txEl>
-                                              <p:pRg st="9" end="9"/>
-                                            </p:txEl>
-                                          </p:spTgt>
-                                        </p:tgtEl>
-                                        <p:attrNameLst>
-                                          <p:attrName>ppt_x</p:attrName>
-                                        </p:attrNameLst>
-                                      </p:cBhvr>
-                                      <p:tavLst>
-                                        <p:tav tm="0">
-                                          <p:val>
-                                            <p:strVal val="#ppt_x"/>
-                                          </p:val>
-                                        </p:tav>
-                                        <p:tav tm="100000">
-                                          <p:val>
-                                            <p:strVal val="#ppt_x"/>
-                                          </p:val>
-                                        </p:tav>
-                                      </p:tavLst>
-                                    </p:anim>
-                                    <p:anim calcmode="lin" valueType="num">
-                                      <p:cBhvr additive="base">
-                                        <p:cTn id="36" dur="500" fill="hold"/>
-                                        <p:tgtEl>
-                                          <p:spTgt spid="2">
-                                            <p:txEl>
-                                              <p:pRg st="9" end="9"/>
+                                              <p:pRg st="7" end="7"/>
                                             </p:txEl>
                                           </p:spTgt>
                                         </p:tgtEl>
@@ -15849,27 +15599,15 @@
             <a:pPr lvl="1"/>
             <a:r>
               <a:rPr lang="en-US" dirty="0" smtClean="0"/>
-              <a:t>Code is never perfect on the first try</a:t>
-            </a:r>
+              <a:t>Code is never perfect on the first try.</a:t>
+            </a:r>
+            <a:endParaRPr lang="en-US" dirty="0"/>
+          </a:p>
+          <a:p>
+            <a:pPr lvl="1"/>
             <a:r>
               <a:rPr lang="en-US" dirty="0" smtClean="0"/>
-              <a:t>.</a:t>
-            </a:r>
-            <a:endParaRPr lang="en-US" dirty="0"/>
-          </a:p>
-          <a:p>
-            <a:pPr lvl="1"/>
-            <a:r>
-              <a:rPr lang="en-US" dirty="0" smtClean="0"/>
-              <a:t>(</a:t>
-            </a:r>
-            <a:r>
-              <a:rPr lang="en-US" dirty="0" smtClean="0"/>
-              <a:t>Business) n</a:t>
-            </a:r>
-            <a:r>
-              <a:rPr lang="en-US" dirty="0" smtClean="0"/>
-              <a:t>eeds change.</a:t>
+              <a:t>(Business) needs change.</a:t>
             </a:r>
           </a:p>
           <a:p>
@@ -15885,7 +15623,6 @@
               <a:rPr lang="en-US" dirty="0" smtClean="0"/>
               <a:t>To remove dead code.</a:t>
             </a:r>
-            <a:endParaRPr lang="en-US" dirty="0" smtClean="0"/>
           </a:p>
           <a:p>
             <a:pPr lvl="1"/>
@@ -15900,7 +15637,6 @@
               <a:rPr lang="en-US" dirty="0" smtClean="0"/>
               <a:t>Move RISK.</a:t>
             </a:r>
-            <a:endParaRPr lang="en-US" dirty="0" smtClean="0"/>
           </a:p>
           <a:p>
             <a:pPr lvl="1"/>
@@ -15908,7 +15644,6 @@
               <a:rPr lang="en-US" dirty="0" smtClean="0"/>
               <a:t>Reduce technical debt.</a:t>
             </a:r>
-            <a:endParaRPr lang="en-US" dirty="0" smtClean="0"/>
           </a:p>
           <a:p>
             <a:pPr lvl="1"/>
@@ -15916,7 +15651,6 @@
               <a:rPr lang="en-US" dirty="0" smtClean="0"/>
               <a:t>Improve coding skills.</a:t>
             </a:r>
-            <a:endParaRPr lang="en-US" dirty="0" smtClean="0"/>
           </a:p>
           <a:p>
             <a:pPr lvl="2"/>
@@ -16586,29 +16320,15 @@
             <a:pPr lvl="1"/>
             <a:r>
               <a:rPr lang="en-US" dirty="0" smtClean="0"/>
-              <a:t>Legacy Code IS a minefield</a:t>
-            </a:r>
+              <a:t>Legacy Code IS a minefield.</a:t>
+            </a:r>
+          </a:p>
+          <a:p>
+            <a:pPr lvl="1"/>
             <a:r>
               <a:rPr lang="en-US" dirty="0" smtClean="0"/>
-              <a:t>.</a:t>
-            </a:r>
-            <a:endParaRPr lang="en-US" dirty="0" smtClean="0"/>
-          </a:p>
-          <a:p>
-            <a:pPr lvl="1"/>
-            <a:r>
-              <a:rPr lang="en-US" dirty="0" smtClean="0"/>
-              <a:t>Don’t churn </a:t>
-            </a:r>
-            <a:r>
-              <a:rPr lang="en-US" dirty="0" smtClean="0"/>
-              <a:t>code </a:t>
-            </a:r>
-            <a:r>
-              <a:rPr lang="en-US" dirty="0" smtClean="0"/>
-              <a:t>– we don’t want to refactor/rewrite EVERYTHING!</a:t>
-            </a:r>
-            <a:endParaRPr lang="en-US" dirty="0" smtClean="0"/>
+              <a:t>Don’t churn code – we don’t want to refactor/rewrite EVERYTHING!</a:t>
+            </a:r>
           </a:p>
           <a:p>
             <a:pPr lvl="1"/>

--- a/Refactoring Workshop.pptx
+++ b/Refactoring Workshop.pptx
@@ -210,7 +210,7 @@
           <a:p>
             <a:fld id="{593211BE-2AAC-4A14-A5B4-00BA75A95635}" type="datetimeFigureOut">
               <a:rPr lang="en-US" smtClean="0"/>
-              <a:t>4/28/2013</a:t>
+              <a:t>4/30/2013</a:t>
             </a:fld>
             <a:endParaRPr lang="en-US"/>
           </a:p>
@@ -14101,14 +14101,14 @@
           <p:nvPr>
             <p:extLst>
               <p:ext uri="{D42A27DB-BD31-4B8C-83A1-F6EECF244321}">
-                <p14:modId xmlns:p14="http://schemas.microsoft.com/office/powerpoint/2010/main" val="2699992030"/>
+                <p14:modId xmlns:p14="http://schemas.microsoft.com/office/powerpoint/2010/main" val="543504191"/>
               </p:ext>
             </p:extLst>
           </p:nvPr>
         </p:nvGraphicFramePr>
         <p:xfrm>
           <a:off x="381000" y="1523999"/>
-          <a:ext cx="7924800" cy="4264780"/>
+          <a:ext cx="7924800" cy="3899020"/>
         </p:xfrm>
         <a:graphic>
           <a:graphicData uri="http://schemas.openxmlformats.org/drawingml/2006/table">
@@ -14158,7 +14158,7 @@
                     <a:p>
                       <a:r>
                         <a:rPr lang="en-US" dirty="0" smtClean="0"/>
-                        <a:t>8am-8:45am</a:t>
+                        <a:t>8am-9:45am</a:t>
                       </a:r>
                       <a:endParaRPr lang="en-US" dirty="0"/>
                     </a:p>
@@ -14172,37 +14172,7 @@
                     <a:p>
                       <a:r>
                         <a:rPr lang="en-US" dirty="0" smtClean="0"/>
-                        <a:t>Intro</a:t>
-                      </a:r>
-                      <a:endParaRPr lang="en-US" dirty="0"/>
-                    </a:p>
-                  </a:txBody>
-                  <a:tcPr/>
-                </a:tc>
-              </a:tr>
-              <a:tr h="363197">
-                <a:tc>
-                  <a:txBody>
-                    <a:bodyPr/>
-                    <a:lstStyle/>
-                    <a:p>
-                      <a:r>
-                        <a:rPr lang="en-US" dirty="0" smtClean="0"/>
-                        <a:t>8:45am-9:45am</a:t>
-                      </a:r>
-                      <a:endParaRPr lang="en-US" dirty="0"/>
-                    </a:p>
-                  </a:txBody>
-                  <a:tcPr/>
-                </a:tc>
-                <a:tc>
-                  <a:txBody>
-                    <a:bodyPr/>
-                    <a:lstStyle/>
-                    <a:p>
-                      <a:r>
-                        <a:rPr lang="en-US" dirty="0" smtClean="0"/>
-                        <a:t>Code Smells</a:t>
+                        <a:t>Intro &amp; Calories Calculator App</a:t>
                       </a:r>
                       <a:endParaRPr lang="en-US" dirty="0"/>
                     </a:p>
@@ -14248,7 +14218,7 @@
                     <a:p>
                       <a:r>
                         <a:rPr lang="en-US" dirty="0" smtClean="0"/>
-                        <a:t>10:00am-12pm</a:t>
+                        <a:t>10am-12pm</a:t>
                       </a:r>
                       <a:endParaRPr lang="en-US" dirty="0"/>
                     </a:p>
@@ -14262,7 +14232,11 @@
                     <a:p>
                       <a:r>
                         <a:rPr lang="en-US" dirty="0" smtClean="0"/>
-                        <a:t>Code Challenges</a:t>
+                        <a:t>Code</a:t>
+                      </a:r>
+                      <a:r>
+                        <a:rPr lang="en-US" baseline="0" dirty="0" smtClean="0"/>
+                        <a:t> Smells</a:t>
                       </a:r>
                       <a:endParaRPr lang="en-US" dirty="0"/>
                     </a:p>
@@ -14322,7 +14296,7 @@
                     <a:p>
                       <a:r>
                         <a:rPr lang="en-US" dirty="0" smtClean="0"/>
-                        <a:t>Writing Clean Code</a:t>
+                        <a:t>Clean Code</a:t>
                       </a:r>
                       <a:endParaRPr lang="en-US" dirty="0"/>
                     </a:p>
@@ -14352,7 +14326,7 @@
                     <a:p>
                       <a:r>
                         <a:rPr lang="en-US" dirty="0" smtClean="0"/>
-                        <a:t>Refactoring practice and assistance</a:t>
+                        <a:t>Refactoring Techniques</a:t>
                       </a:r>
                       <a:endParaRPr lang="en-US" dirty="0"/>
                     </a:p>
@@ -14442,7 +14416,7 @@
                     <a:p>
                       <a:r>
                         <a:rPr lang="en-US" dirty="0" smtClean="0"/>
-                        <a:t>Conclusions</a:t>
+                        <a:t>Wrap-up</a:t>
                       </a:r>
                       <a:endParaRPr lang="en-US" dirty="0"/>
                     </a:p>
@@ -14886,7 +14860,6 @@
               <a:rPr lang="en-US" sz="2000" i="1" dirty="0" smtClean="0"/>
               <a:t>Uncle Bob Martin, Clean Code</a:t>
             </a:r>
-            <a:endParaRPr lang="en-US" sz="2000" i="1" dirty="0" smtClean="0"/>
           </a:p>
           <a:p>
             <a:endParaRPr lang="en-US" sz="2000" b="1" dirty="0" smtClean="0"/>

--- a/Refactoring Workshop.pptx
+++ b/Refactoring Workshop.pptx
@@ -6,7 +6,7 @@
     <p:sldMasterId id="2147483657" r:id="rId2"/>
   </p:sldMasterIdLst>
   <p:notesMasterIdLst>
-    <p:notesMasterId r:id="rId21"/>
+    <p:notesMasterId r:id="rId22"/>
   </p:notesMasterIdLst>
   <p:sldIdLst>
     <p:sldId id="256" r:id="rId3"/>
@@ -23,10 +23,11 @@
     <p:sldId id="271" r:id="rId14"/>
     <p:sldId id="264" r:id="rId15"/>
     <p:sldId id="265" r:id="rId16"/>
-    <p:sldId id="267" r:id="rId17"/>
-    <p:sldId id="268" r:id="rId18"/>
-    <p:sldId id="272" r:id="rId19"/>
-    <p:sldId id="273" r:id="rId20"/>
+    <p:sldId id="274" r:id="rId17"/>
+    <p:sldId id="267" r:id="rId18"/>
+    <p:sldId id="268" r:id="rId19"/>
+    <p:sldId id="272" r:id="rId20"/>
+    <p:sldId id="273" r:id="rId21"/>
   </p:sldIdLst>
   <p:sldSz cx="9144000" cy="6858000" type="screen4x3"/>
   <p:notesSz cx="6858000" cy="9144000"/>
@@ -210,7 +211,7 @@
           <a:p>
             <a:fld id="{593211BE-2AAC-4A14-A5B4-00BA75A95635}" type="datetimeFigureOut">
               <a:rPr lang="en-US" smtClean="0"/>
-              <a:t>4/30/2013</a:t>
+              <a:t>5/1/2013</a:t>
             </a:fld>
             <a:endParaRPr lang="en-US"/>
           </a:p>
@@ -12166,6 +12167,439 @@
             <p:ph idx="1"/>
           </p:nvPr>
         </p:nvSpPr>
+        <p:spPr/>
+        <p:txBody>
+          <a:bodyPr/>
+          <a:lstStyle/>
+          <a:p>
+            <a:r>
+              <a:rPr lang="en-US" dirty="0" smtClean="0"/>
+              <a:t>Ways to reduce risk when refactoring.</a:t>
+            </a:r>
+          </a:p>
+          <a:p>
+            <a:pPr lvl="1"/>
+            <a:r>
+              <a:rPr lang="en-US" dirty="0" smtClean="0"/>
+              <a:t>Tests! (</a:t>
+            </a:r>
+            <a:r>
+              <a:rPr lang="en-US" dirty="0" err="1" smtClean="0"/>
+              <a:t>Nunit</a:t>
+            </a:r>
+            <a:r>
+              <a:rPr lang="en-US" dirty="0" smtClean="0"/>
+              <a:t>, </a:t>
+            </a:r>
+            <a:r>
+              <a:rPr lang="en-US" dirty="0" err="1" smtClean="0"/>
+              <a:t>MSTest</a:t>
+            </a:r>
+            <a:r>
+              <a:rPr lang="en-US" dirty="0" smtClean="0"/>
+              <a:t>, </a:t>
+            </a:r>
+            <a:r>
+              <a:rPr lang="en-US" dirty="0" err="1" smtClean="0"/>
+              <a:t>etc</a:t>
+            </a:r>
+            <a:r>
+              <a:rPr lang="en-US" dirty="0" smtClean="0"/>
+              <a:t>)</a:t>
+            </a:r>
+          </a:p>
+          <a:p>
+            <a:pPr lvl="2"/>
+            <a:r>
+              <a:rPr lang="en-US" dirty="0" smtClean="0"/>
+              <a:t>Legacy code with no tests?</a:t>
+            </a:r>
+            <a:endParaRPr lang="en-US" dirty="0"/>
+          </a:p>
+          <a:p>
+            <a:pPr lvl="3"/>
+            <a:r>
+              <a:rPr lang="en-US" dirty="0" smtClean="0"/>
+              <a:t>Integration -&gt; Unit</a:t>
+            </a:r>
+          </a:p>
+          <a:p>
+            <a:pPr lvl="1"/>
+            <a:r>
+              <a:rPr lang="en-US" dirty="0" smtClean="0"/>
+              <a:t>Minimize impact area</a:t>
+            </a:r>
+          </a:p>
+          <a:p>
+            <a:pPr lvl="1"/>
+            <a:r>
+              <a:rPr lang="en-US" dirty="0" smtClean="0"/>
+              <a:t>Make non-destructive changes first (extracting methods/classes, renaming)</a:t>
+            </a:r>
+          </a:p>
+          <a:p>
+            <a:r>
+              <a:rPr lang="en-US" dirty="0" smtClean="0"/>
+              <a:t>Ultimately it is up to you to manage RISK.</a:t>
+            </a:r>
+          </a:p>
+          <a:p>
+            <a:pPr lvl="1"/>
+            <a:endParaRPr lang="en-US" dirty="0" smtClean="0"/>
+          </a:p>
+        </p:txBody>
+      </p:sp>
+      <p:sp>
+        <p:nvSpPr>
+          <p:cNvPr id="3" name="Title 2"/>
+          <p:cNvSpPr>
+            <a:spLocks noGrp="1"/>
+          </p:cNvSpPr>
+          <p:nvPr>
+            <p:ph type="title"/>
+          </p:nvPr>
+        </p:nvSpPr>
+        <p:spPr/>
+        <p:txBody>
+          <a:bodyPr/>
+          <a:lstStyle/>
+          <a:p>
+            <a:r>
+              <a:rPr lang="en-US" dirty="0" smtClean="0"/>
+              <a:t>Reducing Risk</a:t>
+            </a:r>
+            <a:endParaRPr lang="en-US" dirty="0"/>
+          </a:p>
+        </p:txBody>
+      </p:sp>
+    </p:spTree>
+    <p:extLst>
+      <p:ext uri="{BB962C8B-B14F-4D97-AF65-F5344CB8AC3E}">
+        <p14:creationId xmlns:p14="http://schemas.microsoft.com/office/powerpoint/2010/main" val="2242699609"/>
+      </p:ext>
+    </p:extLst>
+  </p:cSld>
+  <p:clrMapOvr>
+    <a:masterClrMapping/>
+  </p:clrMapOvr>
+  <p:timing>
+    <p:tnLst>
+      <p:par>
+        <p:cTn id="1" dur="indefinite" restart="never" nodeType="tmRoot">
+          <p:childTnLst>
+            <p:seq concurrent="1" nextAc="seek">
+              <p:cTn id="2" dur="indefinite" nodeType="mainSeq">
+                <p:childTnLst>
+                  <p:par>
+                    <p:cTn id="3" fill="hold">
+                      <p:stCondLst>
+                        <p:cond delay="indefinite"/>
+                      </p:stCondLst>
+                      <p:childTnLst>
+                        <p:par>
+                          <p:cTn id="4" fill="hold">
+                            <p:stCondLst>
+                              <p:cond delay="0"/>
+                            </p:stCondLst>
+                            <p:childTnLst>
+                              <p:par>
+                                <p:cTn id="5" presetID="1" presetClass="entr" presetSubtype="0" fill="hold" nodeType="clickEffect">
+                                  <p:stCondLst>
+                                    <p:cond delay="0"/>
+                                  </p:stCondLst>
+                                  <p:childTnLst>
+                                    <p:set>
+                                      <p:cBhvr>
+                                        <p:cTn id="6" dur="1" fill="hold">
+                                          <p:stCondLst>
+                                            <p:cond delay="0"/>
+                                          </p:stCondLst>
+                                        </p:cTn>
+                                        <p:tgtEl>
+                                          <p:spTgt spid="2">
+                                            <p:txEl>
+                                              <p:pRg st="1" end="1"/>
+                                            </p:txEl>
+                                          </p:spTgt>
+                                        </p:tgtEl>
+                                        <p:attrNameLst>
+                                          <p:attrName>style.visibility</p:attrName>
+                                        </p:attrNameLst>
+                                      </p:cBhvr>
+                                      <p:to>
+                                        <p:strVal val="visible"/>
+                                      </p:to>
+                                    </p:set>
+                                  </p:childTnLst>
+                                </p:cTn>
+                              </p:par>
+                              <p:par>
+                                <p:cTn id="7" presetID="1" presetClass="entr" presetSubtype="0" fill="hold" nodeType="withEffect">
+                                  <p:stCondLst>
+                                    <p:cond delay="0"/>
+                                  </p:stCondLst>
+                                  <p:childTnLst>
+                                    <p:set>
+                                      <p:cBhvr>
+                                        <p:cTn id="8" dur="1" fill="hold">
+                                          <p:stCondLst>
+                                            <p:cond delay="0"/>
+                                          </p:stCondLst>
+                                        </p:cTn>
+                                        <p:tgtEl>
+                                          <p:spTgt spid="2">
+                                            <p:txEl>
+                                              <p:pRg st="2" end="2"/>
+                                            </p:txEl>
+                                          </p:spTgt>
+                                        </p:tgtEl>
+                                        <p:attrNameLst>
+                                          <p:attrName>style.visibility</p:attrName>
+                                        </p:attrNameLst>
+                                      </p:cBhvr>
+                                      <p:to>
+                                        <p:strVal val="visible"/>
+                                      </p:to>
+                                    </p:set>
+                                  </p:childTnLst>
+                                </p:cTn>
+                              </p:par>
+                              <p:par>
+                                <p:cTn id="9" presetID="1" presetClass="entr" presetSubtype="0" fill="hold" nodeType="withEffect">
+                                  <p:stCondLst>
+                                    <p:cond delay="0"/>
+                                  </p:stCondLst>
+                                  <p:childTnLst>
+                                    <p:set>
+                                      <p:cBhvr>
+                                        <p:cTn id="10" dur="1" fill="hold">
+                                          <p:stCondLst>
+                                            <p:cond delay="0"/>
+                                          </p:stCondLst>
+                                        </p:cTn>
+                                        <p:tgtEl>
+                                          <p:spTgt spid="2">
+                                            <p:txEl>
+                                              <p:pRg st="3" end="3"/>
+                                            </p:txEl>
+                                          </p:spTgt>
+                                        </p:tgtEl>
+                                        <p:attrNameLst>
+                                          <p:attrName>style.visibility</p:attrName>
+                                        </p:attrNameLst>
+                                      </p:cBhvr>
+                                      <p:to>
+                                        <p:strVal val="visible"/>
+                                      </p:to>
+                                    </p:set>
+                                  </p:childTnLst>
+                                </p:cTn>
+                              </p:par>
+                            </p:childTnLst>
+                          </p:cTn>
+                        </p:par>
+                      </p:childTnLst>
+                    </p:cTn>
+                  </p:par>
+                  <p:par>
+                    <p:cTn id="11" fill="hold">
+                      <p:stCondLst>
+                        <p:cond delay="indefinite"/>
+                      </p:stCondLst>
+                      <p:childTnLst>
+                        <p:par>
+                          <p:cTn id="12" fill="hold">
+                            <p:stCondLst>
+                              <p:cond delay="0"/>
+                            </p:stCondLst>
+                            <p:childTnLst>
+                              <p:par>
+                                <p:cTn id="13" presetID="1" presetClass="entr" presetSubtype="0" fill="hold" nodeType="clickEffect">
+                                  <p:stCondLst>
+                                    <p:cond delay="0"/>
+                                  </p:stCondLst>
+                                  <p:childTnLst>
+                                    <p:set>
+                                      <p:cBhvr>
+                                        <p:cTn id="14" dur="1" fill="hold">
+                                          <p:stCondLst>
+                                            <p:cond delay="0"/>
+                                          </p:stCondLst>
+                                        </p:cTn>
+                                        <p:tgtEl>
+                                          <p:spTgt spid="2">
+                                            <p:txEl>
+                                              <p:pRg st="4" end="4"/>
+                                            </p:txEl>
+                                          </p:spTgt>
+                                        </p:tgtEl>
+                                        <p:attrNameLst>
+                                          <p:attrName>style.visibility</p:attrName>
+                                        </p:attrNameLst>
+                                      </p:cBhvr>
+                                      <p:to>
+                                        <p:strVal val="visible"/>
+                                      </p:to>
+                                    </p:set>
+                                  </p:childTnLst>
+                                </p:cTn>
+                              </p:par>
+                            </p:childTnLst>
+                          </p:cTn>
+                        </p:par>
+                      </p:childTnLst>
+                    </p:cTn>
+                  </p:par>
+                  <p:par>
+                    <p:cTn id="15" fill="hold">
+                      <p:stCondLst>
+                        <p:cond delay="indefinite"/>
+                      </p:stCondLst>
+                      <p:childTnLst>
+                        <p:par>
+                          <p:cTn id="16" fill="hold">
+                            <p:stCondLst>
+                              <p:cond delay="0"/>
+                            </p:stCondLst>
+                            <p:childTnLst>
+                              <p:par>
+                                <p:cTn id="17" presetID="1" presetClass="entr" presetSubtype="0" fill="hold" nodeType="clickEffect">
+                                  <p:stCondLst>
+                                    <p:cond delay="0"/>
+                                  </p:stCondLst>
+                                  <p:childTnLst>
+                                    <p:set>
+                                      <p:cBhvr>
+                                        <p:cTn id="18" dur="1" fill="hold">
+                                          <p:stCondLst>
+                                            <p:cond delay="0"/>
+                                          </p:stCondLst>
+                                        </p:cTn>
+                                        <p:tgtEl>
+                                          <p:spTgt spid="2">
+                                            <p:txEl>
+                                              <p:pRg st="5" end="5"/>
+                                            </p:txEl>
+                                          </p:spTgt>
+                                        </p:tgtEl>
+                                        <p:attrNameLst>
+                                          <p:attrName>style.visibility</p:attrName>
+                                        </p:attrNameLst>
+                                      </p:cBhvr>
+                                      <p:to>
+                                        <p:strVal val="visible"/>
+                                      </p:to>
+                                    </p:set>
+                                  </p:childTnLst>
+                                </p:cTn>
+                              </p:par>
+                            </p:childTnLst>
+                          </p:cTn>
+                        </p:par>
+                      </p:childTnLst>
+                    </p:cTn>
+                  </p:par>
+                  <p:par>
+                    <p:cTn id="19" fill="hold">
+                      <p:stCondLst>
+                        <p:cond delay="indefinite"/>
+                      </p:stCondLst>
+                      <p:childTnLst>
+                        <p:par>
+                          <p:cTn id="20" fill="hold">
+                            <p:stCondLst>
+                              <p:cond delay="0"/>
+                            </p:stCondLst>
+                            <p:childTnLst>
+                              <p:par>
+                                <p:cTn id="21" presetID="1" presetClass="entr" presetSubtype="0" fill="hold" nodeType="clickEffect">
+                                  <p:stCondLst>
+                                    <p:cond delay="0"/>
+                                  </p:stCondLst>
+                                  <p:childTnLst>
+                                    <p:set>
+                                      <p:cBhvr>
+                                        <p:cTn id="22" dur="1" fill="hold">
+                                          <p:stCondLst>
+                                            <p:cond delay="0"/>
+                                          </p:stCondLst>
+                                        </p:cTn>
+                                        <p:tgtEl>
+                                          <p:spTgt spid="2">
+                                            <p:txEl>
+                                              <p:pRg st="6" end="6"/>
+                                            </p:txEl>
+                                          </p:spTgt>
+                                        </p:tgtEl>
+                                        <p:attrNameLst>
+                                          <p:attrName>style.visibility</p:attrName>
+                                        </p:attrNameLst>
+                                      </p:cBhvr>
+                                      <p:to>
+                                        <p:strVal val="visible"/>
+                                      </p:to>
+                                    </p:set>
+                                  </p:childTnLst>
+                                </p:cTn>
+                              </p:par>
+                            </p:childTnLst>
+                          </p:cTn>
+                        </p:par>
+                      </p:childTnLst>
+                    </p:cTn>
+                  </p:par>
+                </p:childTnLst>
+              </p:cTn>
+              <p:prevCondLst>
+                <p:cond evt="onPrev" delay="0">
+                  <p:tgtEl>
+                    <p:sldTgt/>
+                  </p:tgtEl>
+                </p:cond>
+              </p:prevCondLst>
+              <p:nextCondLst>
+                <p:cond evt="onNext" delay="0">
+                  <p:tgtEl>
+                    <p:sldTgt/>
+                  </p:tgtEl>
+                </p:cond>
+              </p:nextCondLst>
+            </p:seq>
+          </p:childTnLst>
+        </p:cTn>
+      </p:par>
+    </p:tnLst>
+  </p:timing>
+</p:sld>
+</file>
+
+<file path=ppt/slides/slide16.xml><?xml version="1.0" encoding="utf-8"?>
+<p:sld xmlns:a="http://schemas.openxmlformats.org/drawingml/2006/main" xmlns:r="http://schemas.openxmlformats.org/officeDocument/2006/relationships" xmlns:p="http://schemas.openxmlformats.org/presentationml/2006/main">
+  <p:cSld>
+    <p:spTree>
+      <p:nvGrpSpPr>
+        <p:cNvPr id="1" name=""/>
+        <p:cNvGrpSpPr/>
+        <p:nvPr/>
+      </p:nvGrpSpPr>
+      <p:grpSpPr>
+        <a:xfrm>
+          <a:off x="0" y="0"/>
+          <a:ext cx="0" cy="0"/>
+          <a:chOff x="0" y="0"/>
+          <a:chExt cx="0" cy="0"/>
+        </a:xfrm>
+      </p:grpSpPr>
+      <p:sp>
+        <p:nvSpPr>
+          <p:cNvPr id="2" name="Content Placeholder 1"/>
+          <p:cNvSpPr>
+            <a:spLocks noGrp="1"/>
+          </p:cNvSpPr>
+          <p:nvPr>
+            <p:ph idx="1"/>
+          </p:nvPr>
+        </p:nvSpPr>
         <p:spPr>
           <a:xfrm>
             <a:off x="152400" y="685800"/>
@@ -12221,8 +12655,20 @@
             <a:pPr lvl="1"/>
             <a:r>
               <a:rPr lang="en-US" dirty="0" smtClean="0"/>
-              <a:t>Method Signatures are your Road Signs.</a:t>
-            </a:r>
+              <a:t>Method Signatures are your Road Signs</a:t>
+            </a:r>
+            <a:r>
+              <a:rPr lang="en-US" dirty="0" smtClean="0"/>
+              <a:t>.</a:t>
+            </a:r>
+          </a:p>
+          <a:p>
+            <a:pPr lvl="1"/>
+            <a:r>
+              <a:rPr lang="en-US" dirty="0" smtClean="0"/>
+              <a:t>Stay away from creating your own conventions.</a:t>
+            </a:r>
+            <a:endParaRPr lang="en-US" dirty="0" smtClean="0"/>
           </a:p>
           <a:p>
             <a:pPr lvl="1"/>
@@ -12965,6 +13411,121 @@
                       </p:childTnLst>
                     </p:cTn>
                   </p:par>
+                  <p:par>
+                    <p:cTn id="45" fill="hold">
+                      <p:stCondLst>
+                        <p:cond delay="indefinite"/>
+                      </p:stCondLst>
+                      <p:childTnLst>
+                        <p:par>
+                          <p:cTn id="46" fill="hold">
+                            <p:stCondLst>
+                              <p:cond delay="0"/>
+                            </p:stCondLst>
+                            <p:childTnLst>
+                              <p:par>
+                                <p:cTn id="47" presetID="42" presetClass="entr" presetSubtype="0" fill="hold" nodeType="clickEffect">
+                                  <p:stCondLst>
+                                    <p:cond delay="0"/>
+                                  </p:stCondLst>
+                                  <p:childTnLst>
+                                    <p:set>
+                                      <p:cBhvr>
+                                        <p:cTn id="48" dur="1" fill="hold">
+                                          <p:stCondLst>
+                                            <p:cond delay="0"/>
+                                          </p:stCondLst>
+                                        </p:cTn>
+                                        <p:tgtEl>
+                                          <p:spTgt spid="2">
+                                            <p:txEl>
+                                              <p:pRg st="7" end="7"/>
+                                            </p:txEl>
+                                          </p:spTgt>
+                                        </p:tgtEl>
+                                        <p:attrNameLst>
+                                          <p:attrName>style.visibility</p:attrName>
+                                        </p:attrNameLst>
+                                      </p:cBhvr>
+                                      <p:to>
+                                        <p:strVal val="visible"/>
+                                      </p:to>
+                                    </p:set>
+                                    <p:animEffect transition="in" filter="fade">
+                                      <p:cBhvr>
+                                        <p:cTn id="49" dur="1000"/>
+                                        <p:tgtEl>
+                                          <p:spTgt spid="2">
+                                            <p:txEl>
+                                              <p:pRg st="7" end="7"/>
+                                            </p:txEl>
+                                          </p:spTgt>
+                                        </p:tgtEl>
+                                      </p:cBhvr>
+                                    </p:animEffect>
+                                    <p:anim calcmode="lin" valueType="num">
+                                      <p:cBhvr>
+                                        <p:cTn id="50" dur="1000" fill="hold"/>
+                                        <p:tgtEl>
+                                          <p:spTgt spid="2">
+                                            <p:txEl>
+                                              <p:pRg st="7" end="7"/>
+                                            </p:txEl>
+                                          </p:spTgt>
+                                        </p:tgtEl>
+                                        <p:attrNameLst>
+                                          <p:attrName>ppt_x</p:attrName>
+                                        </p:attrNameLst>
+                                      </p:cBhvr>
+                                      <p:tavLst>
+                                        <p:tav tm="0">
+                                          <p:val>
+                                            <p:strVal val="#ppt_x"/>
+                                          </p:val>
+                                        </p:tav>
+                                        <p:tav tm="100000">
+                                          <p:val>
+                                            <p:strVal val="#ppt_x"/>
+                                          </p:val>
+                                        </p:tav>
+                                      </p:tavLst>
+                                    </p:anim>
+                                    <p:anim calcmode="lin" valueType="num">
+                                      <p:cBhvr>
+                                        <p:cTn id="51" dur="1000" fill="hold"/>
+                                        <p:tgtEl>
+                                          <p:spTgt spid="2">
+                                            <p:txEl>
+                                              <p:pRg st="7" end="7"/>
+                                            </p:txEl>
+                                          </p:spTgt>
+                                        </p:tgtEl>
+                                        <p:attrNameLst>
+                                          <p:attrName>ppt_y</p:attrName>
+                                        </p:attrNameLst>
+                                      </p:cBhvr>
+                                      <p:tavLst>
+                                        <p:tav tm="0">
+                                          <p:val>
+                                            <p:strVal val="#ppt_y+.1"/>
+                                          </p:val>
+                                        </p:tav>
+                                        <p:tav tm="100000">
+                                          <p:val>
+                                            <p:strVal val="#ppt_y"/>
+                                          </p:val>
+                                        </p:tav>
+                                      </p:tavLst>
+                                    </p:anim>
+                                  </p:childTnLst>
+                                </p:cTn>
+                              </p:par>
+                            </p:childTnLst>
+                          </p:cTn>
+                        </p:par>
+                      </p:childTnLst>
+                    </p:cTn>
+                  </p:par>
                 </p:childTnLst>
               </p:cTn>
               <p:prevCondLst>
@@ -12990,7 +13551,7 @@
 </p:sld>
 </file>
 
-<file path=ppt/slides/slide16.xml><?xml version="1.0" encoding="utf-8"?>
+<file path=ppt/slides/slide17.xml><?xml version="1.0" encoding="utf-8"?>
 <p:sld xmlns:a="http://schemas.openxmlformats.org/drawingml/2006/main" xmlns:r="http://schemas.openxmlformats.org/officeDocument/2006/relationships" xmlns:p="http://schemas.openxmlformats.org/presentationml/2006/main">
   <p:cSld>
     <p:spTree>
@@ -13079,6 +13640,10 @@
           <a:bodyPr/>
           <a:lstStyle/>
           <a:p>
+            <a:r>
+              <a:rPr lang="en-US" dirty="0" smtClean="0"/>
+              <a:t>Writing Clean Code</a:t>
+            </a:r>
             <a:endParaRPr lang="en-US" dirty="0"/>
           </a:p>
         </p:txBody>
@@ -13096,14 +13661,324 @@
   <p:timing>
     <p:tnLst>
       <p:par>
-        <p:cTn id="1" dur="indefinite" restart="never" nodeType="tmRoot"/>
+        <p:cTn id="1" dur="indefinite" restart="never" nodeType="tmRoot">
+          <p:childTnLst>
+            <p:seq concurrent="1" nextAc="seek">
+              <p:cTn id="2" dur="indefinite" nodeType="mainSeq">
+                <p:childTnLst>
+                  <p:par>
+                    <p:cTn id="3" fill="hold">
+                      <p:stCondLst>
+                        <p:cond delay="indefinite"/>
+                      </p:stCondLst>
+                      <p:childTnLst>
+                        <p:par>
+                          <p:cTn id="4" fill="hold">
+                            <p:stCondLst>
+                              <p:cond delay="0"/>
+                            </p:stCondLst>
+                            <p:childTnLst>
+                              <p:par>
+                                <p:cTn id="5" presetID="10" presetClass="entr" presetSubtype="0" fill="hold" nodeType="clickEffect">
+                                  <p:stCondLst>
+                                    <p:cond delay="0"/>
+                                  </p:stCondLst>
+                                  <p:childTnLst>
+                                    <p:set>
+                                      <p:cBhvr>
+                                        <p:cTn id="6" dur="1" fill="hold">
+                                          <p:stCondLst>
+                                            <p:cond delay="0"/>
+                                          </p:stCondLst>
+                                        </p:cTn>
+                                        <p:tgtEl>
+                                          <p:spTgt spid="2">
+                                            <p:txEl>
+                                              <p:pRg st="1" end="1"/>
+                                            </p:txEl>
+                                          </p:spTgt>
+                                        </p:tgtEl>
+                                        <p:attrNameLst>
+                                          <p:attrName>style.visibility</p:attrName>
+                                        </p:attrNameLst>
+                                      </p:cBhvr>
+                                      <p:to>
+                                        <p:strVal val="visible"/>
+                                      </p:to>
+                                    </p:set>
+                                    <p:animEffect transition="in" filter="fade">
+                                      <p:cBhvr>
+                                        <p:cTn id="7" dur="500"/>
+                                        <p:tgtEl>
+                                          <p:spTgt spid="2">
+                                            <p:txEl>
+                                              <p:pRg st="1" end="1"/>
+                                            </p:txEl>
+                                          </p:spTgt>
+                                        </p:tgtEl>
+                                      </p:cBhvr>
+                                    </p:animEffect>
+                                  </p:childTnLst>
+                                </p:cTn>
+                              </p:par>
+                            </p:childTnLst>
+                          </p:cTn>
+                        </p:par>
+                      </p:childTnLst>
+                    </p:cTn>
+                  </p:par>
+                  <p:par>
+                    <p:cTn id="8" fill="hold">
+                      <p:stCondLst>
+                        <p:cond delay="indefinite"/>
+                      </p:stCondLst>
+                      <p:childTnLst>
+                        <p:par>
+                          <p:cTn id="9" fill="hold">
+                            <p:stCondLst>
+                              <p:cond delay="0"/>
+                            </p:stCondLst>
+                            <p:childTnLst>
+                              <p:par>
+                                <p:cTn id="10" presetID="10" presetClass="entr" presetSubtype="0" fill="hold" nodeType="clickEffect">
+                                  <p:stCondLst>
+                                    <p:cond delay="0"/>
+                                  </p:stCondLst>
+                                  <p:childTnLst>
+                                    <p:set>
+                                      <p:cBhvr>
+                                        <p:cTn id="11" dur="1" fill="hold">
+                                          <p:stCondLst>
+                                            <p:cond delay="0"/>
+                                          </p:stCondLst>
+                                        </p:cTn>
+                                        <p:tgtEl>
+                                          <p:spTgt spid="2">
+                                            <p:txEl>
+                                              <p:pRg st="2" end="2"/>
+                                            </p:txEl>
+                                          </p:spTgt>
+                                        </p:tgtEl>
+                                        <p:attrNameLst>
+                                          <p:attrName>style.visibility</p:attrName>
+                                        </p:attrNameLst>
+                                      </p:cBhvr>
+                                      <p:to>
+                                        <p:strVal val="visible"/>
+                                      </p:to>
+                                    </p:set>
+                                    <p:animEffect transition="in" filter="fade">
+                                      <p:cBhvr>
+                                        <p:cTn id="12" dur="500"/>
+                                        <p:tgtEl>
+                                          <p:spTgt spid="2">
+                                            <p:txEl>
+                                              <p:pRg st="2" end="2"/>
+                                            </p:txEl>
+                                          </p:spTgt>
+                                        </p:tgtEl>
+                                      </p:cBhvr>
+                                    </p:animEffect>
+                                  </p:childTnLst>
+                                </p:cTn>
+                              </p:par>
+                            </p:childTnLst>
+                          </p:cTn>
+                        </p:par>
+                      </p:childTnLst>
+                    </p:cTn>
+                  </p:par>
+                  <p:par>
+                    <p:cTn id="13" fill="hold">
+                      <p:stCondLst>
+                        <p:cond delay="indefinite"/>
+                      </p:stCondLst>
+                      <p:childTnLst>
+                        <p:par>
+                          <p:cTn id="14" fill="hold">
+                            <p:stCondLst>
+                              <p:cond delay="0"/>
+                            </p:stCondLst>
+                            <p:childTnLst>
+                              <p:par>
+                                <p:cTn id="15" presetID="10" presetClass="entr" presetSubtype="0" fill="hold" nodeType="clickEffect">
+                                  <p:stCondLst>
+                                    <p:cond delay="0"/>
+                                  </p:stCondLst>
+                                  <p:childTnLst>
+                                    <p:set>
+                                      <p:cBhvr>
+                                        <p:cTn id="16" dur="1" fill="hold">
+                                          <p:stCondLst>
+                                            <p:cond delay="0"/>
+                                          </p:stCondLst>
+                                        </p:cTn>
+                                        <p:tgtEl>
+                                          <p:spTgt spid="2">
+                                            <p:txEl>
+                                              <p:pRg st="3" end="3"/>
+                                            </p:txEl>
+                                          </p:spTgt>
+                                        </p:tgtEl>
+                                        <p:attrNameLst>
+                                          <p:attrName>style.visibility</p:attrName>
+                                        </p:attrNameLst>
+                                      </p:cBhvr>
+                                      <p:to>
+                                        <p:strVal val="visible"/>
+                                      </p:to>
+                                    </p:set>
+                                    <p:animEffect transition="in" filter="fade">
+                                      <p:cBhvr>
+                                        <p:cTn id="17" dur="500"/>
+                                        <p:tgtEl>
+                                          <p:spTgt spid="2">
+                                            <p:txEl>
+                                              <p:pRg st="3" end="3"/>
+                                            </p:txEl>
+                                          </p:spTgt>
+                                        </p:tgtEl>
+                                      </p:cBhvr>
+                                    </p:animEffect>
+                                  </p:childTnLst>
+                                </p:cTn>
+                              </p:par>
+                            </p:childTnLst>
+                          </p:cTn>
+                        </p:par>
+                      </p:childTnLst>
+                    </p:cTn>
+                  </p:par>
+                  <p:par>
+                    <p:cTn id="18" fill="hold">
+                      <p:stCondLst>
+                        <p:cond delay="indefinite"/>
+                      </p:stCondLst>
+                      <p:childTnLst>
+                        <p:par>
+                          <p:cTn id="19" fill="hold">
+                            <p:stCondLst>
+                              <p:cond delay="0"/>
+                            </p:stCondLst>
+                            <p:childTnLst>
+                              <p:par>
+                                <p:cTn id="20" presetID="10" presetClass="entr" presetSubtype="0" fill="hold" nodeType="clickEffect">
+                                  <p:stCondLst>
+                                    <p:cond delay="0"/>
+                                  </p:stCondLst>
+                                  <p:childTnLst>
+                                    <p:set>
+                                      <p:cBhvr>
+                                        <p:cTn id="21" dur="1" fill="hold">
+                                          <p:stCondLst>
+                                            <p:cond delay="0"/>
+                                          </p:stCondLst>
+                                        </p:cTn>
+                                        <p:tgtEl>
+                                          <p:spTgt spid="2">
+                                            <p:txEl>
+                                              <p:pRg st="4" end="4"/>
+                                            </p:txEl>
+                                          </p:spTgt>
+                                        </p:tgtEl>
+                                        <p:attrNameLst>
+                                          <p:attrName>style.visibility</p:attrName>
+                                        </p:attrNameLst>
+                                      </p:cBhvr>
+                                      <p:to>
+                                        <p:strVal val="visible"/>
+                                      </p:to>
+                                    </p:set>
+                                    <p:animEffect transition="in" filter="fade">
+                                      <p:cBhvr>
+                                        <p:cTn id="22" dur="500"/>
+                                        <p:tgtEl>
+                                          <p:spTgt spid="2">
+                                            <p:txEl>
+                                              <p:pRg st="4" end="4"/>
+                                            </p:txEl>
+                                          </p:spTgt>
+                                        </p:tgtEl>
+                                      </p:cBhvr>
+                                    </p:animEffect>
+                                  </p:childTnLst>
+                                </p:cTn>
+                              </p:par>
+                              <p:par>
+                                <p:cTn id="23" presetID="10" presetClass="entr" presetSubtype="0" fill="hold" nodeType="withEffect">
+                                  <p:stCondLst>
+                                    <p:cond delay="0"/>
+                                  </p:stCondLst>
+                                  <p:childTnLst>
+                                    <p:set>
+                                      <p:cBhvr>
+                                        <p:cTn id="24" dur="1" fill="hold">
+                                          <p:stCondLst>
+                                            <p:cond delay="0"/>
+                                          </p:stCondLst>
+                                        </p:cTn>
+                                        <p:tgtEl>
+                                          <p:spTgt spid="2">
+                                            <p:txEl>
+                                              <p:pRg st="5" end="5"/>
+                                            </p:txEl>
+                                          </p:spTgt>
+                                        </p:tgtEl>
+                                        <p:attrNameLst>
+                                          <p:attrName>style.visibility</p:attrName>
+                                        </p:attrNameLst>
+                                      </p:cBhvr>
+                                      <p:to>
+                                        <p:strVal val="visible"/>
+                                      </p:to>
+                                    </p:set>
+                                    <p:animEffect transition="in" filter="fade">
+                                      <p:cBhvr>
+                                        <p:cTn id="25" dur="500"/>
+                                        <p:tgtEl>
+                                          <p:spTgt spid="2">
+                                            <p:txEl>
+                                              <p:pRg st="5" end="5"/>
+                                            </p:txEl>
+                                          </p:spTgt>
+                                        </p:tgtEl>
+                                      </p:cBhvr>
+                                    </p:animEffect>
+                                  </p:childTnLst>
+                                </p:cTn>
+                              </p:par>
+                            </p:childTnLst>
+                          </p:cTn>
+                        </p:par>
+                      </p:childTnLst>
+                    </p:cTn>
+                  </p:par>
+                </p:childTnLst>
+              </p:cTn>
+              <p:prevCondLst>
+                <p:cond evt="onPrev" delay="0">
+                  <p:tgtEl>
+                    <p:sldTgt/>
+                  </p:tgtEl>
+                </p:cond>
+              </p:prevCondLst>
+              <p:nextCondLst>
+                <p:cond evt="onNext" delay="0">
+                  <p:tgtEl>
+                    <p:sldTgt/>
+                  </p:tgtEl>
+                </p:cond>
+              </p:nextCondLst>
+            </p:seq>
+          </p:childTnLst>
+        </p:cTn>
       </p:par>
     </p:tnLst>
   </p:timing>
 </p:sld>
 </file>
 
-<file path=ppt/slides/slide17.xml><?xml version="1.0" encoding="utf-8"?>
+<file path=ppt/slides/slide18.xml><?xml version="1.0" encoding="utf-8"?>
 <p:sld xmlns:a="http://schemas.openxmlformats.org/drawingml/2006/main" xmlns:r="http://schemas.openxmlformats.org/officeDocument/2006/relationships" xmlns:p="http://schemas.openxmlformats.org/presentationml/2006/main">
   <p:cSld>
     <p:spTree>
@@ -13192,7 +14067,7 @@
 </p:sld>
 </file>
 
-<file path=ppt/slides/slide18.xml><?xml version="1.0" encoding="utf-8"?>
+<file path=ppt/slides/slide19.xml><?xml version="1.0" encoding="utf-8"?>
 <p:sld xmlns:a="http://schemas.openxmlformats.org/drawingml/2006/main" xmlns:r="http://schemas.openxmlformats.org/officeDocument/2006/relationships" xmlns:p="http://schemas.openxmlformats.org/presentationml/2006/main">
   <p:cSld>
     <p:spTree>
@@ -13526,21 +14401,35 @@
             <a:pPr lvl="1"/>
             <a:r>
               <a:rPr lang="en-US" dirty="0" smtClean="0"/>
-              <a:t>Practice.</a:t>
-            </a:r>
+              <a:t>Overview</a:t>
+            </a:r>
+            <a:endParaRPr lang="en-US" dirty="0" smtClean="0"/>
           </a:p>
           <a:p>
             <a:pPr lvl="2"/>
             <a:r>
               <a:rPr lang="en-US" dirty="0" smtClean="0"/>
-              <a:t>The BAD - code smells and anti-patterns.</a:t>
-            </a:r>
+              <a:t>AM - The </a:t>
+            </a:r>
+            <a:r>
+              <a:rPr lang="en-US" dirty="0" smtClean="0"/>
+              <a:t>BAD - code </a:t>
+            </a:r>
+            <a:r>
+              <a:rPr lang="en-US" dirty="0" smtClean="0"/>
+              <a:t>smells.</a:t>
+            </a:r>
+            <a:endParaRPr lang="en-US" dirty="0" smtClean="0"/>
           </a:p>
           <a:p>
             <a:pPr lvl="2"/>
             <a:r>
               <a:rPr lang="en-US" dirty="0" smtClean="0"/>
-              <a:t>The GOOD – patterns and techniques.</a:t>
+              <a:t>PM - The </a:t>
+            </a:r>
+            <a:r>
+              <a:rPr lang="en-US" dirty="0" smtClean="0"/>
+              <a:t>GOOD – patterns and techniques.</a:t>
             </a:r>
           </a:p>
           <a:p>
@@ -15615,8 +16504,20 @@
             <a:pPr lvl="1"/>
             <a:r>
               <a:rPr lang="en-US" dirty="0" smtClean="0"/>
-              <a:t>Reduce technical debt.</a:t>
-            </a:r>
+              <a:t>Reduce technical debt</a:t>
+            </a:r>
+            <a:r>
+              <a:rPr lang="en-US" dirty="0" smtClean="0"/>
+              <a:t>.</a:t>
+            </a:r>
+          </a:p>
+          <a:p>
+            <a:pPr lvl="1"/>
+            <a:r>
+              <a:rPr lang="en-US" dirty="0" smtClean="0"/>
+              <a:t>Make it extensible.</a:t>
+            </a:r>
+            <a:endParaRPr lang="en-US" dirty="0" smtClean="0"/>
           </a:p>
           <a:p>
             <a:pPr lvl="1"/>
@@ -16213,6 +17114,67 @@
                                           <p:spTgt spid="2">
                                             <p:txEl>
                                               <p:pRg st="8" end="8"/>
+                                            </p:txEl>
+                                          </p:spTgt>
+                                        </p:tgtEl>
+                                      </p:cBhvr>
+                                    </p:animEffect>
+                                  </p:childTnLst>
+                                </p:cTn>
+                              </p:par>
+                            </p:childTnLst>
+                          </p:cTn>
+                        </p:par>
+                      </p:childTnLst>
+                    </p:cTn>
+                  </p:par>
+                  <p:par>
+                    <p:cTn id="48" fill="hold">
+                      <p:stCondLst>
+                        <p:cond delay="indefinite"/>
+                      </p:stCondLst>
+                      <p:childTnLst>
+                        <p:par>
+                          <p:cTn id="49" fill="hold">
+                            <p:stCondLst>
+                              <p:cond delay="0"/>
+                            </p:stCondLst>
+                            <p:childTnLst>
+                              <p:par>
+                                <p:cTn id="50" presetID="10" presetClass="entr" presetSubtype="0" fill="hold" nodeType="clickEffect">
+                                  <p:stCondLst>
+                                    <p:cond delay="0"/>
+                                  </p:stCondLst>
+                                  <p:childTnLst>
+                                    <p:set>
+                                      <p:cBhvr>
+                                        <p:cTn id="51" dur="1" fill="hold">
+                                          <p:stCondLst>
+                                            <p:cond delay="0"/>
+                                          </p:stCondLst>
+                                        </p:cTn>
+                                        <p:tgtEl>
+                                          <p:spTgt spid="2">
+                                            <p:txEl>
+                                              <p:pRg st="9" end="9"/>
+                                            </p:txEl>
+                                          </p:spTgt>
+                                        </p:tgtEl>
+                                        <p:attrNameLst>
+                                          <p:attrName>style.visibility</p:attrName>
+                                        </p:attrNameLst>
+                                      </p:cBhvr>
+                                      <p:to>
+                                        <p:strVal val="visible"/>
+                                      </p:to>
+                                    </p:set>
+                                    <p:animEffect transition="in" filter="fade">
+                                      <p:cBhvr>
+                                        <p:cTn id="52" dur="500"/>
+                                        <p:tgtEl>
+                                          <p:spTgt spid="2">
+                                            <p:txEl>
+                                              <p:pRg st="9" end="9"/>
                                             </p:txEl>
                                           </p:spTgt>
                                         </p:tgtEl>

--- a/Refactoring Workshop.pptx
+++ b/Refactoring Workshop.pptx
@@ -6,7 +6,7 @@
     <p:sldMasterId id="2147483657" r:id="rId2"/>
   </p:sldMasterIdLst>
   <p:notesMasterIdLst>
-    <p:notesMasterId r:id="rId22"/>
+    <p:notesMasterId r:id="rId23"/>
   </p:notesMasterIdLst>
   <p:sldIdLst>
     <p:sldId id="256" r:id="rId3"/>
@@ -24,10 +24,11 @@
     <p:sldId id="264" r:id="rId15"/>
     <p:sldId id="265" r:id="rId16"/>
     <p:sldId id="274" r:id="rId17"/>
-    <p:sldId id="267" r:id="rId18"/>
-    <p:sldId id="268" r:id="rId19"/>
-    <p:sldId id="272" r:id="rId20"/>
-    <p:sldId id="273" r:id="rId21"/>
+    <p:sldId id="275" r:id="rId18"/>
+    <p:sldId id="267" r:id="rId19"/>
+    <p:sldId id="268" r:id="rId20"/>
+    <p:sldId id="272" r:id="rId21"/>
+    <p:sldId id="273" r:id="rId22"/>
   </p:sldIdLst>
   <p:sldSz cx="9144000" cy="6858000" type="screen4x3"/>
   <p:notesSz cx="6858000" cy="9144000"/>
@@ -12590,6 +12591,277 @@
           <a:chExt cx="0" cy="0"/>
         </a:xfrm>
       </p:grpSpPr>
+      <p:pic>
+        <p:nvPicPr>
+          <p:cNvPr id="5" name="Content Placeholder 4"/>
+          <p:cNvPicPr>
+            <a:picLocks noGrp="1" noChangeAspect="1"/>
+          </p:cNvPicPr>
+          <p:nvPr>
+            <p:ph idx="1"/>
+          </p:nvPr>
+        </p:nvPicPr>
+        <p:blipFill>
+          <a:blip r:embed="rId2">
+            <a:extLst>
+              <a:ext uri="{28A0092B-C50C-407E-A947-70E740481C1C}">
+                <a14:useLocalDpi xmlns:a14="http://schemas.microsoft.com/office/drawing/2010/main" val="0"/>
+              </a:ext>
+            </a:extLst>
+          </a:blip>
+          <a:stretch>
+            <a:fillRect/>
+          </a:stretch>
+        </p:blipFill>
+        <p:spPr>
+          <a:xfrm>
+            <a:off x="2812288" y="762001"/>
+            <a:ext cx="6242303" cy="4876800"/>
+          </a:xfrm>
+        </p:spPr>
+      </p:pic>
+      <p:sp>
+        <p:nvSpPr>
+          <p:cNvPr id="3" name="Title 2"/>
+          <p:cNvSpPr>
+            <a:spLocks noGrp="1"/>
+          </p:cNvSpPr>
+          <p:nvPr>
+            <p:ph type="title"/>
+          </p:nvPr>
+        </p:nvSpPr>
+        <p:spPr/>
+        <p:txBody>
+          <a:bodyPr/>
+          <a:lstStyle/>
+          <a:p>
+            <a:r>
+              <a:rPr lang="en-US" dirty="0" smtClean="0"/>
+              <a:t>The Light at the End of the Tunnel</a:t>
+            </a:r>
+            <a:endParaRPr lang="en-US" dirty="0"/>
+          </a:p>
+        </p:txBody>
+      </p:sp>
+      <p:sp>
+        <p:nvSpPr>
+          <p:cNvPr id="7" name="Content Placeholder 1"/>
+          <p:cNvSpPr txBox="1">
+            <a:spLocks/>
+          </p:cNvSpPr>
+          <p:nvPr/>
+        </p:nvSpPr>
+        <p:spPr>
+          <a:xfrm>
+            <a:off x="152400" y="685800"/>
+            <a:ext cx="2590800" cy="5211764"/>
+          </a:xfrm>
+          <a:prstGeom prst="rect">
+            <a:avLst/>
+          </a:prstGeom>
+        </p:spPr>
+        <p:txBody>
+          <a:bodyPr vert="horz" lIns="91440" tIns="45720" rIns="91440" bIns="45720" rtlCol="0">
+            <a:normAutofit/>
+          </a:bodyPr>
+          <a:lstStyle>
+            <a:lvl1pPr marL="342900" indent="-342900" algn="l" defTabSz="914400" rtl="0" eaLnBrk="1" latinLnBrk="0" hangingPunct="1">
+              <a:spcBef>
+                <a:spcPct val="20000"/>
+              </a:spcBef>
+              <a:buClr>
+                <a:schemeClr val="accent2"/>
+              </a:buClr>
+              <a:buFont typeface="Symbol" pitchFamily="18" charset="2"/>
+              <a:buChar char=""/>
+              <a:defRPr sz="3200" kern="1200">
+                <a:solidFill>
+                  <a:schemeClr val="tx2"/>
+                </a:solidFill>
+                <a:latin typeface="+mn-lt"/>
+                <a:ea typeface="+mn-ea"/>
+                <a:cs typeface="+mn-cs"/>
+              </a:defRPr>
+            </a:lvl1pPr>
+            <a:lvl2pPr marL="742950" indent="-285750" algn="l" defTabSz="914400" rtl="0" eaLnBrk="1" latinLnBrk="0" hangingPunct="1">
+              <a:spcBef>
+                <a:spcPct val="20000"/>
+              </a:spcBef>
+              <a:buFont typeface="Arial" pitchFamily="34" charset="0"/>
+              <a:buChar char="–"/>
+              <a:defRPr sz="2800" kern="1200">
+                <a:solidFill>
+                  <a:schemeClr val="tx2"/>
+                </a:solidFill>
+                <a:latin typeface="+mn-lt"/>
+                <a:ea typeface="+mn-ea"/>
+                <a:cs typeface="+mn-cs"/>
+              </a:defRPr>
+            </a:lvl2pPr>
+            <a:lvl3pPr marL="1143000" indent="-228600" algn="l" defTabSz="914400" rtl="0" eaLnBrk="1" latinLnBrk="0" hangingPunct="1">
+              <a:spcBef>
+                <a:spcPct val="20000"/>
+              </a:spcBef>
+              <a:buFont typeface="Arial" pitchFamily="34" charset="0"/>
+              <a:buChar char="•"/>
+              <a:defRPr sz="2400" kern="1200">
+                <a:solidFill>
+                  <a:schemeClr val="tx2"/>
+                </a:solidFill>
+                <a:latin typeface="+mn-lt"/>
+                <a:ea typeface="+mn-ea"/>
+                <a:cs typeface="+mn-cs"/>
+              </a:defRPr>
+            </a:lvl3pPr>
+            <a:lvl4pPr marL="1600200" indent="-228600" algn="l" defTabSz="914400" rtl="0" eaLnBrk="1" latinLnBrk="0" hangingPunct="1">
+              <a:spcBef>
+                <a:spcPct val="20000"/>
+              </a:spcBef>
+              <a:buFont typeface="Arial" pitchFamily="34" charset="0"/>
+              <a:buChar char="–"/>
+              <a:defRPr sz="2000" kern="1200">
+                <a:solidFill>
+                  <a:schemeClr val="tx2"/>
+                </a:solidFill>
+                <a:latin typeface="+mn-lt"/>
+                <a:ea typeface="+mn-ea"/>
+                <a:cs typeface="+mn-cs"/>
+              </a:defRPr>
+            </a:lvl4pPr>
+            <a:lvl5pPr marL="2057400" indent="-228600" algn="l" defTabSz="914400" rtl="0" eaLnBrk="1" latinLnBrk="0" hangingPunct="1">
+              <a:spcBef>
+                <a:spcPct val="20000"/>
+              </a:spcBef>
+              <a:buFont typeface="Arial" pitchFamily="34" charset="0"/>
+              <a:buChar char="»"/>
+              <a:defRPr sz="2000" kern="1200">
+                <a:solidFill>
+                  <a:schemeClr val="tx2"/>
+                </a:solidFill>
+                <a:latin typeface="+mn-lt"/>
+                <a:ea typeface="+mn-ea"/>
+                <a:cs typeface="+mn-cs"/>
+              </a:defRPr>
+            </a:lvl5pPr>
+            <a:lvl6pPr marL="2514600" indent="-228600" algn="l" defTabSz="914400" rtl="0" eaLnBrk="1" latinLnBrk="0" hangingPunct="1">
+              <a:spcBef>
+                <a:spcPct val="20000"/>
+              </a:spcBef>
+              <a:buFont typeface="Arial" pitchFamily="34" charset="0"/>
+              <a:buChar char="•"/>
+              <a:defRPr sz="2000" kern="1200">
+                <a:solidFill>
+                  <a:schemeClr val="tx1"/>
+                </a:solidFill>
+                <a:latin typeface="+mn-lt"/>
+                <a:ea typeface="+mn-ea"/>
+                <a:cs typeface="+mn-cs"/>
+              </a:defRPr>
+            </a:lvl6pPr>
+            <a:lvl7pPr marL="2971800" indent="-228600" algn="l" defTabSz="914400" rtl="0" eaLnBrk="1" latinLnBrk="0" hangingPunct="1">
+              <a:spcBef>
+                <a:spcPct val="20000"/>
+              </a:spcBef>
+              <a:buFont typeface="Arial" pitchFamily="34" charset="0"/>
+              <a:buChar char="•"/>
+              <a:defRPr sz="2000" kern="1200">
+                <a:solidFill>
+                  <a:schemeClr val="tx1"/>
+                </a:solidFill>
+                <a:latin typeface="+mn-lt"/>
+                <a:ea typeface="+mn-ea"/>
+                <a:cs typeface="+mn-cs"/>
+              </a:defRPr>
+            </a:lvl7pPr>
+            <a:lvl8pPr marL="3429000" indent="-228600" algn="l" defTabSz="914400" rtl="0" eaLnBrk="1" latinLnBrk="0" hangingPunct="1">
+              <a:spcBef>
+                <a:spcPct val="20000"/>
+              </a:spcBef>
+              <a:buFont typeface="Arial" pitchFamily="34" charset="0"/>
+              <a:buChar char="•"/>
+              <a:defRPr sz="2000" kern="1200">
+                <a:solidFill>
+                  <a:schemeClr val="tx1"/>
+                </a:solidFill>
+                <a:latin typeface="+mn-lt"/>
+                <a:ea typeface="+mn-ea"/>
+                <a:cs typeface="+mn-cs"/>
+              </a:defRPr>
+            </a:lvl8pPr>
+            <a:lvl9pPr marL="3886200" indent="-228600" algn="l" defTabSz="914400" rtl="0" eaLnBrk="1" latinLnBrk="0" hangingPunct="1">
+              <a:spcBef>
+                <a:spcPct val="20000"/>
+              </a:spcBef>
+              <a:buFont typeface="Arial" pitchFamily="34" charset="0"/>
+              <a:buChar char="•"/>
+              <a:defRPr sz="2000" kern="1200">
+                <a:solidFill>
+                  <a:schemeClr val="tx1"/>
+                </a:solidFill>
+                <a:latin typeface="+mn-lt"/>
+                <a:ea typeface="+mn-ea"/>
+                <a:cs typeface="+mn-cs"/>
+              </a:defRPr>
+            </a:lvl9pPr>
+          </a:lstStyle>
+          <a:p>
+            <a:r>
+              <a:rPr lang="en-US" dirty="0" smtClean="0"/>
+              <a:t>Code that is easy to maintain.</a:t>
+            </a:r>
+          </a:p>
+          <a:p>
+            <a:r>
+              <a:rPr lang="en-US" dirty="0" smtClean="0"/>
+              <a:t>Code that is flexible to change.</a:t>
+            </a:r>
+          </a:p>
+          <a:p>
+            <a:r>
+              <a:rPr lang="en-US" dirty="0" smtClean="0"/>
+              <a:t>Code that you want to re-use.</a:t>
+            </a:r>
+            <a:endParaRPr lang="en-US" dirty="0"/>
+          </a:p>
+        </p:txBody>
+      </p:sp>
+    </p:spTree>
+    <p:extLst>
+      <p:ext uri="{BB962C8B-B14F-4D97-AF65-F5344CB8AC3E}">
+        <p14:creationId xmlns:p14="http://schemas.microsoft.com/office/powerpoint/2010/main" val="4099482776"/>
+      </p:ext>
+    </p:extLst>
+  </p:cSld>
+  <p:clrMapOvr>
+    <a:masterClrMapping/>
+  </p:clrMapOvr>
+  <p:timing>
+    <p:tnLst>
+      <p:par>
+        <p:cTn id="1" dur="indefinite" restart="never" nodeType="tmRoot"/>
+      </p:par>
+    </p:tnLst>
+  </p:timing>
+</p:sld>
+</file>
+
+<file path=ppt/slides/slide17.xml><?xml version="1.0" encoding="utf-8"?>
+<p:sld xmlns:a="http://schemas.openxmlformats.org/drawingml/2006/main" xmlns:r="http://schemas.openxmlformats.org/officeDocument/2006/relationships" xmlns:p="http://schemas.openxmlformats.org/presentationml/2006/main">
+  <p:cSld>
+    <p:spTree>
+      <p:nvGrpSpPr>
+        <p:cNvPr id="1" name=""/>
+        <p:cNvGrpSpPr/>
+        <p:nvPr/>
+      </p:nvGrpSpPr>
+      <p:grpSpPr>
+        <a:xfrm>
+          <a:off x="0" y="0"/>
+          <a:ext cx="0" cy="0"/>
+          <a:chOff x="0" y="0"/>
+          <a:chExt cx="0" cy="0"/>
+        </a:xfrm>
+      </p:grpSpPr>
       <p:sp>
         <p:nvSpPr>
           <p:cNvPr id="2" name="Content Placeholder 1"/>
@@ -12655,11 +12927,7 @@
             <a:pPr lvl="1"/>
             <a:r>
               <a:rPr lang="en-US" dirty="0" smtClean="0"/>
-              <a:t>Method Signatures are your Road Signs</a:t>
-            </a:r>
-            <a:r>
-              <a:rPr lang="en-US" dirty="0" smtClean="0"/>
-              <a:t>.</a:t>
+              <a:t>Method Signatures are your Road Signs.</a:t>
             </a:r>
           </a:p>
           <a:p>
@@ -12668,7 +12936,6 @@
               <a:rPr lang="en-US" dirty="0" smtClean="0"/>
               <a:t>Stay away from creating your own conventions.</a:t>
             </a:r>
-            <a:endParaRPr lang="en-US" dirty="0" smtClean="0"/>
           </a:p>
           <a:p>
             <a:pPr lvl="1"/>
@@ -13551,7 +13818,7 @@
 </p:sld>
 </file>
 
-<file path=ppt/slides/slide17.xml><?xml version="1.0" encoding="utf-8"?>
+<file path=ppt/slides/slide18.xml><?xml version="1.0" encoding="utf-8"?>
 <p:sld xmlns:a="http://schemas.openxmlformats.org/drawingml/2006/main" xmlns:r="http://schemas.openxmlformats.org/officeDocument/2006/relationships" xmlns:p="http://schemas.openxmlformats.org/presentationml/2006/main">
   <p:cSld>
     <p:spTree>
@@ -13978,7 +14245,7 @@
 </p:sld>
 </file>
 
-<file path=ppt/slides/slide18.xml><?xml version="1.0" encoding="utf-8"?>
+<file path=ppt/slides/slide19.xml><?xml version="1.0" encoding="utf-8"?>
 <p:sld xmlns:a="http://schemas.openxmlformats.org/drawingml/2006/main" xmlns:r="http://schemas.openxmlformats.org/officeDocument/2006/relationships" xmlns:p="http://schemas.openxmlformats.org/presentationml/2006/main">
   <p:cSld>
     <p:spTree>
@@ -14047,6 +14314,57 @@
           </a:xfrm>
         </p:spPr>
       </p:pic>
+      <p:sp>
+        <p:nvSpPr>
+          <p:cNvPr id="2" name="TextBox 1"/>
+          <p:cNvSpPr txBox="1"/>
+          <p:nvPr/>
+        </p:nvSpPr>
+        <p:spPr>
+          <a:xfrm>
+            <a:off x="3886200" y="945986"/>
+            <a:ext cx="4810932" cy="830997"/>
+          </a:xfrm>
+          <a:prstGeom prst="rect">
+            <a:avLst/>
+          </a:prstGeom>
+          <a:noFill/>
+        </p:spPr>
+        <p:txBody>
+          <a:bodyPr wrap="none" rtlCol="0">
+            <a:spAutoFit/>
+          </a:bodyPr>
+          <a:lstStyle/>
+          <a:p>
+            <a:r>
+              <a:rPr lang="en-US" sz="2400" i="1" dirty="0" smtClean="0">
+                <a:solidFill>
+                  <a:schemeClr val="bg1"/>
+                </a:solidFill>
+                <a:latin typeface="Century Gothic" pitchFamily="34" charset="0"/>
+              </a:rPr>
+              <a:t>What habits we create today</a:t>
+            </a:r>
+          </a:p>
+          <a:p>
+            <a:r>
+              <a:rPr lang="en-US" sz="2400" i="1" dirty="0" smtClean="0">
+                <a:solidFill>
+                  <a:schemeClr val="bg1"/>
+                </a:solidFill>
+                <a:latin typeface="Century Gothic" pitchFamily="34" charset="0"/>
+              </a:rPr>
+              <a:t>Make us who we are tomorrow</a:t>
+            </a:r>
+            <a:endParaRPr lang="en-US" sz="2400" i="1" dirty="0">
+              <a:solidFill>
+                <a:schemeClr val="bg1"/>
+              </a:solidFill>
+              <a:latin typeface="Century Gothic" pitchFamily="34" charset="0"/>
+            </a:endParaRPr>
+          </a:p>
+        </p:txBody>
+      </p:sp>
     </p:spTree>
     <p:extLst>
       <p:ext uri="{BB962C8B-B14F-4D97-AF65-F5344CB8AC3E}">
@@ -14060,6 +14378,218 @@
   <p:timing>
     <p:tnLst>
       <p:par>
+        <p:cTn id="1" dur="indefinite" restart="never" nodeType="tmRoot">
+          <p:childTnLst>
+            <p:seq concurrent="1" nextAc="seek">
+              <p:cTn id="2" dur="indefinite" nodeType="mainSeq">
+                <p:childTnLst>
+                  <p:par>
+                    <p:cTn id="3" fill="hold">
+                      <p:stCondLst>
+                        <p:cond delay="indefinite"/>
+                      </p:stCondLst>
+                      <p:childTnLst>
+                        <p:par>
+                          <p:cTn id="4" fill="hold">
+                            <p:stCondLst>
+                              <p:cond delay="0"/>
+                            </p:stCondLst>
+                            <p:childTnLst>
+                              <p:par>
+                                <p:cTn id="5" presetID="1" presetClass="entr" presetSubtype="0" fill="hold" grpId="0" nodeType="clickEffect">
+                                  <p:stCondLst>
+                                    <p:cond delay="0"/>
+                                  </p:stCondLst>
+                                  <p:childTnLst>
+                                    <p:set>
+                                      <p:cBhvr>
+                                        <p:cTn id="6" dur="1" fill="hold">
+                                          <p:stCondLst>
+                                            <p:cond delay="0"/>
+                                          </p:stCondLst>
+                                        </p:cTn>
+                                        <p:tgtEl>
+                                          <p:spTgt spid="2"/>
+                                        </p:tgtEl>
+                                        <p:attrNameLst>
+                                          <p:attrName>style.visibility</p:attrName>
+                                        </p:attrNameLst>
+                                      </p:cBhvr>
+                                      <p:to>
+                                        <p:strVal val="visible"/>
+                                      </p:to>
+                                    </p:set>
+                                  </p:childTnLst>
+                                </p:cTn>
+                              </p:par>
+                            </p:childTnLst>
+                          </p:cTn>
+                        </p:par>
+                      </p:childTnLst>
+                    </p:cTn>
+                  </p:par>
+                </p:childTnLst>
+              </p:cTn>
+              <p:prevCondLst>
+                <p:cond evt="onPrev" delay="0">
+                  <p:tgtEl>
+                    <p:sldTgt/>
+                  </p:tgtEl>
+                </p:cond>
+              </p:prevCondLst>
+              <p:nextCondLst>
+                <p:cond evt="onNext" delay="0">
+                  <p:tgtEl>
+                    <p:sldTgt/>
+                  </p:tgtEl>
+                </p:cond>
+              </p:nextCondLst>
+            </p:seq>
+          </p:childTnLst>
+        </p:cTn>
+      </p:par>
+    </p:tnLst>
+    <p:bldLst>
+      <p:bldP spid="2" grpId="0"/>
+    </p:bldLst>
+  </p:timing>
+</p:sld>
+</file>
+
+<file path=ppt/slides/slide2.xml><?xml version="1.0" encoding="utf-8"?>
+<p:sld xmlns:a="http://schemas.openxmlformats.org/drawingml/2006/main" xmlns:r="http://schemas.openxmlformats.org/officeDocument/2006/relationships" xmlns:p="http://schemas.openxmlformats.org/presentationml/2006/main">
+  <p:cSld>
+    <p:spTree>
+      <p:nvGrpSpPr>
+        <p:cNvPr id="1" name=""/>
+        <p:cNvGrpSpPr/>
+        <p:nvPr/>
+      </p:nvGrpSpPr>
+      <p:grpSpPr>
+        <a:xfrm>
+          <a:off x="0" y="0"/>
+          <a:ext cx="0" cy="0"/>
+          <a:chOff x="0" y="0"/>
+          <a:chExt cx="0" cy="0"/>
+        </a:xfrm>
+      </p:grpSpPr>
+      <p:sp>
+        <p:nvSpPr>
+          <p:cNvPr id="2" name="Content Placeholder 1"/>
+          <p:cNvSpPr>
+            <a:spLocks noGrp="1"/>
+          </p:cNvSpPr>
+          <p:nvPr>
+            <p:ph idx="1"/>
+          </p:nvPr>
+        </p:nvSpPr>
+        <p:spPr/>
+        <p:txBody>
+          <a:bodyPr>
+            <a:normAutofit/>
+          </a:bodyPr>
+          <a:lstStyle/>
+          <a:p>
+            <a:pPr marL="0" indent="0">
+              <a:buNone/>
+            </a:pPr>
+            <a:r>
+              <a:rPr lang="en-US" dirty="0" smtClean="0"/>
+              <a:t>Lab facilitators</a:t>
+            </a:r>
+          </a:p>
+          <a:p>
+            <a:r>
+              <a:rPr lang="en-US" dirty="0" smtClean="0"/>
+              <a:t>Patrick Delancy – DEG</a:t>
+            </a:r>
+          </a:p>
+          <a:p>
+            <a:r>
+              <a:rPr lang="en-US" dirty="0" smtClean="0"/>
+              <a:t>Ryan Langton – DEG	</a:t>
+            </a:r>
+          </a:p>
+          <a:p>
+            <a:r>
+              <a:rPr lang="en-US" dirty="0" smtClean="0"/>
+              <a:t>Cory House - </a:t>
+            </a:r>
+            <a:r>
+              <a:rPr lang="en-US" dirty="0" err="1" smtClean="0"/>
+              <a:t>VinSolutions</a:t>
+            </a:r>
+            <a:endParaRPr lang="en-US" dirty="0" smtClean="0"/>
+          </a:p>
+        </p:txBody>
+      </p:sp>
+      <p:sp>
+        <p:nvSpPr>
+          <p:cNvPr id="3" name="Title 2"/>
+          <p:cNvSpPr>
+            <a:spLocks noGrp="1"/>
+          </p:cNvSpPr>
+          <p:nvPr>
+            <p:ph type="title"/>
+          </p:nvPr>
+        </p:nvSpPr>
+        <p:spPr/>
+        <p:txBody>
+          <a:bodyPr/>
+          <a:lstStyle/>
+          <a:p>
+            <a:r>
+              <a:rPr lang="en-US" dirty="0" smtClean="0"/>
+              <a:t>Turning Water into Wine</a:t>
+            </a:r>
+            <a:endParaRPr lang="en-US" dirty="0"/>
+          </a:p>
+        </p:txBody>
+      </p:sp>
+      <p:sp>
+        <p:nvSpPr>
+          <p:cNvPr id="4" name="Footer Placeholder 3"/>
+          <p:cNvSpPr>
+            <a:spLocks noGrp="1"/>
+          </p:cNvSpPr>
+          <p:nvPr>
+            <p:ph type="ftr" sz="quarter" idx="10"/>
+          </p:nvPr>
+        </p:nvSpPr>
+        <p:spPr/>
+        <p:txBody>
+          <a:bodyPr/>
+          <a:lstStyle/>
+          <a:p>
+            <a:r>
+              <a:rPr lang="en-US" dirty="0" smtClean="0"/>
+              <a:t>Change Presentation Title on Insert Ribbon :: Date Here</a:t>
+            </a:r>
+            <a:endParaRPr lang="en-US" dirty="0"/>
+          </a:p>
+        </p:txBody>
+      </p:sp>
+    </p:spTree>
+    <p:extLst>
+      <p:ext uri="{BB962C8B-B14F-4D97-AF65-F5344CB8AC3E}">
+        <p14:creationId xmlns:p14="http://schemas.microsoft.com/office/powerpoint/2010/main" val="3664266628"/>
+      </p:ext>
+    </p:extLst>
+  </p:cSld>
+  <p:clrMapOvr>
+    <a:masterClrMapping/>
+  </p:clrMapOvr>
+  <mc:AlternateContent xmlns:mc="http://schemas.openxmlformats.org/markup-compatibility/2006" xmlns:p14="http://schemas.microsoft.com/office/powerpoint/2010/main">
+    <mc:Choice Requires="p14">
+      <p:transition spd="slow" p14:dur="2000"/>
+    </mc:Choice>
+    <mc:Fallback xmlns="">
+      <p:transition spd="slow"/>
+    </mc:Fallback>
+  </mc:AlternateContent>
+  <p:timing>
+    <p:tnLst>
+      <p:par>
         <p:cTn id="1" dur="indefinite" restart="never" nodeType="tmRoot"/>
       </p:par>
     </p:tnLst>
@@ -14067,7 +14597,7 @@
 </p:sld>
 </file>
 
-<file path=ppt/slides/slide19.xml><?xml version="1.0" encoding="utf-8"?>
+<file path=ppt/slides/slide20.xml><?xml version="1.0" encoding="utf-8"?>
 <p:sld xmlns:a="http://schemas.openxmlformats.org/drawingml/2006/main" xmlns:r="http://schemas.openxmlformats.org/officeDocument/2006/relationships" xmlns:p="http://schemas.openxmlformats.org/presentationml/2006/main">
   <p:cSld>
     <p:spTree>
@@ -14203,147 +14733,6 @@
 </p:sld>
 </file>
 
-<file path=ppt/slides/slide2.xml><?xml version="1.0" encoding="utf-8"?>
-<p:sld xmlns:a="http://schemas.openxmlformats.org/drawingml/2006/main" xmlns:r="http://schemas.openxmlformats.org/officeDocument/2006/relationships" xmlns:p="http://schemas.openxmlformats.org/presentationml/2006/main">
-  <p:cSld>
-    <p:spTree>
-      <p:nvGrpSpPr>
-        <p:cNvPr id="1" name=""/>
-        <p:cNvGrpSpPr/>
-        <p:nvPr/>
-      </p:nvGrpSpPr>
-      <p:grpSpPr>
-        <a:xfrm>
-          <a:off x="0" y="0"/>
-          <a:ext cx="0" cy="0"/>
-          <a:chOff x="0" y="0"/>
-          <a:chExt cx="0" cy="0"/>
-        </a:xfrm>
-      </p:grpSpPr>
-      <p:sp>
-        <p:nvSpPr>
-          <p:cNvPr id="2" name="Content Placeholder 1"/>
-          <p:cNvSpPr>
-            <a:spLocks noGrp="1"/>
-          </p:cNvSpPr>
-          <p:nvPr>
-            <p:ph idx="1"/>
-          </p:nvPr>
-        </p:nvSpPr>
-        <p:spPr/>
-        <p:txBody>
-          <a:bodyPr>
-            <a:normAutofit/>
-          </a:bodyPr>
-          <a:lstStyle/>
-          <a:p>
-            <a:pPr marL="0" indent="0">
-              <a:buNone/>
-            </a:pPr>
-            <a:r>
-              <a:rPr lang="en-US" dirty="0" smtClean="0"/>
-              <a:t>Lab facilitators</a:t>
-            </a:r>
-          </a:p>
-          <a:p>
-            <a:r>
-              <a:rPr lang="en-US" dirty="0" smtClean="0"/>
-              <a:t>Patrick Delancy – DEG</a:t>
-            </a:r>
-          </a:p>
-          <a:p>
-            <a:r>
-              <a:rPr lang="en-US" dirty="0" smtClean="0"/>
-              <a:t>Ryan Langton – DEG	</a:t>
-            </a:r>
-          </a:p>
-          <a:p>
-            <a:r>
-              <a:rPr lang="en-US" dirty="0" smtClean="0"/>
-              <a:t>Cory House - </a:t>
-            </a:r>
-            <a:r>
-              <a:rPr lang="en-US" dirty="0" err="1" smtClean="0"/>
-              <a:t>VinSolutions</a:t>
-            </a:r>
-            <a:endParaRPr lang="en-US" dirty="0" smtClean="0"/>
-          </a:p>
-        </p:txBody>
-      </p:sp>
-      <p:sp>
-        <p:nvSpPr>
-          <p:cNvPr id="3" name="Title 2"/>
-          <p:cNvSpPr>
-            <a:spLocks noGrp="1"/>
-          </p:cNvSpPr>
-          <p:nvPr>
-            <p:ph type="title"/>
-          </p:nvPr>
-        </p:nvSpPr>
-        <p:spPr/>
-        <p:txBody>
-          <a:bodyPr/>
-          <a:lstStyle/>
-          <a:p>
-            <a:r>
-              <a:rPr lang="en-US" dirty="0" smtClean="0"/>
-              <a:t>Turning Water into Wine</a:t>
-            </a:r>
-            <a:endParaRPr lang="en-US" dirty="0"/>
-          </a:p>
-        </p:txBody>
-      </p:sp>
-      <p:sp>
-        <p:nvSpPr>
-          <p:cNvPr id="4" name="Footer Placeholder 3"/>
-          <p:cNvSpPr>
-            <a:spLocks noGrp="1"/>
-          </p:cNvSpPr>
-          <p:nvPr>
-            <p:ph type="ftr" sz="quarter" idx="10"/>
-          </p:nvPr>
-        </p:nvSpPr>
-        <p:spPr/>
-        <p:txBody>
-          <a:bodyPr/>
-          <a:lstStyle/>
-          <a:p>
-            <a:r>
-              <a:rPr lang="en-US" dirty="0" smtClean="0"/>
-              <a:t>Change Presentation Title on Insert Ribbon :: Date Here</a:t>
-            </a:r>
-            <a:endParaRPr lang="en-US" dirty="0"/>
-          </a:p>
-        </p:txBody>
-      </p:sp>
-    </p:spTree>
-    <p:extLst>
-      <p:ext uri="{BB962C8B-B14F-4D97-AF65-F5344CB8AC3E}">
-        <p14:creationId xmlns:p14="http://schemas.microsoft.com/office/powerpoint/2010/main" val="3664266628"/>
-      </p:ext>
-    </p:extLst>
-  </p:cSld>
-  <p:clrMapOvr>
-    <a:masterClrMapping/>
-  </p:clrMapOvr>
-  <mc:AlternateContent xmlns:mc="http://schemas.openxmlformats.org/markup-compatibility/2006" xmlns:p14="http://schemas.microsoft.com/office/powerpoint/2010/main">
-    <mc:Choice Requires="p14">
-      <p:transition spd="slow" p14:dur="2000"/>
-    </mc:Choice>
-    <mc:Fallback xmlns="">
-      <p:transition spd="slow"/>
-    </mc:Fallback>
-  </mc:AlternateContent>
-  <p:timing>
-    <p:tnLst>
-      <p:par>
-        <p:cTn id="1" dur="indefinite" restart="never" nodeType="tmRoot"/>
-      </p:par>
-    </p:tnLst>
-  </p:timing>
-</p:sld>
-</file>
-
 <file path=ppt/slides/slide3.xml><?xml version="1.0" encoding="utf-8"?>
 <p:sld xmlns:a="http://schemas.openxmlformats.org/drawingml/2006/main" xmlns:r="http://schemas.openxmlformats.org/officeDocument/2006/relationships" xmlns:p="http://schemas.openxmlformats.org/presentationml/2006/main">
   <p:cSld>
@@ -14394,38 +14783,25 @@
             <a:pPr lvl="1"/>
             <a:r>
               <a:rPr lang="en-US" dirty="0" smtClean="0"/>
-              <a:t>We will assume all code was not written by YOU.</a:t>
+              <a:t>We will assume all code was not written by anyone here.</a:t>
             </a:r>
           </a:p>
           <a:p>
             <a:pPr lvl="1"/>
             <a:r>
               <a:rPr lang="en-US" dirty="0" smtClean="0"/>
-              <a:t>Overview</a:t>
-            </a:r>
-            <a:endParaRPr lang="en-US" dirty="0" smtClean="0"/>
-          </a:p>
-          <a:p>
-            <a:pPr lvl="2"/>
+              <a:t>The </a:t>
+            </a:r>
             <a:r>
               <a:rPr lang="en-US" dirty="0" smtClean="0"/>
-              <a:t>AM - The </a:t>
-            </a:r>
+              <a:t>BAD - code smells.</a:t>
+            </a:r>
+          </a:p>
+          <a:p>
+            <a:pPr lvl="1"/>
             <a:r>
               <a:rPr lang="en-US" dirty="0" smtClean="0"/>
-              <a:t>BAD - code </a:t>
-            </a:r>
-            <a:r>
-              <a:rPr lang="en-US" dirty="0" smtClean="0"/>
-              <a:t>smells.</a:t>
-            </a:r>
-            <a:endParaRPr lang="en-US" dirty="0" smtClean="0"/>
-          </a:p>
-          <a:p>
-            <a:pPr lvl="2"/>
-            <a:r>
-              <a:rPr lang="en-US" dirty="0" smtClean="0"/>
-              <a:t>PM - The </a:t>
+              <a:t>The </a:t>
             </a:r>
             <a:r>
               <a:rPr lang="en-US" dirty="0" smtClean="0"/>
@@ -14454,7 +14830,7 @@
             <a:pPr lvl="1"/>
             <a:r>
               <a:rPr lang="en-US" dirty="0" smtClean="0"/>
-              <a:t>Practice, practice, practice.</a:t>
+              <a:t>Lot’s of practice refactoring.</a:t>
             </a:r>
           </a:p>
         </p:txBody>
@@ -14823,55 +15199,6 @@
                                           <p:spTgt spid="2">
                                             <p:txEl>
                                               <p:pRg st="7" end="7"/>
-                                            </p:txEl>
-                                          </p:spTgt>
-                                        </p:tgtEl>
-                                        <p:attrNameLst>
-                                          <p:attrName>style.visibility</p:attrName>
-                                        </p:attrNameLst>
-                                      </p:cBhvr>
-                                      <p:to>
-                                        <p:strVal val="visible"/>
-                                      </p:to>
-                                    </p:set>
-                                  </p:childTnLst>
-                                </p:cTn>
-                              </p:par>
-                            </p:childTnLst>
-                          </p:cTn>
-                        </p:par>
-                      </p:childTnLst>
-                    </p:cTn>
-                  </p:par>
-                  <p:par>
-                    <p:cTn id="31" fill="hold">
-                      <p:stCondLst>
-                        <p:cond delay="indefinite"/>
-                      </p:stCondLst>
-                      <p:childTnLst>
-                        <p:par>
-                          <p:cTn id="32" fill="hold">
-                            <p:stCondLst>
-                              <p:cond delay="0"/>
-                            </p:stCondLst>
-                            <p:childTnLst>
-                              <p:par>
-                                <p:cTn id="33" presetID="1" presetClass="entr" presetSubtype="0" fill="hold" nodeType="clickEffect">
-                                  <p:stCondLst>
-                                    <p:cond delay="0"/>
-                                  </p:stCondLst>
-                                  <p:childTnLst>
-                                    <p:set>
-                                      <p:cBhvr>
-                                        <p:cTn id="34" dur="1" fill="hold">
-                                          <p:stCondLst>
-                                            <p:cond delay="0"/>
-                                          </p:stCondLst>
-                                        </p:cTn>
-                                        <p:tgtEl>
-                                          <p:spTgt spid="2">
-                                            <p:txEl>
-                                              <p:pRg st="8" end="8"/>
                                             </p:txEl>
                                           </p:spTgt>
                                         </p:tgtEl>
@@ -15408,34 +15735,34 @@
               </a:rPr>
               <a:t>github.com/PatrickDelancy/RefactoringWorkshop</a:t>
             </a:r>
-            <a:endParaRPr lang="en-US" dirty="0" smtClean="0"/>
+            <a:endParaRPr lang="en-US" dirty="0"/>
           </a:p>
           <a:p>
             <a:r>
               <a:rPr lang="en-US" dirty="0" smtClean="0"/>
-              <a:t>Or </a:t>
-            </a:r>
-            <a:r>
-              <a:rPr lang="en-US" dirty="0" err="1" smtClean="0"/>
-              <a:t>DropBox</a:t>
-            </a:r>
-            <a:endParaRPr lang="en-US" dirty="0" smtClean="0"/>
+              <a:t>Handouts </a:t>
+            </a:r>
           </a:p>
           <a:p>
             <a:pPr lvl="1"/>
             <a:r>
               <a:rPr lang="en-US" dirty="0" smtClean="0"/>
-              <a:t>TODO</a:t>
-            </a:r>
-          </a:p>
-          <a:p>
+              <a:t>Code smells and anti-patterns</a:t>
+            </a:r>
+          </a:p>
+          <a:p>
+            <a:pPr lvl="1"/>
             <a:r>
               <a:rPr lang="en-US" dirty="0" smtClean="0"/>
-              <a:t>Be ready to code/refactor!</a:t>
-            </a:r>
-          </a:p>
-          <a:p>
-            <a:endParaRPr lang="en-US" dirty="0" smtClean="0"/>
+              <a:t>Principals and best practices</a:t>
+            </a:r>
+          </a:p>
+          <a:p>
+            <a:pPr lvl="1"/>
+            <a:r>
+              <a:rPr lang="en-US" dirty="0" smtClean="0"/>
+              <a:t>R#/VS shortcuts</a:t>
+            </a:r>
           </a:p>
         </p:txBody>
       </p:sp>
@@ -15456,7 +15783,7 @@
           <a:p>
             <a:r>
               <a:rPr lang="en-US" dirty="0" smtClean="0"/>
-              <a:t>Prerequisites</a:t>
+              <a:t>Prerequisites and tools</a:t>
             </a:r>
             <a:endParaRPr lang="en-US" dirty="0"/>
           </a:p>
@@ -16504,11 +16831,7 @@
             <a:pPr lvl="1"/>
             <a:r>
               <a:rPr lang="en-US" dirty="0" smtClean="0"/>
-              <a:t>Reduce technical debt</a:t>
-            </a:r>
-            <a:r>
-              <a:rPr lang="en-US" dirty="0" smtClean="0"/>
-              <a:t>.</a:t>
+              <a:t>Reduce technical debt.</a:t>
             </a:r>
           </a:p>
           <a:p>
@@ -16517,7 +16840,6 @@
               <a:rPr lang="en-US" dirty="0" smtClean="0"/>
               <a:t>Make it extensible.</a:t>
             </a:r>
-            <a:endParaRPr lang="en-US" dirty="0" smtClean="0"/>
           </a:p>
           <a:p>
             <a:pPr lvl="1"/>

--- a/Refactoring Workshop.pptx
+++ b/Refactoring Workshop.pptx
@@ -9487,7 +9487,7 @@
           <p:nvPr>
             <p:extLst>
               <p:ext uri="{D42A27DB-BD31-4B8C-83A1-F6EECF244321}">
-                <p14:modId xmlns:p14="http://schemas.microsoft.com/office/powerpoint/2010/main" val="3598013015"/>
+                <p14:modId xmlns:p14="http://schemas.microsoft.com/office/powerpoint/2010/main" val="2348204320"/>
               </p:ext>
             </p:extLst>
           </p:nvPr>
@@ -9514,7 +9514,15 @@
                     <a:p>
                       <a:r>
                         <a:rPr lang="en-US" dirty="0" smtClean="0"/>
-                        <a:t>Developer A</a:t>
+                        <a:t>Developer A (</a:t>
+                      </a:r>
+                      <a:r>
+                        <a:rPr lang="en-US" dirty="0" err="1" smtClean="0"/>
+                        <a:t>Patrik</a:t>
+                      </a:r>
+                      <a:r>
+                        <a:rPr lang="en-US" dirty="0" smtClean="0"/>
+                        <a:t>)</a:t>
                       </a:r>
                       <a:endParaRPr lang="en-US" dirty="0"/>
                     </a:p>
@@ -9528,7 +9536,7 @@
                     <a:p>
                       <a:r>
                         <a:rPr lang="en-US" dirty="0" smtClean="0"/>
-                        <a:t>Developer B</a:t>
+                        <a:t>Developer B (Corey)</a:t>
                       </a:r>
                       <a:endParaRPr lang="en-US" dirty="0"/>
                     </a:p>
@@ -10173,7 +10181,15 @@
           <a:p>
             <a:r>
               <a:rPr lang="en-US" dirty="0" smtClean="0"/>
-              <a:t>A fictitious Case Study	</a:t>
+              <a:t>A </a:t>
+            </a:r>
+            <a:r>
+              <a:rPr lang="en-US" dirty="0" smtClean="0"/>
+              <a:t>Tale of 2 Developers</a:t>
+            </a:r>
+            <a:r>
+              <a:rPr lang="en-US" dirty="0" smtClean="0"/>
+              <a:t>	</a:t>
             </a:r>
             <a:endParaRPr lang="en-US" dirty="0"/>
           </a:p>
@@ -11521,7 +11537,15 @@
             <a:pPr lvl="1"/>
             <a:r>
               <a:rPr lang="en-US" dirty="0" smtClean="0"/>
-              <a:t>Saving deleted all </a:t>
+              <a:t>Saving </a:t>
+            </a:r>
+            <a:r>
+              <a:rPr lang="en-US" dirty="0" smtClean="0"/>
+              <a:t>caused </a:t>
+            </a:r>
+            <a:r>
+              <a:rPr lang="en-US" dirty="0" smtClean="0"/>
+              <a:t>all </a:t>
             </a:r>
             <a:r>
               <a:rPr lang="en-US" dirty="0" err="1" smtClean="0"/>
@@ -11529,8 +11553,24 @@
             </a:r>
             <a:r>
               <a:rPr lang="en-US" dirty="0" smtClean="0"/>
-              <a:t> within the group.</a:t>
-            </a:r>
+              <a:t> </a:t>
+            </a:r>
+            <a:r>
+              <a:rPr lang="en-US" dirty="0" smtClean="0"/>
+              <a:t>to be removed from the Group.</a:t>
+            </a:r>
+          </a:p>
+          <a:p>
+            <a:pPr lvl="1"/>
+            <a:r>
+              <a:rPr lang="en-US" dirty="0"/>
+              <a:t>31k of 36k records deleted</a:t>
+            </a:r>
+            <a:r>
+              <a:rPr lang="en-US" dirty="0" smtClean="0"/>
+              <a:t>.</a:t>
+            </a:r>
+            <a:endParaRPr lang="en-US" dirty="0" smtClean="0"/>
           </a:p>
           <a:p>
             <a:pPr lvl="1"/>
@@ -11550,22 +11590,20 @@
             <a:pPr lvl="1"/>
             <a:r>
               <a:rPr lang="en-US" dirty="0" smtClean="0"/>
-              <a:t>31k of 36k records deleted.</a:t>
+              <a:t>1 </a:t>
+            </a:r>
+            <a:r>
+              <a:rPr lang="en-US" dirty="0" smtClean="0"/>
+              <a:t>week to fix.</a:t>
             </a:r>
           </a:p>
           <a:p>
             <a:pPr lvl="1"/>
             <a:r>
               <a:rPr lang="en-US" dirty="0" smtClean="0"/>
-              <a:t>1 week to fix.</a:t>
-            </a:r>
-          </a:p>
-          <a:p>
-            <a:pPr lvl="1"/>
-            <a:r>
-              <a:rPr lang="en-US" dirty="0" smtClean="0"/>
-              <a:t>98-99% of data recovered.</a:t>
-            </a:r>
+              <a:t>Most data recovered.</a:t>
+            </a:r>
+            <a:endParaRPr lang="en-US" dirty="0" smtClean="0"/>
           </a:p>
           <a:p>
             <a:pPr lvl="1"/>
@@ -11579,7 +11617,15 @@
             <a:pPr lvl="1"/>
             <a:r>
               <a:rPr lang="en-US" dirty="0" smtClean="0"/>
-              <a:t>Other projects in process suffer.</a:t>
+              <a:t>Other projects </a:t>
+            </a:r>
+            <a:r>
+              <a:rPr lang="en-US" dirty="0" smtClean="0"/>
+              <a:t>suffer</a:t>
+            </a:r>
+            <a:r>
+              <a:rPr lang="en-US" dirty="0" smtClean="0"/>
+              <a:t>.</a:t>
             </a:r>
           </a:p>
         </p:txBody>
@@ -13852,8 +13898,13 @@
           <a:p>
             <a:r>
               <a:rPr lang="en-US" dirty="0" smtClean="0"/>
-              <a:t>Don’t make your code rigid to change.</a:t>
-            </a:r>
+              <a:t>Don’t make </a:t>
+            </a:r>
+            <a:r>
+              <a:rPr lang="en-US" dirty="0" smtClean="0"/>
+              <a:t>fragile code.</a:t>
+            </a:r>
+            <a:endParaRPr lang="en-US" dirty="0" smtClean="0"/>
           </a:p>
           <a:p>
             <a:pPr lvl="1"/>
@@ -14378,80 +14429,9 @@
   <p:timing>
     <p:tnLst>
       <p:par>
-        <p:cTn id="1" dur="indefinite" restart="never" nodeType="tmRoot">
-          <p:childTnLst>
-            <p:seq concurrent="1" nextAc="seek">
-              <p:cTn id="2" dur="indefinite" nodeType="mainSeq">
-                <p:childTnLst>
-                  <p:par>
-                    <p:cTn id="3" fill="hold">
-                      <p:stCondLst>
-                        <p:cond delay="indefinite"/>
-                      </p:stCondLst>
-                      <p:childTnLst>
-                        <p:par>
-                          <p:cTn id="4" fill="hold">
-                            <p:stCondLst>
-                              <p:cond delay="0"/>
-                            </p:stCondLst>
-                            <p:childTnLst>
-                              <p:par>
-                                <p:cTn id="5" presetID="1" presetClass="entr" presetSubtype="0" fill="hold" grpId="0" nodeType="clickEffect">
-                                  <p:stCondLst>
-                                    <p:cond delay="0"/>
-                                  </p:stCondLst>
-                                  <p:childTnLst>
-                                    <p:set>
-                                      <p:cBhvr>
-                                        <p:cTn id="6" dur="1" fill="hold">
-                                          <p:stCondLst>
-                                            <p:cond delay="0"/>
-                                          </p:stCondLst>
-                                        </p:cTn>
-                                        <p:tgtEl>
-                                          <p:spTgt spid="2"/>
-                                        </p:tgtEl>
-                                        <p:attrNameLst>
-                                          <p:attrName>style.visibility</p:attrName>
-                                        </p:attrNameLst>
-                                      </p:cBhvr>
-                                      <p:to>
-                                        <p:strVal val="visible"/>
-                                      </p:to>
-                                    </p:set>
-                                  </p:childTnLst>
-                                </p:cTn>
-                              </p:par>
-                            </p:childTnLst>
-                          </p:cTn>
-                        </p:par>
-                      </p:childTnLst>
-                    </p:cTn>
-                  </p:par>
-                </p:childTnLst>
-              </p:cTn>
-              <p:prevCondLst>
-                <p:cond evt="onPrev" delay="0">
-                  <p:tgtEl>
-                    <p:sldTgt/>
-                  </p:tgtEl>
-                </p:cond>
-              </p:prevCondLst>
-              <p:nextCondLst>
-                <p:cond evt="onNext" delay="0">
-                  <p:tgtEl>
-                    <p:sldTgt/>
-                  </p:tgtEl>
-                </p:cond>
-              </p:nextCondLst>
-            </p:seq>
-          </p:childTnLst>
-        </p:cTn>
+        <p:cTn id="1" dur="indefinite" restart="never" nodeType="tmRoot"/>
       </p:par>
     </p:tnLst>
-    <p:bldLst>
-      <p:bldP spid="2" grpId="0"/>
-    </p:bldLst>
   </p:timing>
 </p:sld>
 </file>
@@ -14631,7 +14611,38 @@
           <a:p>
             <a:r>
               <a:rPr lang="en-US" dirty="0" smtClean="0"/>
-              <a:t>Let’s get to refactoring…</a:t>
+              <a:t>Let’s get to refactoring</a:t>
+            </a:r>
+            <a:r>
+              <a:rPr lang="en-US" dirty="0" smtClean="0"/>
+              <a:t>…</a:t>
+            </a:r>
+          </a:p>
+          <a:p>
+            <a:endParaRPr lang="en-US" dirty="0" smtClean="0"/>
+          </a:p>
+          <a:p>
+            <a:endParaRPr lang="en-US" dirty="0"/>
+          </a:p>
+          <a:p>
+            <a:endParaRPr lang="en-US" dirty="0" smtClean="0"/>
+          </a:p>
+          <a:p>
+            <a:endParaRPr lang="en-US" dirty="0"/>
+          </a:p>
+          <a:p>
+            <a:endParaRPr lang="en-US" dirty="0" smtClean="0"/>
+          </a:p>
+          <a:p>
+            <a:endParaRPr lang="en-US" dirty="0"/>
+          </a:p>
+          <a:p>
+            <a:endParaRPr lang="en-US" dirty="0" smtClean="0"/>
+          </a:p>
+          <a:p>
+            <a:r>
+              <a:rPr lang="en-US" dirty="0" smtClean="0"/>
+              <a:t>Questions?</a:t>
             </a:r>
             <a:endParaRPr lang="en-US" dirty="0"/>
           </a:p>
@@ -14655,29 +14666,6 @@
             <a:r>
               <a:rPr lang="en-US" dirty="0" smtClean="0"/>
               <a:t>Finally..</a:t>
-            </a:r>
-            <a:endParaRPr lang="en-US" dirty="0"/>
-          </a:p>
-        </p:txBody>
-      </p:sp>
-      <p:sp>
-        <p:nvSpPr>
-          <p:cNvPr id="4" name="Footer Placeholder 3"/>
-          <p:cNvSpPr>
-            <a:spLocks noGrp="1"/>
-          </p:cNvSpPr>
-          <p:nvPr>
-            <p:ph type="ftr" sz="quarter" idx="10"/>
-          </p:nvPr>
-        </p:nvSpPr>
-        <p:spPr/>
-        <p:txBody>
-          <a:bodyPr/>
-          <a:lstStyle/>
-          <a:p>
-            <a:r>
-              <a:rPr lang="en-US" smtClean="0"/>
-              <a:t>Change Presentation Title on Insert Ribbon :: Date Here</a:t>
             </a:r>
             <a:endParaRPr lang="en-US" dirty="0"/>
           </a:p>
@@ -14790,48 +14778,39 @@
             <a:pPr lvl="1"/>
             <a:r>
               <a:rPr lang="en-US" dirty="0" smtClean="0"/>
-              <a:t>The </a:t>
-            </a:r>
+              <a:t>The BAD - code smells.</a:t>
+            </a:r>
+          </a:p>
+          <a:p>
+            <a:pPr lvl="1"/>
             <a:r>
               <a:rPr lang="en-US" dirty="0" smtClean="0"/>
-              <a:t>BAD - code smells.</a:t>
+              <a:t>The GOOD – patterns and techniques.</a:t>
             </a:r>
           </a:p>
           <a:p>
             <a:pPr lvl="1"/>
             <a:r>
               <a:rPr lang="en-US" dirty="0" smtClean="0"/>
-              <a:t>The </a:t>
+              <a:t>Attendee </a:t>
             </a:r>
             <a:r>
               <a:rPr lang="en-US" dirty="0" smtClean="0"/>
-              <a:t>GOOD – patterns and techniques.</a:t>
-            </a:r>
+              <a:t>code sharing </a:t>
+            </a:r>
+            <a:r>
+              <a:rPr lang="en-US" dirty="0" smtClean="0"/>
+              <a:t>opportunity (code review by committee)</a:t>
+            </a:r>
+            <a:endParaRPr lang="en-US" dirty="0" smtClean="0"/>
           </a:p>
           <a:p>
             <a:pPr lvl="1"/>
             <a:r>
-              <a:rPr lang="en-US" dirty="0"/>
-              <a:t>C</a:t>
-            </a:r>
-            <a:r>
               <a:rPr lang="en-US" dirty="0" smtClean="0"/>
-              <a:t>ode review by committee.</a:t>
-            </a:r>
-          </a:p>
-          <a:p>
-            <a:pPr lvl="1"/>
-            <a:r>
-              <a:rPr lang="en-US" dirty="0" smtClean="0"/>
-              <a:t>Attendee code sharing opportunity.</a:t>
-            </a:r>
-          </a:p>
-          <a:p>
-            <a:pPr lvl="1"/>
-            <a:r>
-              <a:rPr lang="en-US" dirty="0" smtClean="0"/>
-              <a:t>Lot’s of practice refactoring.</a:t>
-            </a:r>
+              <a:t>Mix of presentation material, group exercises, and coding.</a:t>
+            </a:r>
+            <a:endParaRPr lang="en-US" dirty="0" smtClean="0"/>
           </a:p>
         </p:txBody>
       </p:sp>
@@ -15150,55 +15129,6 @@
                                           <p:spTgt spid="2">
                                             <p:txEl>
                                               <p:pRg st="6" end="6"/>
-                                            </p:txEl>
-                                          </p:spTgt>
-                                        </p:tgtEl>
-                                        <p:attrNameLst>
-                                          <p:attrName>style.visibility</p:attrName>
-                                        </p:attrNameLst>
-                                      </p:cBhvr>
-                                      <p:to>
-                                        <p:strVal val="visible"/>
-                                      </p:to>
-                                    </p:set>
-                                  </p:childTnLst>
-                                </p:cTn>
-                              </p:par>
-                            </p:childTnLst>
-                          </p:cTn>
-                        </p:par>
-                      </p:childTnLst>
-                    </p:cTn>
-                  </p:par>
-                  <p:par>
-                    <p:cTn id="27" fill="hold">
-                      <p:stCondLst>
-                        <p:cond delay="indefinite"/>
-                      </p:stCondLst>
-                      <p:childTnLst>
-                        <p:par>
-                          <p:cTn id="28" fill="hold">
-                            <p:stCondLst>
-                              <p:cond delay="0"/>
-                            </p:stCondLst>
-                            <p:childTnLst>
-                              <p:par>
-                                <p:cTn id="29" presetID="1" presetClass="entr" presetSubtype="0" fill="hold" nodeType="clickEffect">
-                                  <p:stCondLst>
-                                    <p:cond delay="0"/>
-                                  </p:stCondLst>
-                                  <p:childTnLst>
-                                    <p:set>
-                                      <p:cBhvr>
-                                        <p:cTn id="30" dur="1" fill="hold">
-                                          <p:stCondLst>
-                                            <p:cond delay="0"/>
-                                          </p:stCondLst>
-                                        </p:cTn>
-                                        <p:tgtEl>
-                                          <p:spTgt spid="2">
-                                            <p:txEl>
-                                              <p:pRg st="7" end="7"/>
                                             </p:txEl>
                                           </p:spTgt>
                                         </p:tgtEl>

--- a/Refactoring Workshop.pptx
+++ b/Refactoring Workshop.pptx
@@ -6,29 +6,28 @@
     <p:sldMasterId id="2147483657" r:id="rId2"/>
   </p:sldMasterIdLst>
   <p:notesMasterIdLst>
-    <p:notesMasterId r:id="rId23"/>
+    <p:notesMasterId r:id="rId22"/>
   </p:notesMasterIdLst>
   <p:sldIdLst>
     <p:sldId id="256" r:id="rId3"/>
     <p:sldId id="257" r:id="rId4"/>
     <p:sldId id="266" r:id="rId5"/>
     <p:sldId id="258" r:id="rId6"/>
-    <p:sldId id="269" r:id="rId7"/>
-    <p:sldId id="270" r:id="rId8"/>
-    <p:sldId id="259" r:id="rId9"/>
-    <p:sldId id="261" r:id="rId10"/>
-    <p:sldId id="262" r:id="rId11"/>
-    <p:sldId id="260" r:id="rId12"/>
-    <p:sldId id="263" r:id="rId13"/>
-    <p:sldId id="271" r:id="rId14"/>
-    <p:sldId id="264" r:id="rId15"/>
-    <p:sldId id="265" r:id="rId16"/>
-    <p:sldId id="274" r:id="rId17"/>
-    <p:sldId id="275" r:id="rId18"/>
-    <p:sldId id="267" r:id="rId19"/>
-    <p:sldId id="268" r:id="rId20"/>
-    <p:sldId id="272" r:id="rId21"/>
-    <p:sldId id="273" r:id="rId22"/>
+    <p:sldId id="270" r:id="rId7"/>
+    <p:sldId id="259" r:id="rId8"/>
+    <p:sldId id="261" r:id="rId9"/>
+    <p:sldId id="262" r:id="rId10"/>
+    <p:sldId id="260" r:id="rId11"/>
+    <p:sldId id="263" r:id="rId12"/>
+    <p:sldId id="271" r:id="rId13"/>
+    <p:sldId id="264" r:id="rId14"/>
+    <p:sldId id="265" r:id="rId15"/>
+    <p:sldId id="274" r:id="rId16"/>
+    <p:sldId id="275" r:id="rId17"/>
+    <p:sldId id="267" r:id="rId18"/>
+    <p:sldId id="268" r:id="rId19"/>
+    <p:sldId id="272" r:id="rId20"/>
+    <p:sldId id="273" r:id="rId21"/>
   </p:sldIdLst>
   <p:sldSz cx="9144000" cy="6858000" type="screen4x3"/>
   <p:notesSz cx="6858000" cy="9144000"/>
@@ -212,7 +211,7 @@
           <a:p>
             <a:fld id="{593211BE-2AAC-4A14-A5B4-00BA75A95635}" type="datetimeFigureOut">
               <a:rPr lang="en-US" smtClean="0"/>
-              <a:t>5/1/2013</a:t>
+              <a:t>5/12/2014</a:t>
             </a:fld>
             <a:endParaRPr lang="en-US"/>
           </a:p>
@@ -8717,69 +8716,6 @@
           </a:p>
         </p:txBody>
       </p:sp>
-      <p:pic>
-        <p:nvPicPr>
-          <p:cNvPr id="1026" name="Picture 2"/>
-          <p:cNvPicPr>
-            <a:picLocks noChangeAspect="1" noChangeArrowheads="1"/>
-          </p:cNvPicPr>
-          <p:nvPr/>
-        </p:nvPicPr>
-        <p:blipFill>
-          <a:blip r:embed="rId25" cstate="print">
-            <a:extLst>
-              <a:ext uri="{28A0092B-C50C-407E-A947-70E740481C1C}">
-                <a14:useLocalDpi xmlns:a14="http://schemas.microsoft.com/office/drawing/2010/main" val="0"/>
-              </a:ext>
-            </a:extLst>
-          </a:blip>
-          <a:stretch>
-            <a:fillRect/>
-          </a:stretch>
-        </p:blipFill>
-        <p:spPr bwMode="auto">
-          <a:xfrm>
-            <a:off x="228600" y="6368142"/>
-            <a:ext cx="609600" cy="454024"/>
-          </a:xfrm>
-          <a:prstGeom prst="rect">
-            <a:avLst/>
-          </a:prstGeom>
-          <a:noFill/>
-          <a:ln>
-            <a:noFill/>
-          </a:ln>
-          <a:effectLst/>
-          <a:extLst>
-            <a:ext uri="{909E8E84-426E-40DD-AFC4-6F175D3DCCD1}">
-              <a14:hiddenFill xmlns:a14="http://schemas.microsoft.com/office/drawing/2010/main">
-                <a:solidFill>
-                  <a:schemeClr val="accent1"/>
-                </a:solidFill>
-              </a14:hiddenFill>
-            </a:ext>
-            <a:ext uri="{91240B29-F687-4F45-9708-019B960494DF}">
-              <a14:hiddenLine xmlns:a14="http://schemas.microsoft.com/office/drawing/2010/main" w="9525">
-                <a:solidFill>
-                  <a:schemeClr val="tx1"/>
-                </a:solidFill>
-                <a:miter lim="800000"/>
-                <a:headEnd/>
-                <a:tailEnd/>
-              </a14:hiddenLine>
-            </a:ext>
-            <a:ext uri="{AF507438-7753-43E0-B8FC-AC1667EBCBE1}">
-              <a14:hiddenEffects xmlns:a14="http://schemas.microsoft.com/office/drawing/2010/main">
-                <a:effectLst>
-                  <a:outerShdw dist="35921" dir="2700000" algn="ctr" rotWithShape="0">
-                    <a:schemeClr val="bg2"/>
-                  </a:outerShdw>
-                </a:effectLst>
-              </a14:hiddenEffects>
-            </a:ext>
-          </a:extLst>
-        </p:spPr>
-      </p:pic>
       <p:sp>
         <p:nvSpPr>
           <p:cNvPr id="2" name="Title Placeholder 1"/>
@@ -9462,1107 +9398,6 @@
 </file>
 
 <file path=ppt/slides/slide10.xml><?xml version="1.0" encoding="utf-8"?>
-<p:sld xmlns:a="http://schemas.openxmlformats.org/drawingml/2006/main" xmlns:r="http://schemas.openxmlformats.org/officeDocument/2006/relationships" xmlns:p="http://schemas.openxmlformats.org/presentationml/2006/main">
-  <p:cSld>
-    <p:spTree>
-      <p:nvGrpSpPr>
-        <p:cNvPr id="1" name=""/>
-        <p:cNvGrpSpPr/>
-        <p:nvPr/>
-      </p:nvGrpSpPr>
-      <p:grpSpPr>
-        <a:xfrm>
-          <a:off x="0" y="0"/>
-          <a:ext cx="0" cy="0"/>
-          <a:chOff x="0" y="0"/>
-          <a:chExt cx="0" cy="0"/>
-        </a:xfrm>
-      </p:grpSpPr>
-      <p:graphicFrame>
-        <p:nvGraphicFramePr>
-          <p:cNvPr id="5" name="Table 4"/>
-          <p:cNvGraphicFramePr>
-            <a:graphicFrameLocks noGrp="1"/>
-          </p:cNvGraphicFramePr>
-          <p:nvPr>
-            <p:extLst>
-              <p:ext uri="{D42A27DB-BD31-4B8C-83A1-F6EECF244321}">
-                <p14:modId xmlns:p14="http://schemas.microsoft.com/office/powerpoint/2010/main" val="2348204320"/>
-              </p:ext>
-            </p:extLst>
-          </p:nvPr>
-        </p:nvGraphicFramePr>
-        <p:xfrm>
-          <a:off x="304800" y="838200"/>
-          <a:ext cx="8534400" cy="3606800"/>
-        </p:xfrm>
-        <a:graphic>
-          <a:graphicData uri="http://schemas.openxmlformats.org/drawingml/2006/table">
-            <a:tbl>
-              <a:tblPr firstRow="1" bandRow="1">
-                <a:tableStyleId>{5C22544A-7EE6-4342-B048-85BDC9FD1C3A}</a:tableStyleId>
-              </a:tblPr>
-              <a:tblGrid>
-                <a:gridCol w="4267200"/>
-                <a:gridCol w="4267200"/>
-              </a:tblGrid>
-              <a:tr h="370840">
-                <a:tc>
-                  <a:txBody>
-                    <a:bodyPr/>
-                    <a:lstStyle/>
-                    <a:p>
-                      <a:r>
-                        <a:rPr lang="en-US" dirty="0" smtClean="0"/>
-                        <a:t>Developer A (</a:t>
-                      </a:r>
-                      <a:r>
-                        <a:rPr lang="en-US" dirty="0" err="1" smtClean="0"/>
-                        <a:t>Patrik</a:t>
-                      </a:r>
-                      <a:r>
-                        <a:rPr lang="en-US" dirty="0" smtClean="0"/>
-                        <a:t>)</a:t>
-                      </a:r>
-                      <a:endParaRPr lang="en-US" dirty="0"/>
-                    </a:p>
-                  </a:txBody>
-                  <a:tcPr/>
-                </a:tc>
-                <a:tc>
-                  <a:txBody>
-                    <a:bodyPr/>
-                    <a:lstStyle/>
-                    <a:p>
-                      <a:r>
-                        <a:rPr lang="en-US" dirty="0" smtClean="0"/>
-                        <a:t>Developer B (Corey)</a:t>
-                      </a:r>
-                      <a:endParaRPr lang="en-US" dirty="0"/>
-                    </a:p>
-                  </a:txBody>
-                  <a:tcPr/>
-                </a:tc>
-              </a:tr>
-              <a:tr h="370840">
-                <a:tc>
-                  <a:txBody>
-                    <a:bodyPr/>
-                    <a:lstStyle/>
-                    <a:p>
-                      <a:r>
-                        <a:rPr lang="en-US" dirty="0" smtClean="0"/>
-                        <a:t>Does not</a:t>
-                      </a:r>
-                      <a:r>
-                        <a:rPr lang="en-US" baseline="0" dirty="0" smtClean="0"/>
-                        <a:t> refactor. </a:t>
-                      </a:r>
-                      <a:endParaRPr lang="en-US" dirty="0"/>
-                    </a:p>
-                  </a:txBody>
-                  <a:tcPr/>
-                </a:tc>
-                <a:tc>
-                  <a:txBody>
-                    <a:bodyPr/>
-                    <a:lstStyle/>
-                    <a:p>
-                      <a:r>
-                        <a:rPr lang="en-US" dirty="0" smtClean="0"/>
-                        <a:t>Refactors often.</a:t>
-                      </a:r>
-                      <a:endParaRPr lang="en-US" dirty="0"/>
-                    </a:p>
-                  </a:txBody>
-                  <a:tcPr/>
-                </a:tc>
-              </a:tr>
-              <a:tr h="370840">
-                <a:tc>
-                  <a:txBody>
-                    <a:bodyPr/>
-                    <a:lstStyle/>
-                    <a:p>
-                      <a:r>
-                        <a:rPr lang="en-US" dirty="0" smtClean="0"/>
-                        <a:t>Studies code, documents.</a:t>
-                      </a:r>
-                      <a:endParaRPr lang="en-US" dirty="0"/>
-                    </a:p>
-                  </a:txBody>
-                  <a:tcPr/>
-                </a:tc>
-                <a:tc>
-                  <a:txBody>
-                    <a:bodyPr/>
-                    <a:lstStyle/>
-                    <a:p>
-                      <a:r>
-                        <a:rPr lang="en-US" dirty="0" smtClean="0"/>
-                        <a:t>Refactors</a:t>
-                      </a:r>
-                      <a:r>
-                        <a:rPr lang="en-US" baseline="0" dirty="0" smtClean="0"/>
-                        <a:t> code to learn it.</a:t>
-                      </a:r>
-                      <a:endParaRPr lang="en-US" dirty="0"/>
-                    </a:p>
-                  </a:txBody>
-                  <a:tcPr/>
-                </a:tc>
-              </a:tr>
-              <a:tr h="370840">
-                <a:tc>
-                  <a:txBody>
-                    <a:bodyPr/>
-                    <a:lstStyle/>
-                    <a:p>
-                      <a:r>
-                        <a:rPr lang="en-US" dirty="0" smtClean="0"/>
-                        <a:t>Minimal code</a:t>
-                      </a:r>
-                      <a:r>
-                        <a:rPr lang="en-US" baseline="0" dirty="0" smtClean="0"/>
-                        <a:t> changes.</a:t>
-                      </a:r>
-                      <a:endParaRPr lang="en-US" dirty="0"/>
-                    </a:p>
-                  </a:txBody>
-                  <a:tcPr/>
-                </a:tc>
-                <a:tc>
-                  <a:txBody>
-                    <a:bodyPr/>
-                    <a:lstStyle/>
-                    <a:p>
-                      <a:r>
-                        <a:rPr lang="en-US" dirty="0" smtClean="0"/>
-                        <a:t>Major code changes.</a:t>
-                      </a:r>
-                      <a:endParaRPr lang="en-US" dirty="0"/>
-                    </a:p>
-                  </a:txBody>
-                  <a:tcPr/>
-                </a:tc>
-              </a:tr>
-              <a:tr h="370840">
-                <a:tc>
-                  <a:txBody>
-                    <a:bodyPr/>
-                    <a:lstStyle/>
-                    <a:p>
-                      <a:r>
-                        <a:rPr lang="en-US" dirty="0" smtClean="0"/>
-                        <a:t>90%</a:t>
-                      </a:r>
-                      <a:r>
-                        <a:rPr lang="en-US" baseline="0" dirty="0" smtClean="0"/>
-                        <a:t> time spent doing research.</a:t>
-                      </a:r>
-                      <a:endParaRPr lang="en-US" dirty="0"/>
-                    </a:p>
-                  </a:txBody>
-                  <a:tcPr/>
-                </a:tc>
-                <a:tc>
-                  <a:txBody>
-                    <a:bodyPr/>
-                    <a:lstStyle/>
-                    <a:p>
-                      <a:r>
-                        <a:rPr lang="en-US" dirty="0" smtClean="0"/>
-                        <a:t>90% time spent</a:t>
-                      </a:r>
-                      <a:r>
-                        <a:rPr lang="en-US" baseline="0" dirty="0" smtClean="0"/>
-                        <a:t> </a:t>
-                      </a:r>
-                      <a:r>
-                        <a:rPr lang="en-US" dirty="0" smtClean="0"/>
-                        <a:t>coding.</a:t>
-                      </a:r>
-                      <a:endParaRPr lang="en-US" dirty="0"/>
-                    </a:p>
-                  </a:txBody>
-                  <a:tcPr/>
-                </a:tc>
-              </a:tr>
-              <a:tr h="370840">
-                <a:tc>
-                  <a:txBody>
-                    <a:bodyPr/>
-                    <a:lstStyle/>
-                    <a:p>
-                      <a:r>
-                        <a:rPr lang="en-US" dirty="0" smtClean="0"/>
-                        <a:t>Never causes regressive bugs.</a:t>
-                      </a:r>
-                      <a:endParaRPr lang="en-US" dirty="0"/>
-                    </a:p>
-                  </a:txBody>
-                  <a:tcPr/>
-                </a:tc>
-                <a:tc>
-                  <a:txBody>
-                    <a:bodyPr/>
-                    <a:lstStyle/>
-                    <a:p>
-                      <a:r>
-                        <a:rPr lang="en-US" dirty="0" smtClean="0"/>
-                        <a:t>Often causes regressive bugs.</a:t>
-                      </a:r>
-                      <a:endParaRPr lang="en-US" dirty="0"/>
-                    </a:p>
-                  </a:txBody>
-                  <a:tcPr/>
-                </a:tc>
-              </a:tr>
-              <a:tr h="370840">
-                <a:tc>
-                  <a:txBody>
-                    <a:bodyPr/>
-                    <a:lstStyle/>
-                    <a:p>
-                      <a:r>
-                        <a:rPr lang="en-US" dirty="0" smtClean="0"/>
-                        <a:t>Not a great coder.</a:t>
-                      </a:r>
-                      <a:endParaRPr lang="en-US" dirty="0"/>
-                    </a:p>
-                  </a:txBody>
-                  <a:tcPr/>
-                </a:tc>
-                <a:tc>
-                  <a:txBody>
-                    <a:bodyPr/>
-                    <a:lstStyle/>
-                    <a:p>
-                      <a:r>
-                        <a:rPr lang="en-US" dirty="0" smtClean="0"/>
-                        <a:t>Is the better coder</a:t>
-                      </a:r>
-                      <a:r>
-                        <a:rPr lang="en-US" baseline="0" dirty="0" smtClean="0"/>
-                        <a:t> (gives talks at KCDC)</a:t>
-                      </a:r>
-                      <a:endParaRPr lang="en-US" dirty="0"/>
-                    </a:p>
-                  </a:txBody>
-                  <a:tcPr/>
-                </a:tc>
-              </a:tr>
-              <a:tr h="370840">
-                <a:tc>
-                  <a:txBody>
-                    <a:bodyPr/>
-                    <a:lstStyle/>
-                    <a:p>
-                      <a:r>
-                        <a:rPr lang="en-US" dirty="0" smtClean="0"/>
-                        <a:t>Predictable</a:t>
-                      </a:r>
-                      <a:r>
-                        <a:rPr lang="en-US" baseline="0" dirty="0" smtClean="0"/>
-                        <a:t> amount of time spent.</a:t>
-                      </a:r>
-                      <a:endParaRPr lang="en-US" dirty="0"/>
-                    </a:p>
-                  </a:txBody>
-                  <a:tcPr/>
-                </a:tc>
-                <a:tc>
-                  <a:txBody>
-                    <a:bodyPr/>
-                    <a:lstStyle/>
-                    <a:p>
-                      <a:r>
-                        <a:rPr lang="en-US" dirty="0" smtClean="0"/>
-                        <a:t>Much</a:t>
-                      </a:r>
-                      <a:r>
-                        <a:rPr lang="en-US" baseline="0" dirty="0" smtClean="0"/>
-                        <a:t> more time spent.</a:t>
-                      </a:r>
-                      <a:endParaRPr lang="en-US" dirty="0"/>
-                    </a:p>
-                  </a:txBody>
-                  <a:tcPr/>
-                </a:tc>
-              </a:tr>
-              <a:tr h="370840">
-                <a:tc>
-                  <a:txBody>
-                    <a:bodyPr/>
-                    <a:lstStyle/>
-                    <a:p>
-                      <a:r>
-                        <a:rPr lang="en-US" dirty="0" smtClean="0"/>
-                        <a:t>Seen as</a:t>
-                      </a:r>
-                      <a:r>
-                        <a:rPr lang="en-US" baseline="0" dirty="0" smtClean="0"/>
-                        <a:t> a good employee.</a:t>
-                      </a:r>
-                      <a:endParaRPr lang="en-US" dirty="0"/>
-                    </a:p>
-                  </a:txBody>
-                  <a:tcPr/>
-                </a:tc>
-                <a:tc>
-                  <a:txBody>
-                    <a:bodyPr/>
-                    <a:lstStyle/>
-                    <a:p>
-                      <a:r>
-                        <a:rPr lang="en-US" dirty="0" smtClean="0"/>
-                        <a:t>Seen as a Risk.</a:t>
-                      </a:r>
-                      <a:endParaRPr lang="en-US" dirty="0"/>
-                    </a:p>
-                  </a:txBody>
-                  <a:tcPr/>
-                </a:tc>
-              </a:tr>
-            </a:tbl>
-          </a:graphicData>
-        </a:graphic>
-      </p:graphicFrame>
-      <p:sp>
-        <p:nvSpPr>
-          <p:cNvPr id="6" name="Rectangle 5"/>
-          <p:cNvSpPr/>
-          <p:nvPr/>
-        </p:nvSpPr>
-        <p:spPr>
-          <a:xfrm>
-            <a:off x="228600" y="4131878"/>
-            <a:ext cx="8763000" cy="1654067"/>
-          </a:xfrm>
-          <a:prstGeom prst="rect">
-            <a:avLst/>
-          </a:prstGeom>
-          <a:solidFill>
-            <a:schemeClr val="bg1"/>
-          </a:solidFill>
-          <a:ln>
-            <a:solidFill>
-              <a:schemeClr val="bg1"/>
-            </a:solidFill>
-          </a:ln>
-        </p:spPr>
-        <p:style>
-          <a:lnRef idx="2">
-            <a:schemeClr val="accent1">
-              <a:shade val="50000"/>
-            </a:schemeClr>
-          </a:lnRef>
-          <a:fillRef idx="1">
-            <a:schemeClr val="accent1"/>
-          </a:fillRef>
-          <a:effectRef idx="0">
-            <a:schemeClr val="accent1"/>
-          </a:effectRef>
-          <a:fontRef idx="minor">
-            <a:schemeClr val="lt1"/>
-          </a:fontRef>
-        </p:style>
-        <p:txBody>
-          <a:bodyPr rtlCol="0" anchor="ctr"/>
-          <a:lstStyle/>
-          <a:p>
-            <a:pPr algn="ctr"/>
-            <a:endParaRPr lang="en-US"/>
-          </a:p>
-        </p:txBody>
-      </p:sp>
-      <p:sp>
-        <p:nvSpPr>
-          <p:cNvPr id="7" name="Rectangle 6"/>
-          <p:cNvSpPr/>
-          <p:nvPr/>
-        </p:nvSpPr>
-        <p:spPr>
-          <a:xfrm>
-            <a:off x="191814" y="3657600"/>
-            <a:ext cx="8763000" cy="2209798"/>
-          </a:xfrm>
-          <a:prstGeom prst="rect">
-            <a:avLst/>
-          </a:prstGeom>
-          <a:solidFill>
-            <a:schemeClr val="bg1"/>
-          </a:solidFill>
-          <a:ln>
-            <a:solidFill>
-              <a:schemeClr val="bg1"/>
-            </a:solidFill>
-          </a:ln>
-        </p:spPr>
-        <p:style>
-          <a:lnRef idx="2">
-            <a:schemeClr val="accent1">
-              <a:shade val="50000"/>
-            </a:schemeClr>
-          </a:lnRef>
-          <a:fillRef idx="1">
-            <a:schemeClr val="accent1"/>
-          </a:fillRef>
-          <a:effectRef idx="0">
-            <a:schemeClr val="accent1"/>
-          </a:effectRef>
-          <a:fontRef idx="minor">
-            <a:schemeClr val="lt1"/>
-          </a:fontRef>
-        </p:style>
-        <p:txBody>
-          <a:bodyPr rtlCol="0" anchor="ctr"/>
-          <a:lstStyle/>
-          <a:p>
-            <a:pPr algn="ctr"/>
-            <a:endParaRPr lang="en-US"/>
-          </a:p>
-        </p:txBody>
-      </p:sp>
-      <p:sp>
-        <p:nvSpPr>
-          <p:cNvPr id="8" name="Rectangle 7"/>
-          <p:cNvSpPr/>
-          <p:nvPr/>
-        </p:nvSpPr>
-        <p:spPr>
-          <a:xfrm>
-            <a:off x="236483" y="3048000"/>
-            <a:ext cx="8763000" cy="2984937"/>
-          </a:xfrm>
-          <a:prstGeom prst="rect">
-            <a:avLst/>
-          </a:prstGeom>
-          <a:solidFill>
-            <a:schemeClr val="bg1"/>
-          </a:solidFill>
-          <a:ln>
-            <a:solidFill>
-              <a:schemeClr val="bg1"/>
-            </a:solidFill>
-          </a:ln>
-        </p:spPr>
-        <p:style>
-          <a:lnRef idx="2">
-            <a:schemeClr val="accent1">
-              <a:shade val="50000"/>
-            </a:schemeClr>
-          </a:lnRef>
-          <a:fillRef idx="1">
-            <a:schemeClr val="accent1"/>
-          </a:fillRef>
-          <a:effectRef idx="0">
-            <a:schemeClr val="accent1"/>
-          </a:effectRef>
-          <a:fontRef idx="minor">
-            <a:schemeClr val="lt1"/>
-          </a:fontRef>
-        </p:style>
-        <p:txBody>
-          <a:bodyPr rtlCol="0" anchor="ctr"/>
-          <a:lstStyle/>
-          <a:p>
-            <a:pPr algn="ctr"/>
-            <a:endParaRPr lang="en-US"/>
-          </a:p>
-        </p:txBody>
-      </p:sp>
-      <p:sp>
-        <p:nvSpPr>
-          <p:cNvPr id="9" name="Rectangle 8"/>
-          <p:cNvSpPr/>
-          <p:nvPr/>
-        </p:nvSpPr>
-        <p:spPr>
-          <a:xfrm>
-            <a:off x="191814" y="2667000"/>
-            <a:ext cx="8763000" cy="3434253"/>
-          </a:xfrm>
-          <a:prstGeom prst="rect">
-            <a:avLst/>
-          </a:prstGeom>
-          <a:solidFill>
-            <a:schemeClr val="bg1"/>
-          </a:solidFill>
-          <a:ln>
-            <a:solidFill>
-              <a:schemeClr val="bg1"/>
-            </a:solidFill>
-          </a:ln>
-        </p:spPr>
-        <p:style>
-          <a:lnRef idx="2">
-            <a:schemeClr val="accent1">
-              <a:shade val="50000"/>
-            </a:schemeClr>
-          </a:lnRef>
-          <a:fillRef idx="1">
-            <a:schemeClr val="accent1"/>
-          </a:fillRef>
-          <a:effectRef idx="0">
-            <a:schemeClr val="accent1"/>
-          </a:effectRef>
-          <a:fontRef idx="minor">
-            <a:schemeClr val="lt1"/>
-          </a:fontRef>
-        </p:style>
-        <p:txBody>
-          <a:bodyPr rtlCol="0" anchor="ctr"/>
-          <a:lstStyle/>
-          <a:p>
-            <a:pPr algn="ctr"/>
-            <a:endParaRPr lang="en-US"/>
-          </a:p>
-        </p:txBody>
-      </p:sp>
-      <p:sp>
-        <p:nvSpPr>
-          <p:cNvPr id="10" name="Rectangle 9"/>
-          <p:cNvSpPr/>
-          <p:nvPr/>
-        </p:nvSpPr>
-        <p:spPr>
-          <a:xfrm>
-            <a:off x="191814" y="2286000"/>
-            <a:ext cx="8763000" cy="3844157"/>
-          </a:xfrm>
-          <a:prstGeom prst="rect">
-            <a:avLst/>
-          </a:prstGeom>
-          <a:solidFill>
-            <a:schemeClr val="bg1"/>
-          </a:solidFill>
-          <a:ln>
-            <a:solidFill>
-              <a:schemeClr val="bg1"/>
-            </a:solidFill>
-          </a:ln>
-        </p:spPr>
-        <p:style>
-          <a:lnRef idx="2">
-            <a:schemeClr val="accent1">
-              <a:shade val="50000"/>
-            </a:schemeClr>
-          </a:lnRef>
-          <a:fillRef idx="1">
-            <a:schemeClr val="accent1"/>
-          </a:fillRef>
-          <a:effectRef idx="0">
-            <a:schemeClr val="accent1"/>
-          </a:effectRef>
-          <a:fontRef idx="minor">
-            <a:schemeClr val="lt1"/>
-          </a:fontRef>
-        </p:style>
-        <p:txBody>
-          <a:bodyPr rtlCol="0" anchor="ctr"/>
-          <a:lstStyle/>
-          <a:p>
-            <a:pPr algn="ctr"/>
-            <a:endParaRPr lang="en-US"/>
-          </a:p>
-        </p:txBody>
-      </p:sp>
-      <p:sp>
-        <p:nvSpPr>
-          <p:cNvPr id="11" name="Rectangle 10"/>
-          <p:cNvSpPr/>
-          <p:nvPr/>
-        </p:nvSpPr>
-        <p:spPr>
-          <a:xfrm>
-            <a:off x="236483" y="1981200"/>
-            <a:ext cx="8763000" cy="4301357"/>
-          </a:xfrm>
-          <a:prstGeom prst="rect">
-            <a:avLst/>
-          </a:prstGeom>
-          <a:solidFill>
-            <a:schemeClr val="bg1"/>
-          </a:solidFill>
-          <a:ln>
-            <a:solidFill>
-              <a:schemeClr val="bg1"/>
-            </a:solidFill>
-          </a:ln>
-        </p:spPr>
-        <p:style>
-          <a:lnRef idx="2">
-            <a:schemeClr val="accent1">
-              <a:shade val="50000"/>
-            </a:schemeClr>
-          </a:lnRef>
-          <a:fillRef idx="1">
-            <a:schemeClr val="accent1"/>
-          </a:fillRef>
-          <a:effectRef idx="0">
-            <a:schemeClr val="accent1"/>
-          </a:effectRef>
-          <a:fontRef idx="minor">
-            <a:schemeClr val="lt1"/>
-          </a:fontRef>
-        </p:style>
-        <p:txBody>
-          <a:bodyPr rtlCol="0" anchor="ctr"/>
-          <a:lstStyle/>
-          <a:p>
-            <a:pPr algn="ctr"/>
-            <a:endParaRPr lang="en-US"/>
-          </a:p>
-        </p:txBody>
-      </p:sp>
-      <p:sp>
-        <p:nvSpPr>
-          <p:cNvPr id="12" name="Rectangle 11"/>
-          <p:cNvSpPr/>
-          <p:nvPr/>
-        </p:nvSpPr>
-        <p:spPr>
-          <a:xfrm>
-            <a:off x="155028" y="1600200"/>
-            <a:ext cx="8763000" cy="4645571"/>
-          </a:xfrm>
-          <a:prstGeom prst="rect">
-            <a:avLst/>
-          </a:prstGeom>
-          <a:solidFill>
-            <a:schemeClr val="bg1"/>
-          </a:solidFill>
-          <a:ln>
-            <a:solidFill>
-              <a:schemeClr val="bg1"/>
-            </a:solidFill>
-          </a:ln>
-        </p:spPr>
-        <p:style>
-          <a:lnRef idx="2">
-            <a:schemeClr val="accent1">
-              <a:shade val="50000"/>
-            </a:schemeClr>
-          </a:lnRef>
-          <a:fillRef idx="1">
-            <a:schemeClr val="accent1"/>
-          </a:fillRef>
-          <a:effectRef idx="0">
-            <a:schemeClr val="accent1"/>
-          </a:effectRef>
-          <a:fontRef idx="minor">
-            <a:schemeClr val="lt1"/>
-          </a:fontRef>
-        </p:style>
-        <p:txBody>
-          <a:bodyPr rtlCol="0" anchor="ctr"/>
-          <a:lstStyle/>
-          <a:p>
-            <a:pPr algn="ctr"/>
-            <a:endParaRPr lang="en-US"/>
-          </a:p>
-        </p:txBody>
-      </p:sp>
-      <p:sp>
-        <p:nvSpPr>
-          <p:cNvPr id="3" name="Title 2"/>
-          <p:cNvSpPr>
-            <a:spLocks noGrp="1"/>
-          </p:cNvSpPr>
-          <p:nvPr>
-            <p:ph type="title"/>
-          </p:nvPr>
-        </p:nvSpPr>
-        <p:spPr/>
-        <p:txBody>
-          <a:bodyPr/>
-          <a:lstStyle/>
-          <a:p>
-            <a:r>
-              <a:rPr lang="en-US" dirty="0" smtClean="0"/>
-              <a:t>A </a:t>
-            </a:r>
-            <a:r>
-              <a:rPr lang="en-US" dirty="0" smtClean="0"/>
-              <a:t>Tale of 2 Developers</a:t>
-            </a:r>
-            <a:r>
-              <a:rPr lang="en-US" dirty="0" smtClean="0"/>
-              <a:t>	</a:t>
-            </a:r>
-            <a:endParaRPr lang="en-US" dirty="0"/>
-          </a:p>
-        </p:txBody>
-      </p:sp>
-    </p:spTree>
-    <p:extLst>
-      <p:ext uri="{BB962C8B-B14F-4D97-AF65-F5344CB8AC3E}">
-        <p14:creationId xmlns:p14="http://schemas.microsoft.com/office/powerpoint/2010/main" val="3366067081"/>
-      </p:ext>
-    </p:extLst>
-  </p:cSld>
-  <p:clrMapOvr>
-    <a:masterClrMapping/>
-  </p:clrMapOvr>
-  <p:timing>
-    <p:tnLst>
-      <p:par>
-        <p:cTn id="1" dur="indefinite" restart="never" nodeType="tmRoot">
-          <p:childTnLst>
-            <p:seq concurrent="1" nextAc="seek">
-              <p:cTn id="2" dur="indefinite" nodeType="mainSeq">
-                <p:childTnLst>
-                  <p:par>
-                    <p:cTn id="3" fill="hold">
-                      <p:stCondLst>
-                        <p:cond delay="indefinite"/>
-                      </p:stCondLst>
-                      <p:childTnLst>
-                        <p:par>
-                          <p:cTn id="4" fill="hold">
-                            <p:stCondLst>
-                              <p:cond delay="0"/>
-                            </p:stCondLst>
-                            <p:childTnLst>
-                              <p:par>
-                                <p:cTn id="5" presetID="1" presetClass="exit" presetSubtype="0" fill="hold" grpId="0" nodeType="clickEffect">
-                                  <p:stCondLst>
-                                    <p:cond delay="0"/>
-                                  </p:stCondLst>
-                                  <p:childTnLst>
-                                    <p:set>
-                                      <p:cBhvr>
-                                        <p:cTn id="6" dur="1" fill="hold">
-                                          <p:stCondLst>
-                                            <p:cond delay="0"/>
-                                          </p:stCondLst>
-                                        </p:cTn>
-                                        <p:tgtEl>
-                                          <p:spTgt spid="12"/>
-                                        </p:tgtEl>
-                                        <p:attrNameLst>
-                                          <p:attrName>style.visibility</p:attrName>
-                                        </p:attrNameLst>
-                                      </p:cBhvr>
-                                      <p:to>
-                                        <p:strVal val="hidden"/>
-                                      </p:to>
-                                    </p:set>
-                                  </p:childTnLst>
-                                </p:cTn>
-                              </p:par>
-                            </p:childTnLst>
-                          </p:cTn>
-                        </p:par>
-                      </p:childTnLst>
-                    </p:cTn>
-                  </p:par>
-                  <p:par>
-                    <p:cTn id="7" fill="hold">
-                      <p:stCondLst>
-                        <p:cond delay="indefinite"/>
-                      </p:stCondLst>
-                      <p:childTnLst>
-                        <p:par>
-                          <p:cTn id="8" fill="hold">
-                            <p:stCondLst>
-                              <p:cond delay="0"/>
-                            </p:stCondLst>
-                            <p:childTnLst>
-                              <p:par>
-                                <p:cTn id="9" presetID="1" presetClass="exit" presetSubtype="0" fill="hold" grpId="0" nodeType="clickEffect">
-                                  <p:stCondLst>
-                                    <p:cond delay="0"/>
-                                  </p:stCondLst>
-                                  <p:childTnLst>
-                                    <p:set>
-                                      <p:cBhvr>
-                                        <p:cTn id="10" dur="1" fill="hold">
-                                          <p:stCondLst>
-                                            <p:cond delay="0"/>
-                                          </p:stCondLst>
-                                        </p:cTn>
-                                        <p:tgtEl>
-                                          <p:spTgt spid="11"/>
-                                        </p:tgtEl>
-                                        <p:attrNameLst>
-                                          <p:attrName>style.visibility</p:attrName>
-                                        </p:attrNameLst>
-                                      </p:cBhvr>
-                                      <p:to>
-                                        <p:strVal val="hidden"/>
-                                      </p:to>
-                                    </p:set>
-                                  </p:childTnLst>
-                                </p:cTn>
-                              </p:par>
-                            </p:childTnLst>
-                          </p:cTn>
-                        </p:par>
-                      </p:childTnLst>
-                    </p:cTn>
-                  </p:par>
-                  <p:par>
-                    <p:cTn id="11" fill="hold">
-                      <p:stCondLst>
-                        <p:cond delay="indefinite"/>
-                      </p:stCondLst>
-                      <p:childTnLst>
-                        <p:par>
-                          <p:cTn id="12" fill="hold">
-                            <p:stCondLst>
-                              <p:cond delay="0"/>
-                            </p:stCondLst>
-                            <p:childTnLst>
-                              <p:par>
-                                <p:cTn id="13" presetID="1" presetClass="exit" presetSubtype="0" fill="hold" grpId="0" nodeType="clickEffect">
-                                  <p:stCondLst>
-                                    <p:cond delay="0"/>
-                                  </p:stCondLst>
-                                  <p:childTnLst>
-                                    <p:set>
-                                      <p:cBhvr>
-                                        <p:cTn id="14" dur="1" fill="hold">
-                                          <p:stCondLst>
-                                            <p:cond delay="0"/>
-                                          </p:stCondLst>
-                                        </p:cTn>
-                                        <p:tgtEl>
-                                          <p:spTgt spid="10"/>
-                                        </p:tgtEl>
-                                        <p:attrNameLst>
-                                          <p:attrName>style.visibility</p:attrName>
-                                        </p:attrNameLst>
-                                      </p:cBhvr>
-                                      <p:to>
-                                        <p:strVal val="hidden"/>
-                                      </p:to>
-                                    </p:set>
-                                  </p:childTnLst>
-                                </p:cTn>
-                              </p:par>
-                            </p:childTnLst>
-                          </p:cTn>
-                        </p:par>
-                      </p:childTnLst>
-                    </p:cTn>
-                  </p:par>
-                  <p:par>
-                    <p:cTn id="15" fill="hold">
-                      <p:stCondLst>
-                        <p:cond delay="indefinite"/>
-                      </p:stCondLst>
-                      <p:childTnLst>
-                        <p:par>
-                          <p:cTn id="16" fill="hold">
-                            <p:stCondLst>
-                              <p:cond delay="0"/>
-                            </p:stCondLst>
-                            <p:childTnLst>
-                              <p:par>
-                                <p:cTn id="17" presetID="1" presetClass="exit" presetSubtype="0" fill="hold" grpId="0" nodeType="clickEffect">
-                                  <p:stCondLst>
-                                    <p:cond delay="0"/>
-                                  </p:stCondLst>
-                                  <p:childTnLst>
-                                    <p:set>
-                                      <p:cBhvr>
-                                        <p:cTn id="18" dur="1" fill="hold">
-                                          <p:stCondLst>
-                                            <p:cond delay="0"/>
-                                          </p:stCondLst>
-                                        </p:cTn>
-                                        <p:tgtEl>
-                                          <p:spTgt spid="9"/>
-                                        </p:tgtEl>
-                                        <p:attrNameLst>
-                                          <p:attrName>style.visibility</p:attrName>
-                                        </p:attrNameLst>
-                                      </p:cBhvr>
-                                      <p:to>
-                                        <p:strVal val="hidden"/>
-                                      </p:to>
-                                    </p:set>
-                                  </p:childTnLst>
-                                </p:cTn>
-                              </p:par>
-                            </p:childTnLst>
-                          </p:cTn>
-                        </p:par>
-                      </p:childTnLst>
-                    </p:cTn>
-                  </p:par>
-                  <p:par>
-                    <p:cTn id="19" fill="hold">
-                      <p:stCondLst>
-                        <p:cond delay="indefinite"/>
-                      </p:stCondLst>
-                      <p:childTnLst>
-                        <p:par>
-                          <p:cTn id="20" fill="hold">
-                            <p:stCondLst>
-                              <p:cond delay="0"/>
-                            </p:stCondLst>
-                            <p:childTnLst>
-                              <p:par>
-                                <p:cTn id="21" presetID="1" presetClass="exit" presetSubtype="0" fill="hold" grpId="0" nodeType="clickEffect">
-                                  <p:stCondLst>
-                                    <p:cond delay="0"/>
-                                  </p:stCondLst>
-                                  <p:childTnLst>
-                                    <p:set>
-                                      <p:cBhvr>
-                                        <p:cTn id="22" dur="1" fill="hold">
-                                          <p:stCondLst>
-                                            <p:cond delay="0"/>
-                                          </p:stCondLst>
-                                        </p:cTn>
-                                        <p:tgtEl>
-                                          <p:spTgt spid="8"/>
-                                        </p:tgtEl>
-                                        <p:attrNameLst>
-                                          <p:attrName>style.visibility</p:attrName>
-                                        </p:attrNameLst>
-                                      </p:cBhvr>
-                                      <p:to>
-                                        <p:strVal val="hidden"/>
-                                      </p:to>
-                                    </p:set>
-                                  </p:childTnLst>
-                                </p:cTn>
-                              </p:par>
-                            </p:childTnLst>
-                          </p:cTn>
-                        </p:par>
-                      </p:childTnLst>
-                    </p:cTn>
-                  </p:par>
-                  <p:par>
-                    <p:cTn id="23" fill="hold">
-                      <p:stCondLst>
-                        <p:cond delay="indefinite"/>
-                      </p:stCondLst>
-                      <p:childTnLst>
-                        <p:par>
-                          <p:cTn id="24" fill="hold">
-                            <p:stCondLst>
-                              <p:cond delay="0"/>
-                            </p:stCondLst>
-                            <p:childTnLst>
-                              <p:par>
-                                <p:cTn id="25" presetID="1" presetClass="exit" presetSubtype="0" fill="hold" grpId="0" nodeType="clickEffect">
-                                  <p:stCondLst>
-                                    <p:cond delay="0"/>
-                                  </p:stCondLst>
-                                  <p:childTnLst>
-                                    <p:set>
-                                      <p:cBhvr>
-                                        <p:cTn id="26" dur="1" fill="hold">
-                                          <p:stCondLst>
-                                            <p:cond delay="0"/>
-                                          </p:stCondLst>
-                                        </p:cTn>
-                                        <p:tgtEl>
-                                          <p:spTgt spid="7"/>
-                                        </p:tgtEl>
-                                        <p:attrNameLst>
-                                          <p:attrName>style.visibility</p:attrName>
-                                        </p:attrNameLst>
-                                      </p:cBhvr>
-                                      <p:to>
-                                        <p:strVal val="hidden"/>
-                                      </p:to>
-                                    </p:set>
-                                  </p:childTnLst>
-                                </p:cTn>
-                              </p:par>
-                            </p:childTnLst>
-                          </p:cTn>
-                        </p:par>
-                      </p:childTnLst>
-                    </p:cTn>
-                  </p:par>
-                  <p:par>
-                    <p:cTn id="27" fill="hold">
-                      <p:stCondLst>
-                        <p:cond delay="indefinite"/>
-                      </p:stCondLst>
-                      <p:childTnLst>
-                        <p:par>
-                          <p:cTn id="28" fill="hold">
-                            <p:stCondLst>
-                              <p:cond delay="0"/>
-                            </p:stCondLst>
-                            <p:childTnLst>
-                              <p:par>
-                                <p:cTn id="29" presetID="1" presetClass="exit" presetSubtype="0" fill="hold" grpId="0" nodeType="clickEffect">
-                                  <p:stCondLst>
-                                    <p:cond delay="0"/>
-                                  </p:stCondLst>
-                                  <p:childTnLst>
-                                    <p:set>
-                                      <p:cBhvr>
-                                        <p:cTn id="30" dur="1" fill="hold">
-                                          <p:stCondLst>
-                                            <p:cond delay="0"/>
-                                          </p:stCondLst>
-                                        </p:cTn>
-                                        <p:tgtEl>
-                                          <p:spTgt spid="6"/>
-                                        </p:tgtEl>
-                                        <p:attrNameLst>
-                                          <p:attrName>style.visibility</p:attrName>
-                                        </p:attrNameLst>
-                                      </p:cBhvr>
-                                      <p:to>
-                                        <p:strVal val="hidden"/>
-                                      </p:to>
-                                    </p:set>
-                                  </p:childTnLst>
-                                </p:cTn>
-                              </p:par>
-                            </p:childTnLst>
-                          </p:cTn>
-                        </p:par>
-                      </p:childTnLst>
-                    </p:cTn>
-                  </p:par>
-                </p:childTnLst>
-              </p:cTn>
-              <p:prevCondLst>
-                <p:cond evt="onPrev" delay="0">
-                  <p:tgtEl>
-                    <p:sldTgt/>
-                  </p:tgtEl>
-                </p:cond>
-              </p:prevCondLst>
-              <p:nextCondLst>
-                <p:cond evt="onNext" delay="0">
-                  <p:tgtEl>
-                    <p:sldTgt/>
-                  </p:tgtEl>
-                </p:cond>
-              </p:nextCondLst>
-            </p:seq>
-          </p:childTnLst>
-        </p:cTn>
-      </p:par>
-    </p:tnLst>
-    <p:bldLst>
-      <p:bldP spid="6" grpId="0" animBg="1"/>
-      <p:bldP spid="7" grpId="0" animBg="1"/>
-      <p:bldP spid="8" grpId="0" animBg="1"/>
-      <p:bldP spid="9" grpId="0" animBg="1"/>
-      <p:bldP spid="10" grpId="0" animBg="1"/>
-      <p:bldP spid="11" grpId="0" animBg="1"/>
-      <p:bldP spid="12" grpId="0" animBg="1"/>
-    </p:bldLst>
-  </p:timing>
-</p:sld>
-</file>
-
-<file path=ppt/slides/slide11.xml><?xml version="1.0" encoding="utf-8"?>
 <p:sld xmlns:a="http://schemas.openxmlformats.org/drawingml/2006/main" xmlns:r="http://schemas.openxmlformats.org/officeDocument/2006/relationships" xmlns:p="http://schemas.openxmlformats.org/presentationml/2006/main">
   <p:cSld>
     <p:spTree>
@@ -11262,7 +10097,7 @@
 </p:sld>
 </file>
 
-<file path=ppt/slides/slide12.xml><?xml version="1.0" encoding="utf-8"?>
+<file path=ppt/slides/slide11.xml><?xml version="1.0" encoding="utf-8"?>
 <p:sld xmlns:a="http://schemas.openxmlformats.org/drawingml/2006/main" xmlns:r="http://schemas.openxmlformats.org/officeDocument/2006/relationships" xmlns:p="http://schemas.openxmlformats.org/presentationml/2006/main">
   <p:cSld>
     <p:spTree>
@@ -11368,7 +10203,7 @@
 </p:sld>
 </file>
 
-<file path=ppt/slides/slide13.xml><?xml version="1.0" encoding="utf-8"?>
+<file path=ppt/slides/slide12.xml><?xml version="1.0" encoding="utf-8"?>
 <p:sld xmlns:a="http://schemas.openxmlformats.org/drawingml/2006/main" xmlns:r="http://schemas.openxmlformats.org/officeDocument/2006/relationships" xmlns:p="http://schemas.openxmlformats.org/presentationml/2006/main">
   <p:cSld>
     <p:spTree>
@@ -11489,7 +10324,7 @@
 </p:sld>
 </file>
 
-<file path=ppt/slides/slide14.xml><?xml version="1.0" encoding="utf-8"?>
+<file path=ppt/slides/slide13.xml><?xml version="1.0" encoding="utf-8"?>
 <p:sld xmlns:a="http://schemas.openxmlformats.org/drawingml/2006/main" xmlns:r="http://schemas.openxmlformats.org/officeDocument/2006/relationships" xmlns:p="http://schemas.openxmlformats.org/presentationml/2006/main">
   <p:cSld>
     <p:spTree>
@@ -11537,15 +10372,7 @@
             <a:pPr lvl="1"/>
             <a:r>
               <a:rPr lang="en-US" dirty="0" smtClean="0"/>
-              <a:t>Saving </a:t>
-            </a:r>
-            <a:r>
-              <a:rPr lang="en-US" dirty="0" smtClean="0"/>
-              <a:t>caused </a:t>
-            </a:r>
-            <a:r>
-              <a:rPr lang="en-US" dirty="0" smtClean="0"/>
-              <a:t>all </a:t>
+              <a:t>Saving caused all </a:t>
             </a:r>
             <a:r>
               <a:rPr lang="en-US" dirty="0" err="1" smtClean="0"/>
@@ -11553,11 +10380,7 @@
             </a:r>
             <a:r>
               <a:rPr lang="en-US" dirty="0" smtClean="0"/>
-              <a:t> </a:t>
-            </a:r>
-            <a:r>
-              <a:rPr lang="en-US" dirty="0" smtClean="0"/>
-              <a:t>to be removed from the Group.</a:t>
+              <a:t> to be removed from the Group.</a:t>
             </a:r>
           </a:p>
           <a:p>
@@ -11570,7 +10393,6 @@
               <a:rPr lang="en-US" dirty="0" smtClean="0"/>
               <a:t>.</a:t>
             </a:r>
-            <a:endParaRPr lang="en-US" dirty="0" smtClean="0"/>
           </a:p>
           <a:p>
             <a:pPr lvl="1"/>
@@ -11590,11 +10412,7 @@
             <a:pPr lvl="1"/>
             <a:r>
               <a:rPr lang="en-US" dirty="0" smtClean="0"/>
-              <a:t>1 </a:t>
-            </a:r>
-            <a:r>
-              <a:rPr lang="en-US" dirty="0" smtClean="0"/>
-              <a:t>week to fix.</a:t>
+              <a:t>1 week to fix.</a:t>
             </a:r>
           </a:p>
           <a:p>
@@ -11603,7 +10421,6 @@
               <a:rPr lang="en-US" dirty="0" smtClean="0"/>
               <a:t>Most data recovered.</a:t>
             </a:r>
-            <a:endParaRPr lang="en-US" dirty="0" smtClean="0"/>
           </a:p>
           <a:p>
             <a:pPr lvl="1"/>
@@ -11617,15 +10434,7 @@
             <a:pPr lvl="1"/>
             <a:r>
               <a:rPr lang="en-US" dirty="0" smtClean="0"/>
-              <a:t>Other projects </a:t>
-            </a:r>
-            <a:r>
-              <a:rPr lang="en-US" dirty="0" smtClean="0"/>
-              <a:t>suffer</a:t>
-            </a:r>
-            <a:r>
-              <a:rPr lang="en-US" dirty="0" smtClean="0"/>
-              <a:t>.</a:t>
+              <a:t>Other projects suffer.</a:t>
             </a:r>
           </a:p>
         </p:txBody>
@@ -12187,7 +10996,7 @@
 </p:sld>
 </file>
 
-<file path=ppt/slides/slide15.xml><?xml version="1.0" encoding="utf-8"?>
+<file path=ppt/slides/slide14.xml><?xml version="1.0" encoding="utf-8"?>
 <p:sld xmlns:a="http://schemas.openxmlformats.org/drawingml/2006/main" xmlns:r="http://schemas.openxmlformats.org/officeDocument/2006/relationships" xmlns:p="http://schemas.openxmlformats.org/presentationml/2006/main">
   <p:cSld>
     <p:spTree>
@@ -12620,7 +11429,7 @@
 </p:sld>
 </file>
 
-<file path=ppt/slides/slide16.xml><?xml version="1.0" encoding="utf-8"?>
+<file path=ppt/slides/slide15.xml><?xml version="1.0" encoding="utf-8"?>
 <p:sld xmlns:a="http://schemas.openxmlformats.org/drawingml/2006/main" xmlns:r="http://schemas.openxmlformats.org/officeDocument/2006/relationships" xmlns:p="http://schemas.openxmlformats.org/presentationml/2006/main">
   <p:cSld>
     <p:spTree>
@@ -12891,7 +11700,7 @@
 </p:sld>
 </file>
 
-<file path=ppt/slides/slide17.xml><?xml version="1.0" encoding="utf-8"?>
+<file path=ppt/slides/slide16.xml><?xml version="1.0" encoding="utf-8"?>
 <p:sld xmlns:a="http://schemas.openxmlformats.org/drawingml/2006/main" xmlns:r="http://schemas.openxmlformats.org/officeDocument/2006/relationships" xmlns:p="http://schemas.openxmlformats.org/presentationml/2006/main">
   <p:cSld>
     <p:spTree>
@@ -13864,7 +12673,7 @@
 </p:sld>
 </file>
 
-<file path=ppt/slides/slide18.xml><?xml version="1.0" encoding="utf-8"?>
+<file path=ppt/slides/slide17.xml><?xml version="1.0" encoding="utf-8"?>
 <p:sld xmlns:a="http://schemas.openxmlformats.org/drawingml/2006/main" xmlns:r="http://schemas.openxmlformats.org/officeDocument/2006/relationships" xmlns:p="http://schemas.openxmlformats.org/presentationml/2006/main">
   <p:cSld>
     <p:spTree>
@@ -13898,13 +12707,8 @@
           <a:p>
             <a:r>
               <a:rPr lang="en-US" dirty="0" smtClean="0"/>
-              <a:t>Don’t make </a:t>
-            </a:r>
-            <a:r>
-              <a:rPr lang="en-US" dirty="0" smtClean="0"/>
-              <a:t>fragile code.</a:t>
-            </a:r>
-            <a:endParaRPr lang="en-US" dirty="0" smtClean="0"/>
+              <a:t>Don’t make fragile code.</a:t>
+            </a:r>
           </a:p>
           <a:p>
             <a:pPr lvl="1"/>
@@ -14296,7 +13100,7 @@
 </p:sld>
 </file>
 
-<file path=ppt/slides/slide19.xml><?xml version="1.0" encoding="utf-8"?>
+<file path=ppt/slides/slide18.xml><?xml version="1.0" encoding="utf-8"?>
 <p:sld xmlns:a="http://schemas.openxmlformats.org/drawingml/2006/main" xmlns:r="http://schemas.openxmlformats.org/officeDocument/2006/relationships" xmlns:p="http://schemas.openxmlformats.org/presentationml/2006/main">
   <p:cSld>
     <p:spTree>
@@ -14330,7 +13134,7 @@
           <a:p>
             <a:r>
               <a:rPr lang="en-US" dirty="0" smtClean="0"/>
-              <a:t>Colorado Marathon – Ft. Collins, CO</a:t>
+              <a:t>Who do you want to be?</a:t>
             </a:r>
             <a:endParaRPr lang="en-US" dirty="0"/>
           </a:p>
@@ -14436,148 +13240,7 @@
 </p:sld>
 </file>
 
-<file path=ppt/slides/slide2.xml><?xml version="1.0" encoding="utf-8"?>
-<p:sld xmlns:a="http://schemas.openxmlformats.org/drawingml/2006/main" xmlns:r="http://schemas.openxmlformats.org/officeDocument/2006/relationships" xmlns:p="http://schemas.openxmlformats.org/presentationml/2006/main">
-  <p:cSld>
-    <p:spTree>
-      <p:nvGrpSpPr>
-        <p:cNvPr id="1" name=""/>
-        <p:cNvGrpSpPr/>
-        <p:nvPr/>
-      </p:nvGrpSpPr>
-      <p:grpSpPr>
-        <a:xfrm>
-          <a:off x="0" y="0"/>
-          <a:ext cx="0" cy="0"/>
-          <a:chOff x="0" y="0"/>
-          <a:chExt cx="0" cy="0"/>
-        </a:xfrm>
-      </p:grpSpPr>
-      <p:sp>
-        <p:nvSpPr>
-          <p:cNvPr id="2" name="Content Placeholder 1"/>
-          <p:cNvSpPr>
-            <a:spLocks noGrp="1"/>
-          </p:cNvSpPr>
-          <p:nvPr>
-            <p:ph idx="1"/>
-          </p:nvPr>
-        </p:nvSpPr>
-        <p:spPr/>
-        <p:txBody>
-          <a:bodyPr>
-            <a:normAutofit/>
-          </a:bodyPr>
-          <a:lstStyle/>
-          <a:p>
-            <a:pPr marL="0" indent="0">
-              <a:buNone/>
-            </a:pPr>
-            <a:r>
-              <a:rPr lang="en-US" dirty="0" smtClean="0"/>
-              <a:t>Lab facilitators</a:t>
-            </a:r>
-          </a:p>
-          <a:p>
-            <a:r>
-              <a:rPr lang="en-US" dirty="0" smtClean="0"/>
-              <a:t>Patrick Delancy – DEG</a:t>
-            </a:r>
-          </a:p>
-          <a:p>
-            <a:r>
-              <a:rPr lang="en-US" dirty="0" smtClean="0"/>
-              <a:t>Ryan Langton – DEG	</a:t>
-            </a:r>
-          </a:p>
-          <a:p>
-            <a:r>
-              <a:rPr lang="en-US" dirty="0" smtClean="0"/>
-              <a:t>Cory House - </a:t>
-            </a:r>
-            <a:r>
-              <a:rPr lang="en-US" dirty="0" err="1" smtClean="0"/>
-              <a:t>VinSolutions</a:t>
-            </a:r>
-            <a:endParaRPr lang="en-US" dirty="0" smtClean="0"/>
-          </a:p>
-        </p:txBody>
-      </p:sp>
-      <p:sp>
-        <p:nvSpPr>
-          <p:cNvPr id="3" name="Title 2"/>
-          <p:cNvSpPr>
-            <a:spLocks noGrp="1"/>
-          </p:cNvSpPr>
-          <p:nvPr>
-            <p:ph type="title"/>
-          </p:nvPr>
-        </p:nvSpPr>
-        <p:spPr/>
-        <p:txBody>
-          <a:bodyPr/>
-          <a:lstStyle/>
-          <a:p>
-            <a:r>
-              <a:rPr lang="en-US" dirty="0" smtClean="0"/>
-              <a:t>Turning Water into Wine</a:t>
-            </a:r>
-            <a:endParaRPr lang="en-US" dirty="0"/>
-          </a:p>
-        </p:txBody>
-      </p:sp>
-      <p:sp>
-        <p:nvSpPr>
-          <p:cNvPr id="4" name="Footer Placeholder 3"/>
-          <p:cNvSpPr>
-            <a:spLocks noGrp="1"/>
-          </p:cNvSpPr>
-          <p:nvPr>
-            <p:ph type="ftr" sz="quarter" idx="10"/>
-          </p:nvPr>
-        </p:nvSpPr>
-        <p:spPr/>
-        <p:txBody>
-          <a:bodyPr/>
-          <a:lstStyle/>
-          <a:p>
-            <a:r>
-              <a:rPr lang="en-US" dirty="0" smtClean="0"/>
-              <a:t>Change Presentation Title on Insert Ribbon :: Date Here</a:t>
-            </a:r>
-            <a:endParaRPr lang="en-US" dirty="0"/>
-          </a:p>
-        </p:txBody>
-      </p:sp>
-    </p:spTree>
-    <p:extLst>
-      <p:ext uri="{BB962C8B-B14F-4D97-AF65-F5344CB8AC3E}">
-        <p14:creationId xmlns:p14="http://schemas.microsoft.com/office/powerpoint/2010/main" val="3664266628"/>
-      </p:ext>
-    </p:extLst>
-  </p:cSld>
-  <p:clrMapOvr>
-    <a:masterClrMapping/>
-  </p:clrMapOvr>
-  <mc:AlternateContent xmlns:mc="http://schemas.openxmlformats.org/markup-compatibility/2006" xmlns:p14="http://schemas.microsoft.com/office/powerpoint/2010/main">
-    <mc:Choice Requires="p14">
-      <p:transition spd="slow" p14:dur="2000"/>
-    </mc:Choice>
-    <mc:Fallback xmlns="">
-      <p:transition spd="slow"/>
-    </mc:Fallback>
-  </mc:AlternateContent>
-  <p:timing>
-    <p:tnLst>
-      <p:par>
-        <p:cTn id="1" dur="indefinite" restart="never" nodeType="tmRoot"/>
-      </p:par>
-    </p:tnLst>
-  </p:timing>
-</p:sld>
-</file>
-
-<file path=ppt/slides/slide20.xml><?xml version="1.0" encoding="utf-8"?>
+<file path=ppt/slides/slide19.xml><?xml version="1.0" encoding="utf-8"?>
 <p:sld xmlns:a="http://schemas.openxmlformats.org/drawingml/2006/main" xmlns:r="http://schemas.openxmlformats.org/officeDocument/2006/relationships" xmlns:p="http://schemas.openxmlformats.org/presentationml/2006/main">
   <p:cSld>
     <p:spTree>
@@ -14611,11 +13274,7 @@
           <a:p>
             <a:r>
               <a:rPr lang="en-US" dirty="0" smtClean="0"/>
-              <a:t>Let’s get to refactoring</a:t>
-            </a:r>
-            <a:r>
-              <a:rPr lang="en-US" dirty="0" smtClean="0"/>
-              <a:t>…</a:t>
+              <a:t>Let’s get to refactoring…</a:t>
             </a:r>
           </a:p>
           <a:p>
@@ -14721,6 +13380,141 @@
 </p:sld>
 </file>
 
+<file path=ppt/slides/slide2.xml><?xml version="1.0" encoding="utf-8"?>
+<p:sld xmlns:a="http://schemas.openxmlformats.org/drawingml/2006/main" xmlns:r="http://schemas.openxmlformats.org/officeDocument/2006/relationships" xmlns:p="http://schemas.openxmlformats.org/presentationml/2006/main">
+  <p:cSld>
+    <p:spTree>
+      <p:nvGrpSpPr>
+        <p:cNvPr id="1" name=""/>
+        <p:cNvGrpSpPr/>
+        <p:nvPr/>
+      </p:nvGrpSpPr>
+      <p:grpSpPr>
+        <a:xfrm>
+          <a:off x="0" y="0"/>
+          <a:ext cx="0" cy="0"/>
+          <a:chOff x="0" y="0"/>
+          <a:chExt cx="0" cy="0"/>
+        </a:xfrm>
+      </p:grpSpPr>
+      <p:sp>
+        <p:nvSpPr>
+          <p:cNvPr id="2" name="Content Placeholder 1"/>
+          <p:cNvSpPr>
+            <a:spLocks noGrp="1"/>
+          </p:cNvSpPr>
+          <p:nvPr>
+            <p:ph idx="1"/>
+          </p:nvPr>
+        </p:nvSpPr>
+        <p:spPr/>
+        <p:txBody>
+          <a:bodyPr>
+            <a:normAutofit/>
+          </a:bodyPr>
+          <a:lstStyle/>
+          <a:p>
+            <a:pPr marL="0" indent="0">
+              <a:buNone/>
+            </a:pPr>
+            <a:r>
+              <a:rPr lang="en-US" dirty="0" smtClean="0"/>
+              <a:t>Lab facilitators</a:t>
+            </a:r>
+          </a:p>
+          <a:p>
+            <a:r>
+              <a:rPr lang="en-US" dirty="0" smtClean="0"/>
+              <a:t>Patrick Delancy – DEG</a:t>
+            </a:r>
+          </a:p>
+          <a:p>
+            <a:r>
+              <a:rPr lang="en-US" dirty="0" smtClean="0"/>
+              <a:t>Gabe Campbell - </a:t>
+            </a:r>
+            <a:r>
+              <a:rPr lang="en-US" dirty="0" err="1" smtClean="0"/>
+              <a:t>Epiq</a:t>
+            </a:r>
+            <a:endParaRPr lang="en-US" dirty="0" smtClean="0"/>
+          </a:p>
+        </p:txBody>
+      </p:sp>
+      <p:sp>
+        <p:nvSpPr>
+          <p:cNvPr id="3" name="Title 2"/>
+          <p:cNvSpPr>
+            <a:spLocks noGrp="1"/>
+          </p:cNvSpPr>
+          <p:nvPr>
+            <p:ph type="title"/>
+          </p:nvPr>
+        </p:nvSpPr>
+        <p:spPr/>
+        <p:txBody>
+          <a:bodyPr/>
+          <a:lstStyle/>
+          <a:p>
+            <a:r>
+              <a:rPr lang="en-US" dirty="0" smtClean="0"/>
+              <a:t>Turning Water into Wine</a:t>
+            </a:r>
+            <a:endParaRPr lang="en-US" dirty="0"/>
+          </a:p>
+        </p:txBody>
+      </p:sp>
+      <p:sp>
+        <p:nvSpPr>
+          <p:cNvPr id="4" name="Footer Placeholder 3"/>
+          <p:cNvSpPr>
+            <a:spLocks noGrp="1"/>
+          </p:cNvSpPr>
+          <p:nvPr>
+            <p:ph type="ftr" sz="quarter" idx="10"/>
+          </p:nvPr>
+        </p:nvSpPr>
+        <p:spPr/>
+        <p:txBody>
+          <a:bodyPr/>
+          <a:lstStyle/>
+          <a:p>
+            <a:r>
+              <a:rPr lang="en-US" dirty="0" smtClean="0"/>
+              <a:t>Change Presentation Title on Insert Ribbon :: Date Here</a:t>
+            </a:r>
+            <a:endParaRPr lang="en-US" dirty="0"/>
+          </a:p>
+        </p:txBody>
+      </p:sp>
+    </p:spTree>
+    <p:extLst>
+      <p:ext uri="{BB962C8B-B14F-4D97-AF65-F5344CB8AC3E}">
+        <p14:creationId xmlns:p14="http://schemas.microsoft.com/office/powerpoint/2010/main" val="3664266628"/>
+      </p:ext>
+    </p:extLst>
+  </p:cSld>
+  <p:clrMapOvr>
+    <a:masterClrMapping/>
+  </p:clrMapOvr>
+  <mc:AlternateContent xmlns:mc="http://schemas.openxmlformats.org/markup-compatibility/2006" xmlns:p14="http://schemas.microsoft.com/office/powerpoint/2010/main">
+    <mc:Choice Requires="p14">
+      <p:transition spd="slow" p14:dur="2000"/>
+    </mc:Choice>
+    <mc:Fallback xmlns="">
+      <p:transition spd="slow"/>
+    </mc:Fallback>
+  </mc:AlternateContent>
+  <p:timing>
+    <p:tnLst>
+      <p:par>
+        <p:cTn id="1" dur="indefinite" restart="never" nodeType="tmRoot"/>
+      </p:par>
+    </p:tnLst>
+  </p:timing>
+</p:sld>
+</file>
+
 <file path=ppt/slides/slide3.xml><?xml version="1.0" encoding="utf-8"?>
 <p:sld xmlns:a="http://schemas.openxmlformats.org/drawingml/2006/main" xmlns:r="http://schemas.openxmlformats.org/officeDocument/2006/relationships" xmlns:p="http://schemas.openxmlformats.org/presentationml/2006/main">
   <p:cSld>
@@ -14792,17 +13586,8 @@
             <a:pPr lvl="1"/>
             <a:r>
               <a:rPr lang="en-US" dirty="0" smtClean="0"/>
-              <a:t>Attendee </a:t>
-            </a:r>
-            <a:r>
-              <a:rPr lang="en-US" dirty="0" smtClean="0"/>
-              <a:t>code sharing </a:t>
-            </a:r>
-            <a:r>
-              <a:rPr lang="en-US" dirty="0" smtClean="0"/>
-              <a:t>opportunity (code review by committee)</a:t>
-            </a:r>
-            <a:endParaRPr lang="en-US" dirty="0" smtClean="0"/>
+              <a:t>Attendee code sharing opportunity (code review by committee)</a:t>
+            </a:r>
           </a:p>
           <a:p>
             <a:pPr lvl="1"/>
@@ -14810,7 +13595,6 @@
               <a:rPr lang="en-US" dirty="0" smtClean="0"/>
               <a:t>Mix of presentation material, group exercises, and coding.</a:t>
             </a:r>
-            <a:endParaRPr lang="en-US" dirty="0" smtClean="0"/>
           </a:p>
         </p:txBody>
       </p:sp>
@@ -15613,91 +14397,6 @@
       </p:grpSpPr>
       <p:sp>
         <p:nvSpPr>
-          <p:cNvPr id="2" name="Content Placeholder 1"/>
-          <p:cNvSpPr>
-            <a:spLocks noGrp="1"/>
-          </p:cNvSpPr>
-          <p:nvPr>
-            <p:ph idx="1"/>
-          </p:nvPr>
-        </p:nvSpPr>
-        <p:spPr/>
-        <p:txBody>
-          <a:bodyPr/>
-          <a:lstStyle/>
-          <a:p>
-            <a:r>
-              <a:rPr lang="en-US" dirty="0" smtClean="0"/>
-              <a:t>Google Hangouts for screen sharing.</a:t>
-            </a:r>
-          </a:p>
-          <a:p>
-            <a:pPr lvl="1"/>
-            <a:r>
-              <a:rPr lang="en-US" dirty="0">
-                <a:hlinkClick r:id="rId2"/>
-              </a:rPr>
-              <a:t>https://plus.google.com/hangouts</a:t>
-            </a:r>
-            <a:endParaRPr lang="en-US" dirty="0" smtClean="0"/>
-          </a:p>
-          <a:p>
-            <a:r>
-              <a:rPr lang="en-US" dirty="0" err="1" smtClean="0"/>
-              <a:t>GitHub</a:t>
-            </a:r>
-            <a:r>
-              <a:rPr lang="en-US" dirty="0" smtClean="0"/>
-              <a:t> refactoring workshop</a:t>
-            </a:r>
-          </a:p>
-          <a:p>
-            <a:pPr lvl="1"/>
-            <a:r>
-              <a:rPr lang="en-US" dirty="0">
-                <a:hlinkClick r:id="rId3"/>
-              </a:rPr>
-              <a:t>https://</a:t>
-            </a:r>
-            <a:r>
-              <a:rPr lang="en-US" dirty="0" smtClean="0">
-                <a:hlinkClick r:id="rId3"/>
-              </a:rPr>
-              <a:t>github.com/PatrickDelancy/RefactoringWorkshop</a:t>
-            </a:r>
-            <a:endParaRPr lang="en-US" dirty="0"/>
-          </a:p>
-          <a:p>
-            <a:r>
-              <a:rPr lang="en-US" dirty="0" smtClean="0"/>
-              <a:t>Handouts </a:t>
-            </a:r>
-          </a:p>
-          <a:p>
-            <a:pPr lvl="1"/>
-            <a:r>
-              <a:rPr lang="en-US" dirty="0" smtClean="0"/>
-              <a:t>Code smells and anti-patterns</a:t>
-            </a:r>
-          </a:p>
-          <a:p>
-            <a:pPr lvl="1"/>
-            <a:r>
-              <a:rPr lang="en-US" dirty="0" smtClean="0"/>
-              <a:t>Principals and best practices</a:t>
-            </a:r>
-          </a:p>
-          <a:p>
-            <a:pPr lvl="1"/>
-            <a:r>
-              <a:rPr lang="en-US" dirty="0" smtClean="0"/>
-              <a:t>R#/VS shortcuts</a:t>
-            </a:r>
-          </a:p>
-        </p:txBody>
-      </p:sp>
-      <p:sp>
-        <p:nvSpPr>
           <p:cNvPr id="3" name="Title 2"/>
           <p:cNvSpPr>
             <a:spLocks noGrp="1"/>
@@ -15713,7 +14412,7 @@
           <a:p>
             <a:r>
               <a:rPr lang="en-US" dirty="0" smtClean="0"/>
-              <a:t>Prerequisites and tools</a:t>
+              <a:t>Introductions</a:t>
             </a:r>
             <a:endParaRPr lang="en-US" dirty="0"/>
           </a:p>
@@ -15721,31 +14420,137 @@
       </p:sp>
       <p:sp>
         <p:nvSpPr>
-          <p:cNvPr id="4" name="Footer Placeholder 3"/>
-          <p:cNvSpPr>
-            <a:spLocks noGrp="1"/>
-          </p:cNvSpPr>
-          <p:nvPr>
-            <p:ph type="ftr" sz="quarter" idx="10"/>
-          </p:nvPr>
+          <p:cNvPr id="4" name="TextBox 3"/>
+          <p:cNvSpPr txBox="1"/>
+          <p:nvPr/>
         </p:nvSpPr>
-        <p:spPr/>
+        <p:spPr>
+          <a:xfrm>
+            <a:off x="304800" y="1828800"/>
+            <a:ext cx="8615855" cy="2800767"/>
+          </a:xfrm>
+          <a:prstGeom prst="rect">
+            <a:avLst/>
+          </a:prstGeom>
+          <a:noFill/>
+        </p:spPr>
         <p:txBody>
-          <a:bodyPr/>
+          <a:bodyPr wrap="square" rtlCol="0">
+            <a:spAutoFit/>
+          </a:bodyPr>
           <a:lstStyle/>
           <a:p>
-            <a:r>
-              <a:rPr lang="en-US" smtClean="0"/>
-              <a:t>Change Presentation Title on Insert Ribbon :: Date Here</a:t>
-            </a:r>
-            <a:endParaRPr lang="en-US" dirty="0"/>
+            <a:pPr marL="285750" indent="-285750">
+              <a:buFont typeface="Arial" pitchFamily="34" charset="0"/>
+              <a:buChar char="•"/>
+            </a:pPr>
+            <a:r>
+              <a:rPr lang="en-US" sz="4400" dirty="0">
+                <a:solidFill>
+                  <a:schemeClr val="tx2"/>
+                </a:solidFill>
+              </a:rPr>
+              <a:t>Name</a:t>
+            </a:r>
+          </a:p>
+          <a:p>
+            <a:pPr marL="285750" indent="-285750">
+              <a:buFont typeface="Arial" pitchFamily="34" charset="0"/>
+              <a:buChar char="•"/>
+            </a:pPr>
+            <a:r>
+              <a:rPr lang="en-US" sz="4400" dirty="0" smtClean="0">
+                <a:solidFill>
+                  <a:schemeClr val="tx2"/>
+                </a:solidFill>
+              </a:rPr>
+              <a:t>Role and Where </a:t>
+            </a:r>
+            <a:r>
+              <a:rPr lang="en-US" sz="4400" dirty="0">
+                <a:solidFill>
+                  <a:schemeClr val="tx2"/>
+                </a:solidFill>
+              </a:rPr>
+              <a:t>you </a:t>
+            </a:r>
+            <a:r>
+              <a:rPr lang="en-US" sz="4400" dirty="0" smtClean="0">
+                <a:solidFill>
+                  <a:schemeClr val="tx2"/>
+                </a:solidFill>
+              </a:rPr>
+              <a:t>Work</a:t>
+            </a:r>
+            <a:endParaRPr lang="en-US" sz="4400" dirty="0">
+              <a:solidFill>
+                <a:schemeClr val="tx2"/>
+              </a:solidFill>
+            </a:endParaRPr>
+          </a:p>
+          <a:p>
+            <a:pPr marL="285750" indent="-285750">
+              <a:buFont typeface="Arial" pitchFamily="34" charset="0"/>
+              <a:buChar char="•"/>
+            </a:pPr>
+            <a:r>
+              <a:rPr lang="en-US" sz="4400" dirty="0">
+                <a:solidFill>
+                  <a:schemeClr val="tx2"/>
+                </a:solidFill>
+              </a:rPr>
+              <a:t>What do you </a:t>
+            </a:r>
+            <a:r>
+              <a:rPr lang="en-US" sz="4400" dirty="0" smtClean="0">
+                <a:solidFill>
+                  <a:schemeClr val="tx2"/>
+                </a:solidFill>
+              </a:rPr>
+              <a:t>want to </a:t>
+            </a:r>
+            <a:r>
+              <a:rPr lang="en-US" sz="4400" dirty="0">
+                <a:solidFill>
+                  <a:schemeClr val="tx2"/>
+                </a:solidFill>
+              </a:rPr>
+              <a:t>learn?</a:t>
+            </a:r>
+          </a:p>
+          <a:p>
+            <a:pPr marL="285750" indent="-285750">
+              <a:buFont typeface="Arial" pitchFamily="34" charset="0"/>
+              <a:buChar char="•"/>
+            </a:pPr>
+            <a:r>
+              <a:rPr lang="en-US" sz="4400" dirty="0">
+                <a:solidFill>
+                  <a:schemeClr val="tx2"/>
+                </a:solidFill>
+              </a:rPr>
+              <a:t>Did you bring code</a:t>
+            </a:r>
+            <a:r>
+              <a:rPr lang="en-US" sz="4400" dirty="0" smtClean="0">
+                <a:solidFill>
+                  <a:schemeClr val="tx2"/>
+                </a:solidFill>
+              </a:rPr>
+              <a:t>?</a:t>
+            </a:r>
+            <a:endParaRPr lang="en-US" sz="4400" dirty="0">
+              <a:solidFill>
+                <a:schemeClr val="tx2"/>
+              </a:solidFill>
+            </a:endParaRPr>
           </a:p>
         </p:txBody>
       </p:sp>
     </p:spTree>
     <p:extLst>
       <p:ext uri="{BB962C8B-B14F-4D97-AF65-F5344CB8AC3E}">
-        <p14:creationId xmlns:p14="http://schemas.microsoft.com/office/powerpoint/2010/main" val="2719287539"/>
+        <p14:creationId xmlns:p14="http://schemas.microsoft.com/office/powerpoint/2010/main" val="1465943144"/>
       </p:ext>
     </p:extLst>
   </p:cSld>
@@ -15781,193 +14586,6 @@
       </p:grpSpPr>
       <p:sp>
         <p:nvSpPr>
-          <p:cNvPr id="3" name="Title 2"/>
-          <p:cNvSpPr>
-            <a:spLocks noGrp="1"/>
-          </p:cNvSpPr>
-          <p:nvPr>
-            <p:ph type="title"/>
-          </p:nvPr>
-        </p:nvSpPr>
-        <p:spPr/>
-        <p:txBody>
-          <a:bodyPr/>
-          <a:lstStyle/>
-          <a:p>
-            <a:r>
-              <a:rPr lang="en-US" dirty="0" smtClean="0"/>
-              <a:t>Introductions</a:t>
-            </a:r>
-            <a:endParaRPr lang="en-US" dirty="0"/>
-          </a:p>
-        </p:txBody>
-      </p:sp>
-      <p:pic>
-        <p:nvPicPr>
-          <p:cNvPr id="1026" name="Picture 2" descr="http://www.hahastop.com/pictures/Introductions.jpg"/>
-          <p:cNvPicPr>
-            <a:picLocks noChangeAspect="1" noChangeArrowheads="1"/>
-          </p:cNvPicPr>
-          <p:nvPr/>
-        </p:nvPicPr>
-        <p:blipFill>
-          <a:blip r:embed="rId2">
-            <a:extLst>
-              <a:ext uri="{28A0092B-C50C-407E-A947-70E740481C1C}">
-                <a14:useLocalDpi xmlns:a14="http://schemas.microsoft.com/office/drawing/2010/main" val="0"/>
-              </a:ext>
-            </a:extLst>
-          </a:blip>
-          <a:srcRect/>
-          <a:stretch>
-            <a:fillRect/>
-          </a:stretch>
-        </p:blipFill>
-        <p:spPr bwMode="auto">
-          <a:xfrm>
-            <a:off x="533400" y="533400"/>
-            <a:ext cx="5562600" cy="3977260"/>
-          </a:xfrm>
-          <a:prstGeom prst="rect">
-            <a:avLst/>
-          </a:prstGeom>
-          <a:noFill/>
-          <a:extLst>
-            <a:ext uri="{909E8E84-426E-40DD-AFC4-6F175D3DCCD1}">
-              <a14:hiddenFill xmlns:a14="http://schemas.microsoft.com/office/drawing/2010/main">
-                <a:solidFill>
-                  <a:srgbClr val="FFFFFF"/>
-                </a:solidFill>
-              </a14:hiddenFill>
-            </a:ext>
-          </a:extLst>
-        </p:spPr>
-      </p:pic>
-      <p:sp>
-        <p:nvSpPr>
-          <p:cNvPr id="4" name="TextBox 3"/>
-          <p:cNvSpPr txBox="1"/>
-          <p:nvPr/>
-        </p:nvSpPr>
-        <p:spPr>
-          <a:xfrm>
-            <a:off x="528143" y="4510660"/>
-            <a:ext cx="8615855" cy="2092881"/>
-          </a:xfrm>
-          <a:prstGeom prst="rect">
-            <a:avLst/>
-          </a:prstGeom>
-          <a:noFill/>
-        </p:spPr>
-        <p:txBody>
-          <a:bodyPr wrap="square" rtlCol="0">
-            <a:spAutoFit/>
-          </a:bodyPr>
-          <a:lstStyle/>
-          <a:p>
-            <a:pPr marL="285750" indent="-285750">
-              <a:buFont typeface="Arial" pitchFamily="34" charset="0"/>
-              <a:buChar char="•"/>
-            </a:pPr>
-            <a:r>
-              <a:rPr lang="en-US" sz="2800" dirty="0">
-                <a:solidFill>
-                  <a:schemeClr val="tx2"/>
-                </a:solidFill>
-              </a:rPr>
-              <a:t>Name</a:t>
-            </a:r>
-          </a:p>
-          <a:p>
-            <a:pPr marL="285750" indent="-285750">
-              <a:buFont typeface="Arial" pitchFamily="34" charset="0"/>
-              <a:buChar char="•"/>
-            </a:pPr>
-            <a:r>
-              <a:rPr lang="en-US" sz="2800" dirty="0">
-                <a:solidFill>
-                  <a:schemeClr val="tx2"/>
-                </a:solidFill>
-              </a:rPr>
-              <a:t>Where you Work</a:t>
-            </a:r>
-          </a:p>
-          <a:p>
-            <a:pPr marL="285750" indent="-285750">
-              <a:buFont typeface="Arial" pitchFamily="34" charset="0"/>
-              <a:buChar char="•"/>
-            </a:pPr>
-            <a:r>
-              <a:rPr lang="en-US" sz="2800" dirty="0">
-                <a:solidFill>
-                  <a:schemeClr val="tx2"/>
-                </a:solidFill>
-              </a:rPr>
-              <a:t>What do you want to learn?</a:t>
-            </a:r>
-          </a:p>
-          <a:p>
-            <a:pPr marL="285750" indent="-285750">
-              <a:buFont typeface="Arial" pitchFamily="34" charset="0"/>
-              <a:buChar char="•"/>
-            </a:pPr>
-            <a:r>
-              <a:rPr lang="en-US" sz="2800" dirty="0">
-                <a:solidFill>
-                  <a:schemeClr val="tx2"/>
-                </a:solidFill>
-              </a:rPr>
-              <a:t>Did you bring code?</a:t>
-            </a:r>
-          </a:p>
-          <a:p>
-            <a:pPr marL="285750" indent="-285750">
-              <a:buFont typeface="Arial" pitchFamily="34" charset="0"/>
-              <a:buChar char="•"/>
-            </a:pPr>
-            <a:endParaRPr lang="en-US" dirty="0"/>
-          </a:p>
-        </p:txBody>
-      </p:sp>
-    </p:spTree>
-    <p:extLst>
-      <p:ext uri="{BB962C8B-B14F-4D97-AF65-F5344CB8AC3E}">
-        <p14:creationId xmlns:p14="http://schemas.microsoft.com/office/powerpoint/2010/main" val="1465943144"/>
-      </p:ext>
-    </p:extLst>
-  </p:cSld>
-  <p:clrMapOvr>
-    <a:masterClrMapping/>
-  </p:clrMapOvr>
-  <p:timing>
-    <p:tnLst>
-      <p:par>
-        <p:cTn id="1" dur="indefinite" restart="never" nodeType="tmRoot"/>
-      </p:par>
-    </p:tnLst>
-  </p:timing>
-</p:sld>
-</file>
-
-<file path=ppt/slides/slide7.xml><?xml version="1.0" encoding="utf-8"?>
-<p:sld xmlns:a="http://schemas.openxmlformats.org/drawingml/2006/main" xmlns:r="http://schemas.openxmlformats.org/officeDocument/2006/relationships" xmlns:p="http://schemas.openxmlformats.org/presentationml/2006/main">
-  <p:cSld>
-    <p:spTree>
-      <p:nvGrpSpPr>
-        <p:cNvPr id="1" name=""/>
-        <p:cNvGrpSpPr/>
-        <p:nvPr/>
-      </p:nvGrpSpPr>
-      <p:grpSpPr>
-        <a:xfrm>
-          <a:off x="0" y="0"/>
-          <a:ext cx="0" cy="0"/>
-          <a:chOff x="0" y="0"/>
-          <a:chExt cx="0" cy="0"/>
-        </a:xfrm>
-      </p:grpSpPr>
-      <p:sp>
-        <p:nvSpPr>
           <p:cNvPr id="2" name="Content Placeholder 1"/>
           <p:cNvSpPr>
             <a:spLocks noGrp="1"/>
@@ -16031,14 +14649,8 @@
               <a:t>- </a:t>
             </a:r>
             <a:r>
-              <a:rPr lang="en-US" sz="2000" i="1" dirty="0">
-                <a:hlinkClick r:id="rId2"/>
-              </a:rPr>
-              <a:t>Martin Fowler</a:t>
-            </a:r>
-            <a:r>
               <a:rPr lang="en-US" sz="2000" i="1" dirty="0"/>
-              <a:t>, Refactoring: Improving the Design of Existing Code </a:t>
+              <a:t>Martin Fowler, Refactoring: Improving the Design of Existing Code </a:t>
             </a:r>
           </a:p>
           <a:p>
@@ -16671,7 +15283,7 @@
 </p:sld>
 </file>
 
-<file path=ppt/slides/slide8.xml><?xml version="1.0" encoding="utf-8"?>
+<file path=ppt/slides/slide7.xml><?xml version="1.0" encoding="utf-8"?>
 <p:sld xmlns:a="http://schemas.openxmlformats.org/drawingml/2006/main" xmlns:r="http://schemas.openxmlformats.org/officeDocument/2006/relationships" xmlns:p="http://schemas.openxmlformats.org/presentationml/2006/main">
   <p:cSld>
     <p:spTree>
@@ -17466,7 +16078,7 @@
 </p:sld>
 </file>
 
-<file path=ppt/slides/slide9.xml><?xml version="1.0" encoding="utf-8"?>
+<file path=ppt/slides/slide8.xml><?xml version="1.0" encoding="utf-8"?>
 <p:sld xmlns:a="http://schemas.openxmlformats.org/drawingml/2006/main" xmlns:r="http://schemas.openxmlformats.org/officeDocument/2006/relationships" xmlns:p="http://schemas.openxmlformats.org/presentationml/2006/main">
   <p:cSld>
     <p:spTree>
@@ -17772,6 +16384,1111 @@
         </p:cTn>
       </p:par>
     </p:tnLst>
+  </p:timing>
+</p:sld>
+</file>
+
+<file path=ppt/slides/slide9.xml><?xml version="1.0" encoding="utf-8"?>
+<p:sld xmlns:a="http://schemas.openxmlformats.org/drawingml/2006/main" xmlns:r="http://schemas.openxmlformats.org/officeDocument/2006/relationships" xmlns:p="http://schemas.openxmlformats.org/presentationml/2006/main">
+  <p:cSld>
+    <p:spTree>
+      <p:nvGrpSpPr>
+        <p:cNvPr id="1" name=""/>
+        <p:cNvGrpSpPr/>
+        <p:nvPr/>
+      </p:nvGrpSpPr>
+      <p:grpSpPr>
+        <a:xfrm>
+          <a:off x="0" y="0"/>
+          <a:ext cx="0" cy="0"/>
+          <a:chOff x="0" y="0"/>
+          <a:chExt cx="0" cy="0"/>
+        </a:xfrm>
+      </p:grpSpPr>
+      <p:graphicFrame>
+        <p:nvGraphicFramePr>
+          <p:cNvPr id="5" name="Table 4"/>
+          <p:cNvGraphicFramePr>
+            <a:graphicFrameLocks noGrp="1"/>
+          </p:cNvGraphicFramePr>
+          <p:nvPr>
+            <p:extLst>
+              <p:ext uri="{D42A27DB-BD31-4B8C-83A1-F6EECF244321}">
+                <p14:modId xmlns:p14="http://schemas.microsoft.com/office/powerpoint/2010/main" val="193202939"/>
+              </p:ext>
+            </p:extLst>
+          </p:nvPr>
+        </p:nvGraphicFramePr>
+        <p:xfrm>
+          <a:off x="304800" y="838200"/>
+          <a:ext cx="8534400" cy="3606800"/>
+        </p:xfrm>
+        <a:graphic>
+          <a:graphicData uri="http://schemas.openxmlformats.org/drawingml/2006/table">
+            <a:tbl>
+              <a:tblPr firstRow="1" bandRow="1">
+                <a:tableStyleId>{5C22544A-7EE6-4342-B048-85BDC9FD1C3A}</a:tableStyleId>
+              </a:tblPr>
+              <a:tblGrid>
+                <a:gridCol w="4267200"/>
+                <a:gridCol w="4267200"/>
+              </a:tblGrid>
+              <a:tr h="370840">
+                <a:tc>
+                  <a:txBody>
+                    <a:bodyPr/>
+                    <a:lstStyle/>
+                    <a:p>
+                      <a:r>
+                        <a:rPr lang="en-US" dirty="0" smtClean="0"/>
+                        <a:t>Developer A (</a:t>
+                      </a:r>
+                      <a:r>
+                        <a:rPr lang="en-US" dirty="0" err="1" smtClean="0"/>
+                        <a:t>Partick</a:t>
+                      </a:r>
+                      <a:r>
+                        <a:rPr lang="en-US" dirty="0" smtClean="0"/>
+                        <a:t>)</a:t>
+                      </a:r>
+                      <a:endParaRPr lang="en-US" dirty="0"/>
+                    </a:p>
+                  </a:txBody>
+                  <a:tcPr/>
+                </a:tc>
+                <a:tc>
+                  <a:txBody>
+                    <a:bodyPr/>
+                    <a:lstStyle/>
+                    <a:p>
+                      <a:r>
+                        <a:rPr lang="en-US" dirty="0" smtClean="0"/>
+                        <a:t>Developer B </a:t>
+                      </a:r>
+                      <a:r>
+                        <a:rPr lang="en-US" dirty="0" smtClean="0"/>
+                        <a:t>(</a:t>
+                      </a:r>
+                      <a:r>
+                        <a:rPr lang="en-US" dirty="0" err="1" smtClean="0"/>
+                        <a:t>Grabe</a:t>
+                      </a:r>
+                      <a:r>
+                        <a:rPr lang="en-US" dirty="0" smtClean="0"/>
+                        <a:t>)</a:t>
+                      </a:r>
+                      <a:endParaRPr lang="en-US" dirty="0"/>
+                    </a:p>
+                  </a:txBody>
+                  <a:tcPr/>
+                </a:tc>
+              </a:tr>
+              <a:tr h="370840">
+                <a:tc>
+                  <a:txBody>
+                    <a:bodyPr/>
+                    <a:lstStyle/>
+                    <a:p>
+                      <a:r>
+                        <a:rPr lang="en-US" dirty="0" smtClean="0"/>
+                        <a:t>Does not</a:t>
+                      </a:r>
+                      <a:r>
+                        <a:rPr lang="en-US" baseline="0" dirty="0" smtClean="0"/>
+                        <a:t> refactor. </a:t>
+                      </a:r>
+                      <a:endParaRPr lang="en-US" dirty="0"/>
+                    </a:p>
+                  </a:txBody>
+                  <a:tcPr/>
+                </a:tc>
+                <a:tc>
+                  <a:txBody>
+                    <a:bodyPr/>
+                    <a:lstStyle/>
+                    <a:p>
+                      <a:r>
+                        <a:rPr lang="en-US" dirty="0" smtClean="0"/>
+                        <a:t>Refactors often.</a:t>
+                      </a:r>
+                      <a:endParaRPr lang="en-US" dirty="0"/>
+                    </a:p>
+                  </a:txBody>
+                  <a:tcPr/>
+                </a:tc>
+              </a:tr>
+              <a:tr h="370840">
+                <a:tc>
+                  <a:txBody>
+                    <a:bodyPr/>
+                    <a:lstStyle/>
+                    <a:p>
+                      <a:r>
+                        <a:rPr lang="en-US" dirty="0" smtClean="0"/>
+                        <a:t>Studies code, documents.</a:t>
+                      </a:r>
+                      <a:endParaRPr lang="en-US" dirty="0"/>
+                    </a:p>
+                  </a:txBody>
+                  <a:tcPr/>
+                </a:tc>
+                <a:tc>
+                  <a:txBody>
+                    <a:bodyPr/>
+                    <a:lstStyle/>
+                    <a:p>
+                      <a:r>
+                        <a:rPr lang="en-US" dirty="0" smtClean="0"/>
+                        <a:t>Refactors</a:t>
+                      </a:r>
+                      <a:r>
+                        <a:rPr lang="en-US" baseline="0" dirty="0" smtClean="0"/>
+                        <a:t> code to learn it.</a:t>
+                      </a:r>
+                      <a:endParaRPr lang="en-US" dirty="0"/>
+                    </a:p>
+                  </a:txBody>
+                  <a:tcPr/>
+                </a:tc>
+              </a:tr>
+              <a:tr h="370840">
+                <a:tc>
+                  <a:txBody>
+                    <a:bodyPr/>
+                    <a:lstStyle/>
+                    <a:p>
+                      <a:r>
+                        <a:rPr lang="en-US" dirty="0" smtClean="0"/>
+                        <a:t>Minimal code</a:t>
+                      </a:r>
+                      <a:r>
+                        <a:rPr lang="en-US" baseline="0" dirty="0" smtClean="0"/>
+                        <a:t> changes.</a:t>
+                      </a:r>
+                      <a:endParaRPr lang="en-US" dirty="0"/>
+                    </a:p>
+                  </a:txBody>
+                  <a:tcPr/>
+                </a:tc>
+                <a:tc>
+                  <a:txBody>
+                    <a:bodyPr/>
+                    <a:lstStyle/>
+                    <a:p>
+                      <a:r>
+                        <a:rPr lang="en-US" dirty="0" smtClean="0"/>
+                        <a:t>Major code changes.</a:t>
+                      </a:r>
+                      <a:endParaRPr lang="en-US" dirty="0"/>
+                    </a:p>
+                  </a:txBody>
+                  <a:tcPr/>
+                </a:tc>
+              </a:tr>
+              <a:tr h="370840">
+                <a:tc>
+                  <a:txBody>
+                    <a:bodyPr/>
+                    <a:lstStyle/>
+                    <a:p>
+                      <a:r>
+                        <a:rPr lang="en-US" dirty="0" smtClean="0"/>
+                        <a:t>90%</a:t>
+                      </a:r>
+                      <a:r>
+                        <a:rPr lang="en-US" baseline="0" dirty="0" smtClean="0"/>
+                        <a:t> time spent doing research.</a:t>
+                      </a:r>
+                      <a:endParaRPr lang="en-US" dirty="0"/>
+                    </a:p>
+                  </a:txBody>
+                  <a:tcPr/>
+                </a:tc>
+                <a:tc>
+                  <a:txBody>
+                    <a:bodyPr/>
+                    <a:lstStyle/>
+                    <a:p>
+                      <a:r>
+                        <a:rPr lang="en-US" dirty="0" smtClean="0"/>
+                        <a:t>90% time spent</a:t>
+                      </a:r>
+                      <a:r>
+                        <a:rPr lang="en-US" baseline="0" dirty="0" smtClean="0"/>
+                        <a:t> </a:t>
+                      </a:r>
+                      <a:r>
+                        <a:rPr lang="en-US" dirty="0" smtClean="0"/>
+                        <a:t>coding.</a:t>
+                      </a:r>
+                      <a:endParaRPr lang="en-US" dirty="0"/>
+                    </a:p>
+                  </a:txBody>
+                  <a:tcPr/>
+                </a:tc>
+              </a:tr>
+              <a:tr h="370840">
+                <a:tc>
+                  <a:txBody>
+                    <a:bodyPr/>
+                    <a:lstStyle/>
+                    <a:p>
+                      <a:r>
+                        <a:rPr lang="en-US" dirty="0" smtClean="0"/>
+                        <a:t>Never causes regressive bugs.</a:t>
+                      </a:r>
+                      <a:endParaRPr lang="en-US" dirty="0"/>
+                    </a:p>
+                  </a:txBody>
+                  <a:tcPr/>
+                </a:tc>
+                <a:tc>
+                  <a:txBody>
+                    <a:bodyPr/>
+                    <a:lstStyle/>
+                    <a:p>
+                      <a:r>
+                        <a:rPr lang="en-US" dirty="0" smtClean="0"/>
+                        <a:t>Often causes regressive bugs.</a:t>
+                      </a:r>
+                      <a:endParaRPr lang="en-US" dirty="0"/>
+                    </a:p>
+                  </a:txBody>
+                  <a:tcPr/>
+                </a:tc>
+              </a:tr>
+              <a:tr h="370840">
+                <a:tc>
+                  <a:txBody>
+                    <a:bodyPr/>
+                    <a:lstStyle/>
+                    <a:p>
+                      <a:r>
+                        <a:rPr lang="en-US" dirty="0" smtClean="0"/>
+                        <a:t>Not a great coder.</a:t>
+                      </a:r>
+                      <a:endParaRPr lang="en-US" dirty="0"/>
+                    </a:p>
+                  </a:txBody>
+                  <a:tcPr/>
+                </a:tc>
+                <a:tc>
+                  <a:txBody>
+                    <a:bodyPr/>
+                    <a:lstStyle/>
+                    <a:p>
+                      <a:r>
+                        <a:rPr lang="en-US" dirty="0" smtClean="0"/>
+                        <a:t>Is the better coder</a:t>
+                      </a:r>
+                      <a:r>
+                        <a:rPr lang="en-US" baseline="0" dirty="0" smtClean="0"/>
+                        <a:t> (gives talks at KCDC)</a:t>
+                      </a:r>
+                      <a:endParaRPr lang="en-US" dirty="0"/>
+                    </a:p>
+                  </a:txBody>
+                  <a:tcPr/>
+                </a:tc>
+              </a:tr>
+              <a:tr h="370840">
+                <a:tc>
+                  <a:txBody>
+                    <a:bodyPr/>
+                    <a:lstStyle/>
+                    <a:p>
+                      <a:r>
+                        <a:rPr lang="en-US" dirty="0" smtClean="0"/>
+                        <a:t>Predictable</a:t>
+                      </a:r>
+                      <a:r>
+                        <a:rPr lang="en-US" baseline="0" dirty="0" smtClean="0"/>
+                        <a:t> amount of time spent.</a:t>
+                      </a:r>
+                      <a:endParaRPr lang="en-US" dirty="0"/>
+                    </a:p>
+                  </a:txBody>
+                  <a:tcPr/>
+                </a:tc>
+                <a:tc>
+                  <a:txBody>
+                    <a:bodyPr/>
+                    <a:lstStyle/>
+                    <a:p>
+                      <a:r>
+                        <a:rPr lang="en-US" dirty="0" smtClean="0"/>
+                        <a:t>Much</a:t>
+                      </a:r>
+                      <a:r>
+                        <a:rPr lang="en-US" baseline="0" dirty="0" smtClean="0"/>
+                        <a:t> more time spent.</a:t>
+                      </a:r>
+                      <a:endParaRPr lang="en-US" dirty="0"/>
+                    </a:p>
+                  </a:txBody>
+                  <a:tcPr/>
+                </a:tc>
+              </a:tr>
+              <a:tr h="370840">
+                <a:tc>
+                  <a:txBody>
+                    <a:bodyPr/>
+                    <a:lstStyle/>
+                    <a:p>
+                      <a:r>
+                        <a:rPr lang="en-US" dirty="0" smtClean="0"/>
+                        <a:t>Seen as</a:t>
+                      </a:r>
+                      <a:r>
+                        <a:rPr lang="en-US" baseline="0" dirty="0" smtClean="0"/>
+                        <a:t> a good employee.</a:t>
+                      </a:r>
+                      <a:endParaRPr lang="en-US" dirty="0"/>
+                    </a:p>
+                  </a:txBody>
+                  <a:tcPr/>
+                </a:tc>
+                <a:tc>
+                  <a:txBody>
+                    <a:bodyPr/>
+                    <a:lstStyle/>
+                    <a:p>
+                      <a:r>
+                        <a:rPr lang="en-US" dirty="0" smtClean="0"/>
+                        <a:t>Seen as a Risk.</a:t>
+                      </a:r>
+                      <a:endParaRPr lang="en-US" dirty="0"/>
+                    </a:p>
+                  </a:txBody>
+                  <a:tcPr/>
+                </a:tc>
+              </a:tr>
+            </a:tbl>
+          </a:graphicData>
+        </a:graphic>
+      </p:graphicFrame>
+      <p:sp>
+        <p:nvSpPr>
+          <p:cNvPr id="6" name="Rectangle 5"/>
+          <p:cNvSpPr/>
+          <p:nvPr/>
+        </p:nvSpPr>
+        <p:spPr>
+          <a:xfrm>
+            <a:off x="228600" y="4131878"/>
+            <a:ext cx="8763000" cy="1654067"/>
+          </a:xfrm>
+          <a:prstGeom prst="rect">
+            <a:avLst/>
+          </a:prstGeom>
+          <a:solidFill>
+            <a:schemeClr val="bg1"/>
+          </a:solidFill>
+          <a:ln>
+            <a:solidFill>
+              <a:schemeClr val="bg1"/>
+            </a:solidFill>
+          </a:ln>
+        </p:spPr>
+        <p:style>
+          <a:lnRef idx="2">
+            <a:schemeClr val="accent1">
+              <a:shade val="50000"/>
+            </a:schemeClr>
+          </a:lnRef>
+          <a:fillRef idx="1">
+            <a:schemeClr val="accent1"/>
+          </a:fillRef>
+          <a:effectRef idx="0">
+            <a:schemeClr val="accent1"/>
+          </a:effectRef>
+          <a:fontRef idx="minor">
+            <a:schemeClr val="lt1"/>
+          </a:fontRef>
+        </p:style>
+        <p:txBody>
+          <a:bodyPr rtlCol="0" anchor="ctr"/>
+          <a:lstStyle/>
+          <a:p>
+            <a:pPr algn="ctr"/>
+            <a:endParaRPr lang="en-US"/>
+          </a:p>
+        </p:txBody>
+      </p:sp>
+      <p:sp>
+        <p:nvSpPr>
+          <p:cNvPr id="7" name="Rectangle 6"/>
+          <p:cNvSpPr/>
+          <p:nvPr/>
+        </p:nvSpPr>
+        <p:spPr>
+          <a:xfrm>
+            <a:off x="191814" y="3657600"/>
+            <a:ext cx="8763000" cy="2209798"/>
+          </a:xfrm>
+          <a:prstGeom prst="rect">
+            <a:avLst/>
+          </a:prstGeom>
+          <a:solidFill>
+            <a:schemeClr val="bg1"/>
+          </a:solidFill>
+          <a:ln>
+            <a:solidFill>
+              <a:schemeClr val="bg1"/>
+            </a:solidFill>
+          </a:ln>
+        </p:spPr>
+        <p:style>
+          <a:lnRef idx="2">
+            <a:schemeClr val="accent1">
+              <a:shade val="50000"/>
+            </a:schemeClr>
+          </a:lnRef>
+          <a:fillRef idx="1">
+            <a:schemeClr val="accent1"/>
+          </a:fillRef>
+          <a:effectRef idx="0">
+            <a:schemeClr val="accent1"/>
+          </a:effectRef>
+          <a:fontRef idx="minor">
+            <a:schemeClr val="lt1"/>
+          </a:fontRef>
+        </p:style>
+        <p:txBody>
+          <a:bodyPr rtlCol="0" anchor="ctr"/>
+          <a:lstStyle/>
+          <a:p>
+            <a:pPr algn="ctr"/>
+            <a:endParaRPr lang="en-US"/>
+          </a:p>
+        </p:txBody>
+      </p:sp>
+      <p:sp>
+        <p:nvSpPr>
+          <p:cNvPr id="8" name="Rectangle 7"/>
+          <p:cNvSpPr/>
+          <p:nvPr/>
+        </p:nvSpPr>
+        <p:spPr>
+          <a:xfrm>
+            <a:off x="236483" y="3048000"/>
+            <a:ext cx="8763000" cy="2984937"/>
+          </a:xfrm>
+          <a:prstGeom prst="rect">
+            <a:avLst/>
+          </a:prstGeom>
+          <a:solidFill>
+            <a:schemeClr val="bg1"/>
+          </a:solidFill>
+          <a:ln>
+            <a:solidFill>
+              <a:schemeClr val="bg1"/>
+            </a:solidFill>
+          </a:ln>
+        </p:spPr>
+        <p:style>
+          <a:lnRef idx="2">
+            <a:schemeClr val="accent1">
+              <a:shade val="50000"/>
+            </a:schemeClr>
+          </a:lnRef>
+          <a:fillRef idx="1">
+            <a:schemeClr val="accent1"/>
+          </a:fillRef>
+          <a:effectRef idx="0">
+            <a:schemeClr val="accent1"/>
+          </a:effectRef>
+          <a:fontRef idx="minor">
+            <a:schemeClr val="lt1"/>
+          </a:fontRef>
+        </p:style>
+        <p:txBody>
+          <a:bodyPr rtlCol="0" anchor="ctr"/>
+          <a:lstStyle/>
+          <a:p>
+            <a:pPr algn="ctr"/>
+            <a:endParaRPr lang="en-US"/>
+          </a:p>
+        </p:txBody>
+      </p:sp>
+      <p:sp>
+        <p:nvSpPr>
+          <p:cNvPr id="9" name="Rectangle 8"/>
+          <p:cNvSpPr/>
+          <p:nvPr/>
+        </p:nvSpPr>
+        <p:spPr>
+          <a:xfrm>
+            <a:off x="191814" y="2667000"/>
+            <a:ext cx="8763000" cy="3434253"/>
+          </a:xfrm>
+          <a:prstGeom prst="rect">
+            <a:avLst/>
+          </a:prstGeom>
+          <a:solidFill>
+            <a:schemeClr val="bg1"/>
+          </a:solidFill>
+          <a:ln>
+            <a:solidFill>
+              <a:schemeClr val="bg1"/>
+            </a:solidFill>
+          </a:ln>
+        </p:spPr>
+        <p:style>
+          <a:lnRef idx="2">
+            <a:schemeClr val="accent1">
+              <a:shade val="50000"/>
+            </a:schemeClr>
+          </a:lnRef>
+          <a:fillRef idx="1">
+            <a:schemeClr val="accent1"/>
+          </a:fillRef>
+          <a:effectRef idx="0">
+            <a:schemeClr val="accent1"/>
+          </a:effectRef>
+          <a:fontRef idx="minor">
+            <a:schemeClr val="lt1"/>
+          </a:fontRef>
+        </p:style>
+        <p:txBody>
+          <a:bodyPr rtlCol="0" anchor="ctr"/>
+          <a:lstStyle/>
+          <a:p>
+            <a:pPr algn="ctr"/>
+            <a:endParaRPr lang="en-US"/>
+          </a:p>
+        </p:txBody>
+      </p:sp>
+      <p:sp>
+        <p:nvSpPr>
+          <p:cNvPr id="10" name="Rectangle 9"/>
+          <p:cNvSpPr/>
+          <p:nvPr/>
+        </p:nvSpPr>
+        <p:spPr>
+          <a:xfrm>
+            <a:off x="191814" y="2286000"/>
+            <a:ext cx="8763000" cy="3844157"/>
+          </a:xfrm>
+          <a:prstGeom prst="rect">
+            <a:avLst/>
+          </a:prstGeom>
+          <a:solidFill>
+            <a:schemeClr val="bg1"/>
+          </a:solidFill>
+          <a:ln>
+            <a:solidFill>
+              <a:schemeClr val="bg1"/>
+            </a:solidFill>
+          </a:ln>
+        </p:spPr>
+        <p:style>
+          <a:lnRef idx="2">
+            <a:schemeClr val="accent1">
+              <a:shade val="50000"/>
+            </a:schemeClr>
+          </a:lnRef>
+          <a:fillRef idx="1">
+            <a:schemeClr val="accent1"/>
+          </a:fillRef>
+          <a:effectRef idx="0">
+            <a:schemeClr val="accent1"/>
+          </a:effectRef>
+          <a:fontRef idx="minor">
+            <a:schemeClr val="lt1"/>
+          </a:fontRef>
+        </p:style>
+        <p:txBody>
+          <a:bodyPr rtlCol="0" anchor="ctr"/>
+          <a:lstStyle/>
+          <a:p>
+            <a:pPr algn="ctr"/>
+            <a:endParaRPr lang="en-US"/>
+          </a:p>
+        </p:txBody>
+      </p:sp>
+      <p:sp>
+        <p:nvSpPr>
+          <p:cNvPr id="11" name="Rectangle 10"/>
+          <p:cNvSpPr/>
+          <p:nvPr/>
+        </p:nvSpPr>
+        <p:spPr>
+          <a:xfrm>
+            <a:off x="236483" y="1981200"/>
+            <a:ext cx="8763000" cy="4301357"/>
+          </a:xfrm>
+          <a:prstGeom prst="rect">
+            <a:avLst/>
+          </a:prstGeom>
+          <a:solidFill>
+            <a:schemeClr val="bg1"/>
+          </a:solidFill>
+          <a:ln>
+            <a:solidFill>
+              <a:schemeClr val="bg1"/>
+            </a:solidFill>
+          </a:ln>
+        </p:spPr>
+        <p:style>
+          <a:lnRef idx="2">
+            <a:schemeClr val="accent1">
+              <a:shade val="50000"/>
+            </a:schemeClr>
+          </a:lnRef>
+          <a:fillRef idx="1">
+            <a:schemeClr val="accent1"/>
+          </a:fillRef>
+          <a:effectRef idx="0">
+            <a:schemeClr val="accent1"/>
+          </a:effectRef>
+          <a:fontRef idx="minor">
+            <a:schemeClr val="lt1"/>
+          </a:fontRef>
+        </p:style>
+        <p:txBody>
+          <a:bodyPr rtlCol="0" anchor="ctr"/>
+          <a:lstStyle/>
+          <a:p>
+            <a:pPr algn="ctr"/>
+            <a:endParaRPr lang="en-US"/>
+          </a:p>
+        </p:txBody>
+      </p:sp>
+      <p:sp>
+        <p:nvSpPr>
+          <p:cNvPr id="12" name="Rectangle 11"/>
+          <p:cNvSpPr/>
+          <p:nvPr/>
+        </p:nvSpPr>
+        <p:spPr>
+          <a:xfrm>
+            <a:off x="155028" y="1600200"/>
+            <a:ext cx="8763000" cy="4645571"/>
+          </a:xfrm>
+          <a:prstGeom prst="rect">
+            <a:avLst/>
+          </a:prstGeom>
+          <a:solidFill>
+            <a:schemeClr val="bg1"/>
+          </a:solidFill>
+          <a:ln>
+            <a:solidFill>
+              <a:schemeClr val="bg1"/>
+            </a:solidFill>
+          </a:ln>
+        </p:spPr>
+        <p:style>
+          <a:lnRef idx="2">
+            <a:schemeClr val="accent1">
+              <a:shade val="50000"/>
+            </a:schemeClr>
+          </a:lnRef>
+          <a:fillRef idx="1">
+            <a:schemeClr val="accent1"/>
+          </a:fillRef>
+          <a:effectRef idx="0">
+            <a:schemeClr val="accent1"/>
+          </a:effectRef>
+          <a:fontRef idx="minor">
+            <a:schemeClr val="lt1"/>
+          </a:fontRef>
+        </p:style>
+        <p:txBody>
+          <a:bodyPr rtlCol="0" anchor="ctr"/>
+          <a:lstStyle/>
+          <a:p>
+            <a:pPr algn="ctr"/>
+            <a:endParaRPr lang="en-US"/>
+          </a:p>
+        </p:txBody>
+      </p:sp>
+      <p:sp>
+        <p:nvSpPr>
+          <p:cNvPr id="3" name="Title 2"/>
+          <p:cNvSpPr>
+            <a:spLocks noGrp="1"/>
+          </p:cNvSpPr>
+          <p:nvPr>
+            <p:ph type="title"/>
+          </p:nvPr>
+        </p:nvSpPr>
+        <p:spPr/>
+        <p:txBody>
+          <a:bodyPr/>
+          <a:lstStyle/>
+          <a:p>
+            <a:r>
+              <a:rPr lang="en-US" dirty="0" smtClean="0"/>
+              <a:t>A Tale of 2 Developers	</a:t>
+            </a:r>
+            <a:endParaRPr lang="en-US" dirty="0"/>
+          </a:p>
+        </p:txBody>
+      </p:sp>
+    </p:spTree>
+    <p:extLst>
+      <p:ext uri="{BB962C8B-B14F-4D97-AF65-F5344CB8AC3E}">
+        <p14:creationId xmlns:p14="http://schemas.microsoft.com/office/powerpoint/2010/main" val="3366067081"/>
+      </p:ext>
+    </p:extLst>
+  </p:cSld>
+  <p:clrMapOvr>
+    <a:masterClrMapping/>
+  </p:clrMapOvr>
+  <p:timing>
+    <p:tnLst>
+      <p:par>
+        <p:cTn id="1" dur="indefinite" restart="never" nodeType="tmRoot">
+          <p:childTnLst>
+            <p:seq concurrent="1" nextAc="seek">
+              <p:cTn id="2" dur="indefinite" nodeType="mainSeq">
+                <p:childTnLst>
+                  <p:par>
+                    <p:cTn id="3" fill="hold">
+                      <p:stCondLst>
+                        <p:cond delay="indefinite"/>
+                      </p:stCondLst>
+                      <p:childTnLst>
+                        <p:par>
+                          <p:cTn id="4" fill="hold">
+                            <p:stCondLst>
+                              <p:cond delay="0"/>
+                            </p:stCondLst>
+                            <p:childTnLst>
+                              <p:par>
+                                <p:cTn id="5" presetID="1" presetClass="exit" presetSubtype="0" fill="hold" grpId="0" nodeType="clickEffect">
+                                  <p:stCondLst>
+                                    <p:cond delay="0"/>
+                                  </p:stCondLst>
+                                  <p:childTnLst>
+                                    <p:set>
+                                      <p:cBhvr>
+                                        <p:cTn id="6" dur="1" fill="hold">
+                                          <p:stCondLst>
+                                            <p:cond delay="0"/>
+                                          </p:stCondLst>
+                                        </p:cTn>
+                                        <p:tgtEl>
+                                          <p:spTgt spid="12"/>
+                                        </p:tgtEl>
+                                        <p:attrNameLst>
+                                          <p:attrName>style.visibility</p:attrName>
+                                        </p:attrNameLst>
+                                      </p:cBhvr>
+                                      <p:to>
+                                        <p:strVal val="hidden"/>
+                                      </p:to>
+                                    </p:set>
+                                  </p:childTnLst>
+                                </p:cTn>
+                              </p:par>
+                            </p:childTnLst>
+                          </p:cTn>
+                        </p:par>
+                      </p:childTnLst>
+                    </p:cTn>
+                  </p:par>
+                  <p:par>
+                    <p:cTn id="7" fill="hold">
+                      <p:stCondLst>
+                        <p:cond delay="indefinite"/>
+                      </p:stCondLst>
+                      <p:childTnLst>
+                        <p:par>
+                          <p:cTn id="8" fill="hold">
+                            <p:stCondLst>
+                              <p:cond delay="0"/>
+                            </p:stCondLst>
+                            <p:childTnLst>
+                              <p:par>
+                                <p:cTn id="9" presetID="1" presetClass="exit" presetSubtype="0" fill="hold" grpId="0" nodeType="clickEffect">
+                                  <p:stCondLst>
+                                    <p:cond delay="0"/>
+                                  </p:stCondLst>
+                                  <p:childTnLst>
+                                    <p:set>
+                                      <p:cBhvr>
+                                        <p:cTn id="10" dur="1" fill="hold">
+                                          <p:stCondLst>
+                                            <p:cond delay="0"/>
+                                          </p:stCondLst>
+                                        </p:cTn>
+                                        <p:tgtEl>
+                                          <p:spTgt spid="11"/>
+                                        </p:tgtEl>
+                                        <p:attrNameLst>
+                                          <p:attrName>style.visibility</p:attrName>
+                                        </p:attrNameLst>
+                                      </p:cBhvr>
+                                      <p:to>
+                                        <p:strVal val="hidden"/>
+                                      </p:to>
+                                    </p:set>
+                                  </p:childTnLst>
+                                </p:cTn>
+                              </p:par>
+                            </p:childTnLst>
+                          </p:cTn>
+                        </p:par>
+                      </p:childTnLst>
+                    </p:cTn>
+                  </p:par>
+                  <p:par>
+                    <p:cTn id="11" fill="hold">
+                      <p:stCondLst>
+                        <p:cond delay="indefinite"/>
+                      </p:stCondLst>
+                      <p:childTnLst>
+                        <p:par>
+                          <p:cTn id="12" fill="hold">
+                            <p:stCondLst>
+                              <p:cond delay="0"/>
+                            </p:stCondLst>
+                            <p:childTnLst>
+                              <p:par>
+                                <p:cTn id="13" presetID="1" presetClass="exit" presetSubtype="0" fill="hold" grpId="0" nodeType="clickEffect">
+                                  <p:stCondLst>
+                                    <p:cond delay="0"/>
+                                  </p:stCondLst>
+                                  <p:childTnLst>
+                                    <p:set>
+                                      <p:cBhvr>
+                                        <p:cTn id="14" dur="1" fill="hold">
+                                          <p:stCondLst>
+                                            <p:cond delay="0"/>
+                                          </p:stCondLst>
+                                        </p:cTn>
+                                        <p:tgtEl>
+                                          <p:spTgt spid="10"/>
+                                        </p:tgtEl>
+                                        <p:attrNameLst>
+                                          <p:attrName>style.visibility</p:attrName>
+                                        </p:attrNameLst>
+                                      </p:cBhvr>
+                                      <p:to>
+                                        <p:strVal val="hidden"/>
+                                      </p:to>
+                                    </p:set>
+                                  </p:childTnLst>
+                                </p:cTn>
+                              </p:par>
+                            </p:childTnLst>
+                          </p:cTn>
+                        </p:par>
+                      </p:childTnLst>
+                    </p:cTn>
+                  </p:par>
+                  <p:par>
+                    <p:cTn id="15" fill="hold">
+                      <p:stCondLst>
+                        <p:cond delay="indefinite"/>
+                      </p:stCondLst>
+                      <p:childTnLst>
+                        <p:par>
+                          <p:cTn id="16" fill="hold">
+                            <p:stCondLst>
+                              <p:cond delay="0"/>
+                            </p:stCondLst>
+                            <p:childTnLst>
+                              <p:par>
+                                <p:cTn id="17" presetID="1" presetClass="exit" presetSubtype="0" fill="hold" grpId="0" nodeType="clickEffect">
+                                  <p:stCondLst>
+                                    <p:cond delay="0"/>
+                                  </p:stCondLst>
+                                  <p:childTnLst>
+                                    <p:set>
+                                      <p:cBhvr>
+                                        <p:cTn id="18" dur="1" fill="hold">
+                                          <p:stCondLst>
+                                            <p:cond delay="0"/>
+                                          </p:stCondLst>
+                                        </p:cTn>
+                                        <p:tgtEl>
+                                          <p:spTgt spid="9"/>
+                                        </p:tgtEl>
+                                        <p:attrNameLst>
+                                          <p:attrName>style.visibility</p:attrName>
+                                        </p:attrNameLst>
+                                      </p:cBhvr>
+                                      <p:to>
+                                        <p:strVal val="hidden"/>
+                                      </p:to>
+                                    </p:set>
+                                  </p:childTnLst>
+                                </p:cTn>
+                              </p:par>
+                            </p:childTnLst>
+                          </p:cTn>
+                        </p:par>
+                      </p:childTnLst>
+                    </p:cTn>
+                  </p:par>
+                  <p:par>
+                    <p:cTn id="19" fill="hold">
+                      <p:stCondLst>
+                        <p:cond delay="indefinite"/>
+                      </p:stCondLst>
+                      <p:childTnLst>
+                        <p:par>
+                          <p:cTn id="20" fill="hold">
+                            <p:stCondLst>
+                              <p:cond delay="0"/>
+                            </p:stCondLst>
+                            <p:childTnLst>
+                              <p:par>
+                                <p:cTn id="21" presetID="1" presetClass="exit" presetSubtype="0" fill="hold" grpId="0" nodeType="clickEffect">
+                                  <p:stCondLst>
+                                    <p:cond delay="0"/>
+                                  </p:stCondLst>
+                                  <p:childTnLst>
+                                    <p:set>
+                                      <p:cBhvr>
+                                        <p:cTn id="22" dur="1" fill="hold">
+                                          <p:stCondLst>
+                                            <p:cond delay="0"/>
+                                          </p:stCondLst>
+                                        </p:cTn>
+                                        <p:tgtEl>
+                                          <p:spTgt spid="8"/>
+                                        </p:tgtEl>
+                                        <p:attrNameLst>
+                                          <p:attrName>style.visibility</p:attrName>
+                                        </p:attrNameLst>
+                                      </p:cBhvr>
+                                      <p:to>
+                                        <p:strVal val="hidden"/>
+                                      </p:to>
+                                    </p:set>
+                                  </p:childTnLst>
+                                </p:cTn>
+                              </p:par>
+                            </p:childTnLst>
+                          </p:cTn>
+                        </p:par>
+                      </p:childTnLst>
+                    </p:cTn>
+                  </p:par>
+                  <p:par>
+                    <p:cTn id="23" fill="hold">
+                      <p:stCondLst>
+                        <p:cond delay="indefinite"/>
+                      </p:stCondLst>
+                      <p:childTnLst>
+                        <p:par>
+                          <p:cTn id="24" fill="hold">
+                            <p:stCondLst>
+                              <p:cond delay="0"/>
+                            </p:stCondLst>
+                            <p:childTnLst>
+                              <p:par>
+                                <p:cTn id="25" presetID="1" presetClass="exit" presetSubtype="0" fill="hold" grpId="0" nodeType="clickEffect">
+                                  <p:stCondLst>
+                                    <p:cond delay="0"/>
+                                  </p:stCondLst>
+                                  <p:childTnLst>
+                                    <p:set>
+                                      <p:cBhvr>
+                                        <p:cTn id="26" dur="1" fill="hold">
+                                          <p:stCondLst>
+                                            <p:cond delay="0"/>
+                                          </p:stCondLst>
+                                        </p:cTn>
+                                        <p:tgtEl>
+                                          <p:spTgt spid="7"/>
+                                        </p:tgtEl>
+                                        <p:attrNameLst>
+                                          <p:attrName>style.visibility</p:attrName>
+                                        </p:attrNameLst>
+                                      </p:cBhvr>
+                                      <p:to>
+                                        <p:strVal val="hidden"/>
+                                      </p:to>
+                                    </p:set>
+                                  </p:childTnLst>
+                                </p:cTn>
+                              </p:par>
+                            </p:childTnLst>
+                          </p:cTn>
+                        </p:par>
+                      </p:childTnLst>
+                    </p:cTn>
+                  </p:par>
+                  <p:par>
+                    <p:cTn id="27" fill="hold">
+                      <p:stCondLst>
+                        <p:cond delay="indefinite"/>
+                      </p:stCondLst>
+                      <p:childTnLst>
+                        <p:par>
+                          <p:cTn id="28" fill="hold">
+                            <p:stCondLst>
+                              <p:cond delay="0"/>
+                            </p:stCondLst>
+                            <p:childTnLst>
+                              <p:par>
+                                <p:cTn id="29" presetID="1" presetClass="exit" presetSubtype="0" fill="hold" grpId="0" nodeType="clickEffect">
+                                  <p:stCondLst>
+                                    <p:cond delay="0"/>
+                                  </p:stCondLst>
+                                  <p:childTnLst>
+                                    <p:set>
+                                      <p:cBhvr>
+                                        <p:cTn id="30" dur="1" fill="hold">
+                                          <p:stCondLst>
+                                            <p:cond delay="0"/>
+                                          </p:stCondLst>
+                                        </p:cTn>
+                                        <p:tgtEl>
+                                          <p:spTgt spid="6"/>
+                                        </p:tgtEl>
+                                        <p:attrNameLst>
+                                          <p:attrName>style.visibility</p:attrName>
+                                        </p:attrNameLst>
+                                      </p:cBhvr>
+                                      <p:to>
+                                        <p:strVal val="hidden"/>
+                                      </p:to>
+                                    </p:set>
+                                  </p:childTnLst>
+                                </p:cTn>
+                              </p:par>
+                            </p:childTnLst>
+                          </p:cTn>
+                        </p:par>
+                      </p:childTnLst>
+                    </p:cTn>
+                  </p:par>
+                </p:childTnLst>
+              </p:cTn>
+              <p:prevCondLst>
+                <p:cond evt="onPrev" delay="0">
+                  <p:tgtEl>
+                    <p:sldTgt/>
+                  </p:tgtEl>
+                </p:cond>
+              </p:prevCondLst>
+              <p:nextCondLst>
+                <p:cond evt="onNext" delay="0">
+                  <p:tgtEl>
+                    <p:sldTgt/>
+                  </p:tgtEl>
+                </p:cond>
+              </p:nextCondLst>
+            </p:seq>
+          </p:childTnLst>
+        </p:cTn>
+      </p:par>
+    </p:tnLst>
+    <p:bldLst>
+      <p:bldP spid="6" grpId="0" animBg="1"/>
+      <p:bldP spid="7" grpId="0" animBg="1"/>
+      <p:bldP spid="8" grpId="0" animBg="1"/>
+      <p:bldP spid="9" grpId="0" animBg="1"/>
+      <p:bldP spid="10" grpId="0" animBg="1"/>
+      <p:bldP spid="11" grpId="0" animBg="1"/>
+      <p:bldP spid="12" grpId="0" animBg="1"/>
+    </p:bldLst>
   </p:timing>
 </p:sld>
 </file>

--- a/Refactoring Workshop.pptx
+++ b/Refactoring Workshop.pptx
@@ -10,9 +10,9 @@
   </p:notesMasterIdLst>
   <p:sldIdLst>
     <p:sldId id="256" r:id="rId3"/>
-    <p:sldId id="257" r:id="rId4"/>
-    <p:sldId id="266" r:id="rId5"/>
-    <p:sldId id="258" r:id="rId6"/>
+    <p:sldId id="266" r:id="rId4"/>
+    <p:sldId id="258" r:id="rId5"/>
+    <p:sldId id="257" r:id="rId6"/>
     <p:sldId id="270" r:id="rId7"/>
     <p:sldId id="259" r:id="rId8"/>
     <p:sldId id="261" r:id="rId9"/>
@@ -211,7 +211,7 @@
           <a:p>
             <a:fld id="{593211BE-2AAC-4A14-A5B4-00BA75A95635}" type="datetimeFigureOut">
               <a:rPr lang="en-US" smtClean="0"/>
-              <a:t>5/12/2014</a:t>
+              <a:t>5/14/2014</a:t>
             </a:fld>
             <a:endParaRPr lang="en-US"/>
           </a:p>
@@ -9061,6 +9061,88 @@
           <a:chExt cx="0" cy="0"/>
         </a:xfrm>
       </p:grpSpPr>
+      <p:pic>
+        <p:nvPicPr>
+          <p:cNvPr id="1028" name="Picture 4" descr="http://2.bp.blogspot.com/-Ha8ELy8Xpsw/UAjCzJ6WAqI/AAAAAAAAE-Y/GHa7ady2qhU/s1600/glass-of-dirty-water.jpg"/>
+          <p:cNvPicPr>
+            <a:picLocks noChangeAspect="1" noChangeArrowheads="1"/>
+          </p:cNvPicPr>
+          <p:nvPr/>
+        </p:nvPicPr>
+        <p:blipFill>
+          <a:blip r:embed="rId2" cstate="print">
+            <a:extLst>
+              <a:ext uri="{28A0092B-C50C-407E-A947-70E740481C1C}">
+                <a14:useLocalDpi xmlns:a14="http://schemas.microsoft.com/office/drawing/2010/main" val="0"/>
+              </a:ext>
+            </a:extLst>
+          </a:blip>
+          <a:srcRect/>
+          <a:stretch>
+            <a:fillRect/>
+          </a:stretch>
+        </p:blipFill>
+        <p:spPr bwMode="auto">
+          <a:xfrm>
+            <a:off x="1295400" y="1371600"/>
+            <a:ext cx="3418334" cy="4482500"/>
+          </a:xfrm>
+          <a:prstGeom prst="rect">
+            <a:avLst/>
+          </a:prstGeom>
+          <a:noFill/>
+          <a:extLst>
+            <a:ext uri="{909E8E84-426E-40DD-AFC4-6F175D3DCCD1}">
+              <a14:hiddenFill xmlns:a14="http://schemas.microsoft.com/office/drawing/2010/main">
+                <a:solidFill>
+                  <a:srgbClr val="FFFFFF"/>
+                </a:solidFill>
+              </a14:hiddenFill>
+            </a:ext>
+          </a:extLst>
+        </p:spPr>
+      </p:pic>
+      <p:pic>
+        <p:nvPicPr>
+          <p:cNvPr id="1026" name="Picture 2" descr="http://berrycreaxions.webstarts.com/uploads/red_wine_glass.jpg"/>
+          <p:cNvPicPr>
+            <a:picLocks noChangeAspect="1" noChangeArrowheads="1"/>
+          </p:cNvPicPr>
+          <p:nvPr/>
+        </p:nvPicPr>
+        <p:blipFill>
+          <a:blip r:embed="rId3">
+            <a:extLst>
+              <a:ext uri="{28A0092B-C50C-407E-A947-70E740481C1C}">
+                <a14:useLocalDpi xmlns:a14="http://schemas.microsoft.com/office/drawing/2010/main" val="0"/>
+              </a:ext>
+            </a:extLst>
+          </a:blip>
+          <a:srcRect/>
+          <a:stretch>
+            <a:fillRect/>
+          </a:stretch>
+        </p:blipFill>
+        <p:spPr bwMode="auto">
+          <a:xfrm>
+            <a:off x="4695825" y="1412304"/>
+            <a:ext cx="2695575" cy="4038601"/>
+          </a:xfrm>
+          <a:prstGeom prst="rect">
+            <a:avLst/>
+          </a:prstGeom>
+          <a:noFill/>
+          <a:extLst>
+            <a:ext uri="{909E8E84-426E-40DD-AFC4-6F175D3DCCD1}">
+              <a14:hiddenFill xmlns:a14="http://schemas.microsoft.com/office/drawing/2010/main">
+                <a:solidFill>
+                  <a:srgbClr val="FFFFFF"/>
+                </a:solidFill>
+              </a14:hiddenFill>
+            </a:ext>
+          </a:extLst>
+        </p:spPr>
+      </p:pic>
       <p:sp>
         <p:nvSpPr>
           <p:cNvPr id="2" name="Content Placeholder 1"/>
@@ -9073,7 +9155,7 @@
         </p:nvSpPr>
         <p:spPr>
           <a:xfrm>
-            <a:off x="304800" y="1371600"/>
+            <a:off x="246993" y="990600"/>
             <a:ext cx="8534400" cy="609600"/>
           </a:xfrm>
         </p:spPr>
@@ -9122,66 +9204,6 @@
           </a:p>
         </p:txBody>
       </p:sp>
-      <p:pic>
-        <p:nvPicPr>
-          <p:cNvPr id="5" name="Picture 4"/>
-          <p:cNvPicPr>
-            <a:picLocks noChangeAspect="1"/>
-          </p:cNvPicPr>
-          <p:nvPr/>
-        </p:nvPicPr>
-        <p:blipFill>
-          <a:blip r:embed="rId2">
-            <a:extLst>
-              <a:ext uri="{28A0092B-C50C-407E-A947-70E740481C1C}">
-                <a14:useLocalDpi xmlns:a14="http://schemas.microsoft.com/office/drawing/2010/main" val="0"/>
-              </a:ext>
-            </a:extLst>
-          </a:blip>
-          <a:stretch>
-            <a:fillRect/>
-          </a:stretch>
-        </p:blipFill>
-        <p:spPr>
-          <a:xfrm>
-            <a:off x="1905000" y="2488981"/>
-            <a:ext cx="2286000" cy="1790700"/>
-          </a:xfrm>
-          <a:prstGeom prst="rect">
-            <a:avLst/>
-          </a:prstGeom>
-        </p:spPr>
-      </p:pic>
-      <p:pic>
-        <p:nvPicPr>
-          <p:cNvPr id="6" name="Picture 5"/>
-          <p:cNvPicPr>
-            <a:picLocks noChangeAspect="1"/>
-          </p:cNvPicPr>
-          <p:nvPr/>
-        </p:nvPicPr>
-        <p:blipFill>
-          <a:blip r:embed="rId3">
-            <a:extLst>
-              <a:ext uri="{28A0092B-C50C-407E-A947-70E740481C1C}">
-                <a14:useLocalDpi xmlns:a14="http://schemas.microsoft.com/office/drawing/2010/main" val="0"/>
-              </a:ext>
-            </a:extLst>
-          </a:blip>
-          <a:stretch>
-            <a:fillRect/>
-          </a:stretch>
-        </p:blipFill>
-        <p:spPr>
-          <a:xfrm>
-            <a:off x="5029200" y="2365484"/>
-            <a:ext cx="2181225" cy="2095500"/>
-          </a:xfrm>
-          <a:prstGeom prst="rect">
-            <a:avLst/>
-          </a:prstGeom>
-        </p:spPr>
-      </p:pic>
       <p:sp>
         <p:nvSpPr>
           <p:cNvPr id="7" name="Content Placeholder 1"/>
@@ -9192,8 +9214,8 @@
         </p:nvSpPr>
         <p:spPr>
           <a:xfrm>
-            <a:off x="417786" y="4724400"/>
-            <a:ext cx="8192814" cy="1066800"/>
+            <a:off x="417786" y="5181600"/>
+            <a:ext cx="8192814" cy="701610"/>
           </a:xfrm>
           <a:prstGeom prst="rect">
             <a:avLst/>
@@ -10137,8 +10159,8 @@
         </p:blipFill>
         <p:spPr bwMode="auto">
           <a:xfrm>
-            <a:off x="0" y="557108"/>
-            <a:ext cx="6781800" cy="5736558"/>
+            <a:off x="0" y="528204"/>
+            <a:ext cx="9144000" cy="7734685"/>
           </a:xfrm>
           <a:prstGeom prst="rect">
             <a:avLst/>
@@ -10180,6 +10202,58 @@
               <a:t>A real life case study</a:t>
             </a:r>
             <a:endParaRPr lang="en-US" dirty="0"/>
+          </a:p>
+        </p:txBody>
+      </p:sp>
+      <p:sp>
+        <p:nvSpPr>
+          <p:cNvPr id="2" name="Rectangle 1"/>
+          <p:cNvSpPr/>
+          <p:nvPr/>
+        </p:nvSpPr>
+        <p:spPr>
+          <a:xfrm>
+            <a:off x="4572000" y="3733800"/>
+            <a:ext cx="3962400" cy="4114800"/>
+          </a:xfrm>
+          <a:prstGeom prst="rect">
+            <a:avLst/>
+          </a:prstGeom>
+          <a:solidFill>
+            <a:schemeClr val="bg1"/>
+          </a:solidFill>
+          <a:ln>
+            <a:solidFill>
+              <a:schemeClr val="bg1"/>
+            </a:solidFill>
+          </a:ln>
+        </p:spPr>
+        <p:style>
+          <a:lnRef idx="2">
+            <a:schemeClr val="accent1">
+              <a:shade val="50000"/>
+            </a:schemeClr>
+          </a:lnRef>
+          <a:fillRef idx="1">
+            <a:schemeClr val="accent1"/>
+          </a:fillRef>
+          <a:effectRef idx="0">
+            <a:schemeClr val="accent1"/>
+          </a:effectRef>
+          <a:fontRef idx="minor">
+            <a:schemeClr val="lt1"/>
+          </a:fontRef>
+        </p:style>
+        <p:txBody>
+          <a:bodyPr rtlCol="0" anchor="ctr"/>
+          <a:lstStyle/>
+          <a:p>
+            <a:pPr algn="ctr"/>
+            <a:endParaRPr lang="en-US">
+              <a:solidFill>
+                <a:schemeClr val="bg1"/>
+              </a:solidFill>
+            </a:endParaRPr>
           </a:p>
         </p:txBody>
       </p:sp>
@@ -11446,6 +11520,29 @@
           <a:chExt cx="0" cy="0"/>
         </a:xfrm>
       </p:grpSpPr>
+      <p:sp>
+        <p:nvSpPr>
+          <p:cNvPr id="3" name="Title 2"/>
+          <p:cNvSpPr>
+            <a:spLocks noGrp="1"/>
+          </p:cNvSpPr>
+          <p:nvPr>
+            <p:ph type="title"/>
+          </p:nvPr>
+        </p:nvSpPr>
+        <p:spPr/>
+        <p:txBody>
+          <a:bodyPr/>
+          <a:lstStyle/>
+          <a:p>
+            <a:r>
+              <a:rPr lang="en-US" dirty="0" smtClean="0"/>
+              <a:t>The Light at the End of the Tunnel</a:t>
+            </a:r>
+            <a:endParaRPr lang="en-US" dirty="0"/>
+          </a:p>
+        </p:txBody>
+      </p:sp>
       <p:pic>
         <p:nvPicPr>
           <p:cNvPr id="5" name="Content Placeholder 4"/>
@@ -11470,34 +11567,11 @@
         </p:blipFill>
         <p:spPr>
           <a:xfrm>
-            <a:off x="2812288" y="762001"/>
-            <a:ext cx="6242303" cy="4876800"/>
+            <a:off x="-18393" y="-28904"/>
+            <a:ext cx="9162393" cy="7158121"/>
           </a:xfrm>
         </p:spPr>
       </p:pic>
-      <p:sp>
-        <p:nvSpPr>
-          <p:cNvPr id="3" name="Title 2"/>
-          <p:cNvSpPr>
-            <a:spLocks noGrp="1"/>
-          </p:cNvSpPr>
-          <p:nvPr>
-            <p:ph type="title"/>
-          </p:nvPr>
-        </p:nvSpPr>
-        <p:spPr/>
-        <p:txBody>
-          <a:bodyPr/>
-          <a:lstStyle/>
-          <a:p>
-            <a:r>
-              <a:rPr lang="en-US" dirty="0" smtClean="0"/>
-              <a:t>The Light at the End of the Tunnel</a:t>
-            </a:r>
-            <a:endParaRPr lang="en-US" dirty="0"/>
-          </a:p>
-        </p:txBody>
-      </p:sp>
       <p:sp>
         <p:nvSpPr>
           <p:cNvPr id="7" name="Content Placeholder 1"/>
@@ -11508,8 +11582,8 @@
         </p:nvSpPr>
         <p:spPr>
           <a:xfrm>
-            <a:off x="152400" y="685800"/>
-            <a:ext cx="2590800" cy="5211764"/>
+            <a:off x="2362200" y="2209800"/>
+            <a:ext cx="6400800" cy="3382964"/>
           </a:xfrm>
           <a:prstGeom prst="rect">
             <a:avLst/>
@@ -11661,22 +11735,38 @@
           </a:lstStyle>
           <a:p>
             <a:r>
-              <a:rPr lang="en-US" dirty="0" smtClean="0"/>
+              <a:rPr lang="en-US" dirty="0" smtClean="0">
+                <a:solidFill>
+                  <a:schemeClr val="bg1"/>
+                </a:solidFill>
+              </a:rPr>
               <a:t>Code that is easy to maintain.</a:t>
             </a:r>
           </a:p>
           <a:p>
             <a:r>
-              <a:rPr lang="en-US" dirty="0" smtClean="0"/>
+              <a:rPr lang="en-US" dirty="0" smtClean="0">
+                <a:solidFill>
+                  <a:schemeClr val="bg1"/>
+                </a:solidFill>
+              </a:rPr>
               <a:t>Code that is flexible to change.</a:t>
             </a:r>
           </a:p>
           <a:p>
             <a:r>
-              <a:rPr lang="en-US" dirty="0" smtClean="0"/>
+              <a:rPr lang="en-US" dirty="0" smtClean="0">
+                <a:solidFill>
+                  <a:schemeClr val="bg1"/>
+                </a:solidFill>
+              </a:rPr>
               <a:t>Code that you want to re-use.</a:t>
             </a:r>
-            <a:endParaRPr lang="en-US" dirty="0"/>
+            <a:endParaRPr lang="en-US" dirty="0">
+              <a:solidFill>
+                <a:schemeClr val="bg1"/>
+              </a:solidFill>
+            </a:endParaRPr>
           </a:p>
         </p:txBody>
       </p:sp>
@@ -13164,8 +13254,8 @@
         </p:blipFill>
         <p:spPr>
           <a:xfrm>
-            <a:off x="228600" y="533400"/>
-            <a:ext cx="8743026" cy="5791200"/>
+            <a:off x="-5256" y="0"/>
+            <a:ext cx="10353583" cy="6858000"/>
           </a:xfrm>
         </p:spPr>
       </p:pic>
@@ -13259,56 +13349,6 @@
       </p:grpSpPr>
       <p:sp>
         <p:nvSpPr>
-          <p:cNvPr id="2" name="Content Placeholder 1"/>
-          <p:cNvSpPr>
-            <a:spLocks noGrp="1"/>
-          </p:cNvSpPr>
-          <p:nvPr>
-            <p:ph idx="1"/>
-          </p:nvPr>
-        </p:nvSpPr>
-        <p:spPr/>
-        <p:txBody>
-          <a:bodyPr/>
-          <a:lstStyle/>
-          <a:p>
-            <a:r>
-              <a:rPr lang="en-US" dirty="0" smtClean="0"/>
-              <a:t>Let’s get to refactoring…</a:t>
-            </a:r>
-          </a:p>
-          <a:p>
-            <a:endParaRPr lang="en-US" dirty="0" smtClean="0"/>
-          </a:p>
-          <a:p>
-            <a:endParaRPr lang="en-US" dirty="0"/>
-          </a:p>
-          <a:p>
-            <a:endParaRPr lang="en-US" dirty="0" smtClean="0"/>
-          </a:p>
-          <a:p>
-            <a:endParaRPr lang="en-US" dirty="0"/>
-          </a:p>
-          <a:p>
-            <a:endParaRPr lang="en-US" dirty="0" smtClean="0"/>
-          </a:p>
-          <a:p>
-            <a:endParaRPr lang="en-US" dirty="0"/>
-          </a:p>
-          <a:p>
-            <a:endParaRPr lang="en-US" dirty="0" smtClean="0"/>
-          </a:p>
-          <a:p>
-            <a:r>
-              <a:rPr lang="en-US" dirty="0" smtClean="0"/>
-              <a:t>Questions?</a:t>
-            </a:r>
-            <a:endParaRPr lang="en-US" dirty="0"/>
-          </a:p>
-        </p:txBody>
-      </p:sp>
-      <p:sp>
-        <p:nvSpPr>
           <p:cNvPr id="3" name="Title 2"/>
           <p:cNvSpPr>
             <a:spLocks noGrp="1"/>
@@ -13352,14 +13392,85 @@
         </p:blipFill>
         <p:spPr>
           <a:xfrm>
-            <a:off x="590550" y="1676399"/>
-            <a:ext cx="4972050" cy="3544667"/>
+            <a:off x="-152400" y="0"/>
+            <a:ext cx="9619610" cy="6858000"/>
           </a:xfrm>
           <a:prstGeom prst="rect">
             <a:avLst/>
           </a:prstGeom>
         </p:spPr>
       </p:pic>
+      <p:sp>
+        <p:nvSpPr>
+          <p:cNvPr id="2" name="Content Placeholder 1"/>
+          <p:cNvSpPr>
+            <a:spLocks noGrp="1"/>
+          </p:cNvSpPr>
+          <p:nvPr>
+            <p:ph idx="1"/>
+          </p:nvPr>
+        </p:nvSpPr>
+        <p:spPr>
+          <a:xfrm>
+            <a:off x="3057205" y="5715000"/>
+            <a:ext cx="3200400" cy="609600"/>
+          </a:xfrm>
+        </p:spPr>
+        <p:txBody>
+          <a:bodyPr/>
+          <a:lstStyle/>
+          <a:p>
+            <a:pPr marL="0" indent="0">
+              <a:buNone/>
+            </a:pPr>
+            <a:r>
+              <a:rPr lang="en-US" dirty="0" smtClean="0">
+                <a:solidFill>
+                  <a:schemeClr val="bg1"/>
+                </a:solidFill>
+              </a:rPr>
+              <a:t>Let’s get to </a:t>
+            </a:r>
+            <a:r>
+              <a:rPr lang="en-US" dirty="0" smtClean="0">
+                <a:solidFill>
+                  <a:schemeClr val="bg1"/>
+                </a:solidFill>
+              </a:rPr>
+              <a:t>it…</a:t>
+            </a:r>
+            <a:endParaRPr lang="en-US" dirty="0" smtClean="0">
+              <a:solidFill>
+                <a:schemeClr val="bg1"/>
+              </a:solidFill>
+            </a:endParaRPr>
+          </a:p>
+          <a:p>
+            <a:endParaRPr lang="en-US" dirty="0" smtClean="0"/>
+          </a:p>
+          <a:p>
+            <a:endParaRPr lang="en-US" dirty="0"/>
+          </a:p>
+          <a:p>
+            <a:endParaRPr lang="en-US" dirty="0" smtClean="0"/>
+          </a:p>
+          <a:p>
+            <a:endParaRPr lang="en-US" dirty="0"/>
+          </a:p>
+          <a:p>
+            <a:endParaRPr lang="en-US" dirty="0" smtClean="0"/>
+          </a:p>
+          <a:p>
+            <a:endParaRPr lang="en-US" dirty="0"/>
+          </a:p>
+          <a:p>
+            <a:pPr marL="0" indent="0">
+              <a:buNone/>
+            </a:pPr>
+            <a:endParaRPr lang="en-US" dirty="0" smtClean="0"/>
+          </a:p>
+        </p:txBody>
+      </p:sp>
     </p:spTree>
     <p:extLst>
       <p:ext uri="{BB962C8B-B14F-4D97-AF65-F5344CB8AC3E}">
@@ -13381,141 +13492,6 @@
 </file>
 
 <file path=ppt/slides/slide2.xml><?xml version="1.0" encoding="utf-8"?>
-<p:sld xmlns:a="http://schemas.openxmlformats.org/drawingml/2006/main" xmlns:r="http://schemas.openxmlformats.org/officeDocument/2006/relationships" xmlns:p="http://schemas.openxmlformats.org/presentationml/2006/main">
-  <p:cSld>
-    <p:spTree>
-      <p:nvGrpSpPr>
-        <p:cNvPr id="1" name=""/>
-        <p:cNvGrpSpPr/>
-        <p:nvPr/>
-      </p:nvGrpSpPr>
-      <p:grpSpPr>
-        <a:xfrm>
-          <a:off x="0" y="0"/>
-          <a:ext cx="0" cy="0"/>
-          <a:chOff x="0" y="0"/>
-          <a:chExt cx="0" cy="0"/>
-        </a:xfrm>
-      </p:grpSpPr>
-      <p:sp>
-        <p:nvSpPr>
-          <p:cNvPr id="2" name="Content Placeholder 1"/>
-          <p:cNvSpPr>
-            <a:spLocks noGrp="1"/>
-          </p:cNvSpPr>
-          <p:nvPr>
-            <p:ph idx="1"/>
-          </p:nvPr>
-        </p:nvSpPr>
-        <p:spPr/>
-        <p:txBody>
-          <a:bodyPr>
-            <a:normAutofit/>
-          </a:bodyPr>
-          <a:lstStyle/>
-          <a:p>
-            <a:pPr marL="0" indent="0">
-              <a:buNone/>
-            </a:pPr>
-            <a:r>
-              <a:rPr lang="en-US" dirty="0" smtClean="0"/>
-              <a:t>Lab facilitators</a:t>
-            </a:r>
-          </a:p>
-          <a:p>
-            <a:r>
-              <a:rPr lang="en-US" dirty="0" smtClean="0"/>
-              <a:t>Patrick Delancy – DEG</a:t>
-            </a:r>
-          </a:p>
-          <a:p>
-            <a:r>
-              <a:rPr lang="en-US" dirty="0" smtClean="0"/>
-              <a:t>Gabe Campbell - </a:t>
-            </a:r>
-            <a:r>
-              <a:rPr lang="en-US" dirty="0" err="1" smtClean="0"/>
-              <a:t>Epiq</a:t>
-            </a:r>
-            <a:endParaRPr lang="en-US" dirty="0" smtClean="0"/>
-          </a:p>
-        </p:txBody>
-      </p:sp>
-      <p:sp>
-        <p:nvSpPr>
-          <p:cNvPr id="3" name="Title 2"/>
-          <p:cNvSpPr>
-            <a:spLocks noGrp="1"/>
-          </p:cNvSpPr>
-          <p:nvPr>
-            <p:ph type="title"/>
-          </p:nvPr>
-        </p:nvSpPr>
-        <p:spPr/>
-        <p:txBody>
-          <a:bodyPr/>
-          <a:lstStyle/>
-          <a:p>
-            <a:r>
-              <a:rPr lang="en-US" dirty="0" smtClean="0"/>
-              <a:t>Turning Water into Wine</a:t>
-            </a:r>
-            <a:endParaRPr lang="en-US" dirty="0"/>
-          </a:p>
-        </p:txBody>
-      </p:sp>
-      <p:sp>
-        <p:nvSpPr>
-          <p:cNvPr id="4" name="Footer Placeholder 3"/>
-          <p:cNvSpPr>
-            <a:spLocks noGrp="1"/>
-          </p:cNvSpPr>
-          <p:nvPr>
-            <p:ph type="ftr" sz="quarter" idx="10"/>
-          </p:nvPr>
-        </p:nvSpPr>
-        <p:spPr/>
-        <p:txBody>
-          <a:bodyPr/>
-          <a:lstStyle/>
-          <a:p>
-            <a:r>
-              <a:rPr lang="en-US" dirty="0" smtClean="0"/>
-              <a:t>Change Presentation Title on Insert Ribbon :: Date Here</a:t>
-            </a:r>
-            <a:endParaRPr lang="en-US" dirty="0"/>
-          </a:p>
-        </p:txBody>
-      </p:sp>
-    </p:spTree>
-    <p:extLst>
-      <p:ext uri="{BB962C8B-B14F-4D97-AF65-F5344CB8AC3E}">
-        <p14:creationId xmlns:p14="http://schemas.microsoft.com/office/powerpoint/2010/main" val="3664266628"/>
-      </p:ext>
-    </p:extLst>
-  </p:cSld>
-  <p:clrMapOvr>
-    <a:masterClrMapping/>
-  </p:clrMapOvr>
-  <mc:AlternateContent xmlns:mc="http://schemas.openxmlformats.org/markup-compatibility/2006" xmlns:p14="http://schemas.microsoft.com/office/powerpoint/2010/main">
-    <mc:Choice Requires="p14">
-      <p:transition spd="slow" p14:dur="2000"/>
-    </mc:Choice>
-    <mc:Fallback xmlns="">
-      <p:transition spd="slow"/>
-    </mc:Fallback>
-  </mc:AlternateContent>
-  <p:timing>
-    <p:tnLst>
-      <p:par>
-        <p:cTn id="1" dur="indefinite" restart="never" nodeType="tmRoot"/>
-      </p:par>
-    </p:tnLst>
-  </p:timing>
-</p:sld>
-</file>
-
-<file path=ppt/slides/slide3.xml><?xml version="1.0" encoding="utf-8"?>
 <p:sld xmlns:a="http://schemas.openxmlformats.org/drawingml/2006/main" xmlns:r="http://schemas.openxmlformats.org/officeDocument/2006/relationships" xmlns:p="http://schemas.openxmlformats.org/presentationml/2006/main">
   <p:cSld>
     <p:spTree>
@@ -13958,7 +13934,7 @@
 </p:sld>
 </file>
 
-<file path=ppt/slides/slide4.xml><?xml version="1.0" encoding="utf-8"?>
+<file path=ppt/slides/slide3.xml><?xml version="1.0" encoding="utf-8"?>
 <p:sld xmlns:a="http://schemas.openxmlformats.org/drawingml/2006/main" xmlns:r="http://schemas.openxmlformats.org/officeDocument/2006/relationships" xmlns:p="http://schemas.openxmlformats.org/presentationml/2006/main">
   <p:cSld>
     <p:spTree>
@@ -14031,7 +14007,7 @@
           <p:nvPr>
             <p:extLst>
               <p:ext uri="{D42A27DB-BD31-4B8C-83A1-F6EECF244321}">
-                <p14:modId xmlns:p14="http://schemas.microsoft.com/office/powerpoint/2010/main" val="543504191"/>
+                <p14:modId xmlns:p14="http://schemas.microsoft.com/office/powerpoint/2010/main" val="1993708431"/>
               </p:ext>
             </p:extLst>
           </p:nvPr>
@@ -14102,7 +14078,11 @@
                     <a:p>
                       <a:r>
                         <a:rPr lang="en-US" dirty="0" smtClean="0"/>
-                        <a:t>Intro &amp; Calories Calculator App</a:t>
+                        <a:t>Intro &amp; </a:t>
+                      </a:r>
+                      <a:r>
+                        <a:rPr lang="en-US" dirty="0" smtClean="0"/>
+                        <a:t>Walkthrough</a:t>
                       </a:r>
                       <a:endParaRPr lang="en-US" dirty="0"/>
                     </a:p>
@@ -14372,6 +14352,295 @@
     <p:tnLst>
       <p:par>
         <p:cTn id="1" dur="indefinite" restart="never" nodeType="tmRoot"/>
+      </p:par>
+    </p:tnLst>
+  </p:timing>
+</p:sld>
+</file>
+
+<file path=ppt/slides/slide4.xml><?xml version="1.0" encoding="utf-8"?>
+<p:sld xmlns:a="http://schemas.openxmlformats.org/drawingml/2006/main" xmlns:r="http://schemas.openxmlformats.org/officeDocument/2006/relationships" xmlns:p="http://schemas.openxmlformats.org/presentationml/2006/main">
+  <p:cSld>
+    <p:spTree>
+      <p:nvGrpSpPr>
+        <p:cNvPr id="1" name=""/>
+        <p:cNvGrpSpPr/>
+        <p:nvPr/>
+      </p:nvGrpSpPr>
+      <p:grpSpPr>
+        <a:xfrm>
+          <a:off x="0" y="0"/>
+          <a:ext cx="0" cy="0"/>
+          <a:chOff x="0" y="0"/>
+          <a:chExt cx="0" cy="0"/>
+        </a:xfrm>
+      </p:grpSpPr>
+      <p:sp>
+        <p:nvSpPr>
+          <p:cNvPr id="2" name="Content Placeholder 1"/>
+          <p:cNvSpPr>
+            <a:spLocks noGrp="1"/>
+          </p:cNvSpPr>
+          <p:nvPr>
+            <p:ph idx="1"/>
+          </p:nvPr>
+        </p:nvSpPr>
+        <p:spPr>
+          <a:xfrm>
+            <a:off x="228600" y="1752600"/>
+            <a:ext cx="8686800" cy="2971800"/>
+          </a:xfrm>
+        </p:spPr>
+        <p:txBody>
+          <a:bodyPr>
+            <a:normAutofit/>
+          </a:bodyPr>
+          <a:lstStyle/>
+          <a:p>
+            <a:pPr marL="0" indent="0">
+              <a:buNone/>
+            </a:pPr>
+            <a:r>
+              <a:rPr lang="en-US" sz="4800" dirty="0" smtClean="0"/>
+              <a:t>Lab facilitators</a:t>
+            </a:r>
+          </a:p>
+          <a:p>
+            <a:r>
+              <a:rPr lang="en-US" sz="4800" dirty="0" smtClean="0"/>
+              <a:t>Patrick Delancy – DEG</a:t>
+            </a:r>
+          </a:p>
+          <a:p>
+            <a:r>
+              <a:rPr lang="en-US" sz="4800" dirty="0" smtClean="0"/>
+              <a:t>Gabe </a:t>
+            </a:r>
+            <a:r>
+              <a:rPr lang="en-US" sz="4800" dirty="0" smtClean="0"/>
+              <a:t>Campbell - </a:t>
+            </a:r>
+            <a:r>
+              <a:rPr lang="en-US" sz="4800" dirty="0" err="1" smtClean="0"/>
+              <a:t>Epiq</a:t>
+            </a:r>
+            <a:endParaRPr lang="en-US" sz="4800" dirty="0" smtClean="0"/>
+          </a:p>
+        </p:txBody>
+      </p:sp>
+      <p:sp>
+        <p:nvSpPr>
+          <p:cNvPr id="3" name="Title 2"/>
+          <p:cNvSpPr>
+            <a:spLocks noGrp="1"/>
+          </p:cNvSpPr>
+          <p:nvPr>
+            <p:ph type="title"/>
+          </p:nvPr>
+        </p:nvSpPr>
+        <p:spPr/>
+        <p:txBody>
+          <a:bodyPr/>
+          <a:lstStyle/>
+          <a:p>
+            <a:r>
+              <a:rPr lang="en-US" dirty="0" smtClean="0"/>
+              <a:t>Turning Water into Wine</a:t>
+            </a:r>
+            <a:endParaRPr lang="en-US" dirty="0"/>
+          </a:p>
+        </p:txBody>
+      </p:sp>
+      <p:sp>
+        <p:nvSpPr>
+          <p:cNvPr id="4" name="Footer Placeholder 3"/>
+          <p:cNvSpPr>
+            <a:spLocks noGrp="1"/>
+          </p:cNvSpPr>
+          <p:nvPr>
+            <p:ph type="ftr" sz="quarter" idx="10"/>
+          </p:nvPr>
+        </p:nvSpPr>
+        <p:spPr/>
+        <p:txBody>
+          <a:bodyPr/>
+          <a:lstStyle/>
+          <a:p>
+            <a:r>
+              <a:rPr lang="en-US" dirty="0" smtClean="0"/>
+              <a:t>Change Presentation Title on Insert Ribbon :: Date Here</a:t>
+            </a:r>
+            <a:endParaRPr lang="en-US" dirty="0"/>
+          </a:p>
+        </p:txBody>
+      </p:sp>
+    </p:spTree>
+    <p:extLst>
+      <p:ext uri="{BB962C8B-B14F-4D97-AF65-F5344CB8AC3E}">
+        <p14:creationId xmlns:p14="http://schemas.microsoft.com/office/powerpoint/2010/main" val="3664266628"/>
+      </p:ext>
+    </p:extLst>
+  </p:cSld>
+  <p:clrMapOvr>
+    <a:masterClrMapping/>
+  </p:clrMapOvr>
+  <mc:AlternateContent xmlns:mc="http://schemas.openxmlformats.org/markup-compatibility/2006" xmlns:p14="http://schemas.microsoft.com/office/powerpoint/2010/main">
+    <mc:Choice Requires="p14">
+      <p:transition spd="slow" p14:dur="2000"/>
+    </mc:Choice>
+    <mc:Fallback xmlns="">
+      <p:transition spd="slow"/>
+    </mc:Fallback>
+  </mc:AlternateContent>
+  <p:timing>
+    <p:tnLst>
+      <p:par>
+        <p:cTn id="1" dur="indefinite" restart="never" nodeType="tmRoot">
+          <p:childTnLst>
+            <p:seq concurrent="1" nextAc="seek">
+              <p:cTn id="2" dur="indefinite" nodeType="mainSeq">
+                <p:childTnLst>
+                  <p:par>
+                    <p:cTn id="3" fill="hold">
+                      <p:stCondLst>
+                        <p:cond delay="indefinite"/>
+                      </p:stCondLst>
+                      <p:childTnLst>
+                        <p:par>
+                          <p:cTn id="4" fill="hold">
+                            <p:stCondLst>
+                              <p:cond delay="0"/>
+                            </p:stCondLst>
+                            <p:childTnLst>
+                              <p:par>
+                                <p:cTn id="5" presetID="10" presetClass="entr" presetSubtype="0" fill="hold" nodeType="clickEffect">
+                                  <p:stCondLst>
+                                    <p:cond delay="0"/>
+                                  </p:stCondLst>
+                                  <p:childTnLst>
+                                    <p:set>
+                                      <p:cBhvr>
+                                        <p:cTn id="6" dur="1" fill="hold">
+                                          <p:stCondLst>
+                                            <p:cond delay="0"/>
+                                          </p:stCondLst>
+                                        </p:cTn>
+                                        <p:tgtEl>
+                                          <p:spTgt spid="2">
+                                            <p:txEl>
+                                              <p:pRg st="1" end="1"/>
+                                            </p:txEl>
+                                          </p:spTgt>
+                                        </p:tgtEl>
+                                        <p:attrNameLst>
+                                          <p:attrName>style.visibility</p:attrName>
+                                        </p:attrNameLst>
+                                      </p:cBhvr>
+                                      <p:to>
+                                        <p:strVal val="visible"/>
+                                      </p:to>
+                                    </p:set>
+                                    <p:animEffect transition="in" filter="fade">
+                                      <p:cBhvr>
+                                        <p:cTn id="7" dur="500"/>
+                                        <p:tgtEl>
+                                          <p:spTgt spid="2">
+                                            <p:txEl>
+                                              <p:pRg st="1" end="1"/>
+                                            </p:txEl>
+                                          </p:spTgt>
+                                        </p:tgtEl>
+                                      </p:cBhvr>
+                                    </p:animEffect>
+                                  </p:childTnLst>
+                                </p:cTn>
+                              </p:par>
+                            </p:childTnLst>
+                          </p:cTn>
+                        </p:par>
+                      </p:childTnLst>
+                    </p:cTn>
+                  </p:par>
+                  <p:par>
+                    <p:cTn id="8" fill="hold">
+                      <p:stCondLst>
+                        <p:cond delay="indefinite"/>
+                      </p:stCondLst>
+                      <p:childTnLst>
+                        <p:par>
+                          <p:cTn id="9" fill="hold">
+                            <p:stCondLst>
+                              <p:cond delay="0"/>
+                            </p:stCondLst>
+                            <p:childTnLst>
+                              <p:par>
+                                <p:cTn id="10" presetID="10" presetClass="entr" presetSubtype="0" fill="hold" nodeType="clickEffect">
+                                  <p:stCondLst>
+                                    <p:cond delay="0"/>
+                                  </p:stCondLst>
+                                  <p:childTnLst>
+                                    <p:set>
+                                      <p:cBhvr>
+                                        <p:cTn id="11" dur="1" fill="hold">
+                                          <p:stCondLst>
+                                            <p:cond delay="0"/>
+                                          </p:stCondLst>
+                                        </p:cTn>
+                                        <p:tgtEl>
+                                          <p:spTgt spid="2">
+                                            <p:txEl>
+                                              <p:pRg st="2" end="2"/>
+                                            </p:txEl>
+                                          </p:spTgt>
+                                        </p:tgtEl>
+                                        <p:attrNameLst>
+                                          <p:attrName>style.visibility</p:attrName>
+                                        </p:attrNameLst>
+                                      </p:cBhvr>
+                                      <p:to>
+                                        <p:strVal val="visible"/>
+                                      </p:to>
+                                    </p:set>
+                                    <p:animEffect transition="in" filter="fade">
+                                      <p:cBhvr>
+                                        <p:cTn id="12" dur="500"/>
+                                        <p:tgtEl>
+                                          <p:spTgt spid="2">
+                                            <p:txEl>
+                                              <p:pRg st="2" end="2"/>
+                                            </p:txEl>
+                                          </p:spTgt>
+                                        </p:tgtEl>
+                                      </p:cBhvr>
+                                    </p:animEffect>
+                                  </p:childTnLst>
+                                </p:cTn>
+                              </p:par>
+                            </p:childTnLst>
+                          </p:cTn>
+                        </p:par>
+                      </p:childTnLst>
+                    </p:cTn>
+                  </p:par>
+                </p:childTnLst>
+              </p:cTn>
+              <p:prevCondLst>
+                <p:cond evt="onPrev" delay="0">
+                  <p:tgtEl>
+                    <p:sldTgt/>
+                  </p:tgtEl>
+                </p:cond>
+              </p:prevCondLst>
+              <p:nextCondLst>
+                <p:cond evt="onNext" delay="0">
+                  <p:tgtEl>
+                    <p:sldTgt/>
+                  </p:tgtEl>
+                </p:cond>
+              </p:nextCondLst>
+            </p:seq>
+          </p:childTnLst>
+        </p:cTn>
       </p:par>
     </p:tnLst>
   </p:timing>
@@ -16463,11 +16732,7 @@
                     <a:p>
                       <a:r>
                         <a:rPr lang="en-US" dirty="0" smtClean="0"/>
-                        <a:t>Developer B </a:t>
-                      </a:r>
-                      <a:r>
-                        <a:rPr lang="en-US" dirty="0" smtClean="0"/>
-                        <a:t>(</a:t>
+                        <a:t>Developer B (</a:t>
                       </a:r>
                       <a:r>
                         <a:rPr lang="en-US" dirty="0" err="1" smtClean="0"/>
